--- a/Nuevo_enfoque_de_proyecto.pptx
+++ b/Nuevo_enfoque_de_proyecto.pptx
@@ -5,7 +5,7 @@
     <p:sldMasterId id="2147483648" r:id="rId1"/>
   </p:sldMasterIdLst>
   <p:notesMasterIdLst>
-    <p:notesMasterId r:id="rId12"/>
+    <p:notesMasterId r:id="rId18"/>
   </p:notesMasterIdLst>
   <p:sldIdLst>
     <p:sldId id="256" r:id="rId2"/>
@@ -16,8 +16,14 @@
     <p:sldId id="260" r:id="rId7"/>
     <p:sldId id="262" r:id="rId8"/>
     <p:sldId id="264" r:id="rId9"/>
-    <p:sldId id="263" r:id="rId10"/>
-    <p:sldId id="259" r:id="rId11"/>
+    <p:sldId id="259" r:id="rId10"/>
+    <p:sldId id="267" r:id="rId11"/>
+    <p:sldId id="269" r:id="rId12"/>
+    <p:sldId id="270" r:id="rId13"/>
+    <p:sldId id="271" r:id="rId14"/>
+    <p:sldId id="268" r:id="rId15"/>
+    <p:sldId id="266" r:id="rId16"/>
+    <p:sldId id="274" r:id="rId17"/>
   </p:sldIdLst>
   <p:sldSz cx="12192000" cy="6858000"/>
   <p:notesSz cx="6858000" cy="9144000"/>
@@ -206,7 +212,7 @@
           <a:p>
             <a:fld id="{2CBCA955-A585-4D19-9D02-4D26BFFAC8F1}" type="datetimeFigureOut">
               <a:rPr lang="es-MX" smtClean="0"/>
-              <a:t>09/11/2021</a:t>
+              <a:t>13/12/2021</a:t>
             </a:fld>
             <a:endParaRPr lang="es-MX"/>
           </a:p>
@@ -727,7 +733,7 @@
           <a:p>
             <a:fld id="{E8C2E5D3-F1C4-4498-A50A-75FA0BC133C6}" type="datetimeFigureOut">
               <a:rPr lang="es-MX" smtClean="0"/>
-              <a:t>09/11/2021</a:t>
+              <a:t>13/12/2021</a:t>
             </a:fld>
             <a:endParaRPr lang="es-MX"/>
           </a:p>
@@ -927,7 +933,7 @@
           <a:p>
             <a:fld id="{E8C2E5D3-F1C4-4498-A50A-75FA0BC133C6}" type="datetimeFigureOut">
               <a:rPr lang="es-MX" smtClean="0"/>
-              <a:t>09/11/2021</a:t>
+              <a:t>13/12/2021</a:t>
             </a:fld>
             <a:endParaRPr lang="es-MX"/>
           </a:p>
@@ -1137,7 +1143,7 @@
           <a:p>
             <a:fld id="{E8C2E5D3-F1C4-4498-A50A-75FA0BC133C6}" type="datetimeFigureOut">
               <a:rPr lang="es-MX" smtClean="0"/>
-              <a:t>09/11/2021</a:t>
+              <a:t>13/12/2021</a:t>
             </a:fld>
             <a:endParaRPr lang="es-MX"/>
           </a:p>
@@ -1337,7 +1343,7 @@
           <a:p>
             <a:fld id="{E8C2E5D3-F1C4-4498-A50A-75FA0BC133C6}" type="datetimeFigureOut">
               <a:rPr lang="es-MX" smtClean="0"/>
-              <a:t>09/11/2021</a:t>
+              <a:t>13/12/2021</a:t>
             </a:fld>
             <a:endParaRPr lang="es-MX"/>
           </a:p>
@@ -1613,7 +1619,7 @@
           <a:p>
             <a:fld id="{E8C2E5D3-F1C4-4498-A50A-75FA0BC133C6}" type="datetimeFigureOut">
               <a:rPr lang="es-MX" smtClean="0"/>
-              <a:t>09/11/2021</a:t>
+              <a:t>13/12/2021</a:t>
             </a:fld>
             <a:endParaRPr lang="es-MX"/>
           </a:p>
@@ -1881,7 +1887,7 @@
           <a:p>
             <a:fld id="{E8C2E5D3-F1C4-4498-A50A-75FA0BC133C6}" type="datetimeFigureOut">
               <a:rPr lang="es-MX" smtClean="0"/>
-              <a:t>09/11/2021</a:t>
+              <a:t>13/12/2021</a:t>
             </a:fld>
             <a:endParaRPr lang="es-MX"/>
           </a:p>
@@ -2296,7 +2302,7 @@
           <a:p>
             <a:fld id="{E8C2E5D3-F1C4-4498-A50A-75FA0BC133C6}" type="datetimeFigureOut">
               <a:rPr lang="es-MX" smtClean="0"/>
-              <a:t>09/11/2021</a:t>
+              <a:t>13/12/2021</a:t>
             </a:fld>
             <a:endParaRPr lang="es-MX"/>
           </a:p>
@@ -2438,7 +2444,7 @@
           <a:p>
             <a:fld id="{E8C2E5D3-F1C4-4498-A50A-75FA0BC133C6}" type="datetimeFigureOut">
               <a:rPr lang="es-MX" smtClean="0"/>
-              <a:t>09/11/2021</a:t>
+              <a:t>13/12/2021</a:t>
             </a:fld>
             <a:endParaRPr lang="es-MX"/>
           </a:p>
@@ -2551,7 +2557,7 @@
           <a:p>
             <a:fld id="{E8C2E5D3-F1C4-4498-A50A-75FA0BC133C6}" type="datetimeFigureOut">
               <a:rPr lang="es-MX" smtClean="0"/>
-              <a:t>09/11/2021</a:t>
+              <a:t>13/12/2021</a:t>
             </a:fld>
             <a:endParaRPr lang="es-MX"/>
           </a:p>
@@ -2864,7 +2870,7 @@
           <a:p>
             <a:fld id="{E8C2E5D3-F1C4-4498-A50A-75FA0BC133C6}" type="datetimeFigureOut">
               <a:rPr lang="es-MX" smtClean="0"/>
-              <a:t>09/11/2021</a:t>
+              <a:t>13/12/2021</a:t>
             </a:fld>
             <a:endParaRPr lang="es-MX"/>
           </a:p>
@@ -3153,7 +3159,7 @@
           <a:p>
             <a:fld id="{E8C2E5D3-F1C4-4498-A50A-75FA0BC133C6}" type="datetimeFigureOut">
               <a:rPr lang="es-MX" smtClean="0"/>
-              <a:t>09/11/2021</a:t>
+              <a:t>13/12/2021</a:t>
             </a:fld>
             <a:endParaRPr lang="es-MX"/>
           </a:p>
@@ -3396,7 +3402,7 @@
           <a:p>
             <a:fld id="{E8C2E5D3-F1C4-4498-A50A-75FA0BC133C6}" type="datetimeFigureOut">
               <a:rPr lang="es-MX" smtClean="0"/>
-              <a:t>09/11/2021</a:t>
+              <a:t>13/12/2021</a:t>
             </a:fld>
             <a:endParaRPr lang="es-MX"/>
           </a:p>
@@ -5227,10 +5233,10 @@
       </p:grpSpPr>
       <p:sp>
         <p:nvSpPr>
-          <p:cNvPr id="4" name="CuadroTexto 3">
-            <a:extLst>
-              <a:ext uri="{FF2B5EF4-FFF2-40B4-BE49-F238E27FC236}">
-                <a16:creationId xmlns:a16="http://schemas.microsoft.com/office/drawing/2014/main" id="{1DE9D7C4-D1BB-48E4-B776-1B379586719F}"/>
+          <p:cNvPr id="2" name="CuadroTexto 1">
+            <a:extLst>
+              <a:ext uri="{FF2B5EF4-FFF2-40B4-BE49-F238E27FC236}">
+                <a16:creationId xmlns:a16="http://schemas.microsoft.com/office/drawing/2014/main" id="{4D29E605-3D42-4542-B44B-EA201B0A1F95}"/>
               </a:ext>
             </a:extLst>
           </p:cNvPr>
@@ -5260,582 +5266,492 @@
                   <a:schemeClr val="tx1"/>
                 </a:solidFill>
               </a:rPr>
-              <a:t>Descripción del funcionamiento del programa del ESP01</a:t>
-            </a:r>
-          </a:p>
-        </p:txBody>
-      </p:sp>
-      <p:sp>
-        <p:nvSpPr>
-          <p:cNvPr id="5" name="Rectángulo 4">
-            <a:extLst>
-              <a:ext uri="{FF2B5EF4-FFF2-40B4-BE49-F238E27FC236}">
-                <a16:creationId xmlns:a16="http://schemas.microsoft.com/office/drawing/2014/main" id="{7DD5DE53-F775-4531-B507-48A260602091}"/>
-              </a:ext>
-            </a:extLst>
-          </p:cNvPr>
-          <p:cNvSpPr/>
-          <p:nvPr/>
-        </p:nvSpPr>
-        <p:spPr>
-          <a:xfrm>
-            <a:off x="533567" y="1357318"/>
-            <a:ext cx="2413931" cy="905109"/>
+              <a:t>Limitaciones de hardware (frecuencia de muestreo)</a:t>
+            </a:r>
+          </a:p>
+        </p:txBody>
+      </p:sp>
+      <p:sp>
+        <p:nvSpPr>
+          <p:cNvPr id="5" name="CuadroTexto 4">
+            <a:extLst>
+              <a:ext uri="{FF2B5EF4-FFF2-40B4-BE49-F238E27FC236}">
+                <a16:creationId xmlns:a16="http://schemas.microsoft.com/office/drawing/2014/main" id="{F864B2CF-2DB2-4B99-B507-0E6131D84FEA}"/>
+              </a:ext>
+            </a:extLst>
+          </p:cNvPr>
+          <p:cNvSpPr txBox="1"/>
+          <p:nvPr/>
+        </p:nvSpPr>
+        <p:spPr>
+          <a:xfrm>
+            <a:off x="388075" y="809140"/>
+            <a:ext cx="11393108" cy="5909310"/>
           </a:xfrm>
           <a:prstGeom prst="rect">
             <a:avLst/>
           </a:prstGeom>
           <a:noFill/>
-          <a:ln w="38100">
-            <a:solidFill>
-              <a:schemeClr val="tx1"/>
-            </a:solidFill>
-          </a:ln>
-        </p:spPr>
-        <p:style>
-          <a:lnRef idx="2">
-            <a:schemeClr val="accent1">
-              <a:shade val="50000"/>
-            </a:schemeClr>
-          </a:lnRef>
-          <a:fillRef idx="1">
-            <a:schemeClr val="accent1"/>
-          </a:fillRef>
-          <a:effectRef idx="0">
-            <a:schemeClr val="accent1"/>
-          </a:effectRef>
-          <a:fontRef idx="minor">
-            <a:schemeClr val="lt1"/>
-          </a:fontRef>
-        </p:style>
-        <p:txBody>
-          <a:bodyPr rtlCol="0" anchor="ctr"/>
+        </p:spPr>
+        <p:txBody>
+          <a:bodyPr wrap="square" rtlCol="0">
+            <a:spAutoFit/>
+          </a:bodyPr>
           <a:lstStyle/>
           <a:p>
+            <a:r>
+              <a:rPr lang="es-MX" dirty="0"/>
+              <a:t>Como se utiliza un convertidor analógico digital analógico (ADC) por protocolo I2C, solo se puede leer 1 canal a la vez. </a:t>
+            </a:r>
+          </a:p>
+          <a:p>
+            <a:endParaRPr lang="es-MX" dirty="0"/>
+          </a:p>
+          <a:p>
+            <a:r>
+              <a:rPr lang="es-MX" dirty="0"/>
+              <a:t>El ADS1115 tiene una velocidad máxima de 860 SPS (</a:t>
+            </a:r>
+            <a:r>
+              <a:rPr lang="es-MX" dirty="0" err="1"/>
+              <a:t>samples</a:t>
+            </a:r>
+            <a:r>
+              <a:rPr lang="es-MX" dirty="0"/>
+              <a:t> per </a:t>
+            </a:r>
+            <a:r>
+              <a:rPr lang="es-MX" dirty="0" err="1"/>
+              <a:t>second</a:t>
+            </a:r>
+            <a:r>
+              <a:rPr lang="es-MX" dirty="0"/>
+              <a:t>, muestras por segundo), es decir, en teoría se puede leer un dato cada 1.2ms. </a:t>
+            </a:r>
+          </a:p>
+          <a:p>
+            <a:endParaRPr lang="es-MX" dirty="0"/>
+          </a:p>
+          <a:p>
+            <a:r>
+              <a:rPr lang="es-MX" dirty="0"/>
+              <a:t>Experimentalmente, cada lectura dura alrededor de 820 a 830 </a:t>
+            </a:r>
+            <a:r>
+              <a:rPr lang="es-MX" dirty="0" err="1"/>
+              <a:t>us</a:t>
+            </a:r>
+            <a:r>
+              <a:rPr lang="es-MX" dirty="0"/>
+              <a:t>, utilizando el microcontrolador esp01 y solo utilizando la librería </a:t>
+            </a:r>
+            <a:r>
+              <a:rPr lang="es-MX" dirty="0" err="1"/>
+              <a:t>Wire.h</a:t>
+            </a:r>
+            <a:r>
+              <a:rPr lang="es-MX" dirty="0"/>
+              <a:t>. No utilizar la librería ADS11X5.h, ya que por cada medición se tarda alrededor de 9-10ms (mínimo se requiere tomar mediciones cada 8.3ms, lo mismo que 1/(60*2) o 2 muestras por ciclo de 1/60 de segundo). </a:t>
+            </a:r>
+          </a:p>
+          <a:p>
+            <a:endParaRPr lang="es-MX" dirty="0"/>
+          </a:p>
+          <a:p>
+            <a:r>
+              <a:rPr lang="es-MX" dirty="0"/>
+              <a:t>Es decir, se pueden tomar como máximo 20 muestras en un ciclo de 1/60 de segundo (es decir 16.6 ms, 830us x 20 muestras = 16.6 ms). Se determinó experimentalmente que es mejor tomar solo 19 muestras por ciclo, para realizar otras operaciones en el tiempo restante, como calcular la potencia. </a:t>
+            </a:r>
+          </a:p>
+          <a:p>
+            <a:endParaRPr lang="es-MX" dirty="0"/>
+          </a:p>
+          <a:p>
+            <a:r>
+              <a:rPr lang="es-MX" dirty="0"/>
+              <a:t>Entonces, por cada ciclo de frecuencia analógica de 60Hz se muestrea a una frecuencia digital de 19Hz. </a:t>
+            </a:r>
+          </a:p>
+          <a:p>
+            <a:endParaRPr lang="es-MX" dirty="0"/>
+          </a:p>
+          <a:p>
+            <a:r>
+              <a:rPr lang="es-MX" dirty="0"/>
+              <a:t>Se determinó experimentalmente que las lecturas son estables leyendo 4 ciclos de un mismo canal a la vez, ya sea leer 4 ciclos de corriente continuos o leer 4 ciclos de voltaje continuos. </a:t>
+            </a:r>
+          </a:p>
+          <a:p>
+            <a:endParaRPr lang="es-MX" dirty="0"/>
+          </a:p>
+          <a:p>
+            <a:r>
+              <a:rPr lang="es-MX" dirty="0"/>
+              <a:t>Por cada segundo se obtienen alrededor de 14-15 cálculos de potencia. </a:t>
+            </a:r>
+          </a:p>
+          <a:p>
+            <a:endParaRPr lang="es-MX" dirty="0"/>
+          </a:p>
+          <a:p>
+            <a:r>
+              <a:rPr lang="es-MX" dirty="0"/>
+              <a:t>Cada x segundos se realiza el promedio de los (14-15 por x) cálculos de potencia. </a:t>
+            </a:r>
+          </a:p>
+        </p:txBody>
+      </p:sp>
+    </p:spTree>
+    <p:extLst>
+      <p:ext uri="{BB962C8B-B14F-4D97-AF65-F5344CB8AC3E}">
+        <p14:creationId xmlns:p14="http://schemas.microsoft.com/office/powerpoint/2010/main" val="2869657452"/>
+      </p:ext>
+    </p:extLst>
+  </p:cSld>
+  <p:clrMapOvr>
+    <a:masterClrMapping/>
+  </p:clrMapOvr>
+</p:sld>
+</file>
+
+<file path=ppt/slides/slide11.xml><?xml version="1.0" encoding="utf-8"?>
+<p:sld xmlns:a="http://schemas.openxmlformats.org/drawingml/2006/main" xmlns:r="http://schemas.openxmlformats.org/officeDocument/2006/relationships" xmlns:p="http://schemas.openxmlformats.org/presentationml/2006/main">
+  <p:cSld>
+    <p:spTree>
+      <p:nvGrpSpPr>
+        <p:cNvPr id="1" name=""/>
+        <p:cNvGrpSpPr/>
+        <p:nvPr/>
+      </p:nvGrpSpPr>
+      <p:grpSpPr>
+        <a:xfrm>
+          <a:off x="0" y="0"/>
+          <a:ext cx="0" cy="0"/>
+          <a:chOff x="0" y="0"/>
+          <a:chExt cx="0" cy="0"/>
+        </a:xfrm>
+      </p:grpSpPr>
+      <p:sp>
+        <p:nvSpPr>
+          <p:cNvPr id="2" name="CuadroTexto 1">
+            <a:extLst>
+              <a:ext uri="{FF2B5EF4-FFF2-40B4-BE49-F238E27FC236}">
+                <a16:creationId xmlns:a16="http://schemas.microsoft.com/office/drawing/2014/main" id="{4D29E605-3D42-4542-B44B-EA201B0A1F95}"/>
+              </a:ext>
+            </a:extLst>
+          </p:cNvPr>
+          <p:cNvSpPr txBox="1"/>
+          <p:nvPr/>
+        </p:nvSpPr>
+        <p:spPr>
+          <a:xfrm>
+            <a:off x="1342571" y="299169"/>
+            <a:ext cx="9506857" cy="523220"/>
+          </a:xfrm>
+          <a:prstGeom prst="rect">
+            <a:avLst/>
+          </a:prstGeom>
+          <a:noFill/>
+        </p:spPr>
+        <p:txBody>
+          <a:bodyPr wrap="square" rtlCol="0">
+            <a:spAutoFit/>
+          </a:bodyPr>
+          <a:lstStyle/>
+          <a:p>
             <a:pPr algn="ctr"/>
             <a:r>
-              <a:rPr lang="es-MX" dirty="0">
+              <a:rPr lang="es-MX" sz="2800" dirty="0">
                 <a:solidFill>
                   <a:schemeClr val="tx1"/>
                 </a:solidFill>
               </a:rPr>
-              <a:t>Inicialización</a:t>
-            </a:r>
-          </a:p>
-        </p:txBody>
-      </p:sp>
-      <p:sp>
-        <p:nvSpPr>
-          <p:cNvPr id="6" name="Rectángulo 5">
-            <a:extLst>
-              <a:ext uri="{FF2B5EF4-FFF2-40B4-BE49-F238E27FC236}">
-                <a16:creationId xmlns:a16="http://schemas.microsoft.com/office/drawing/2014/main" id="{6F532F66-F6A7-47C6-B931-38514A701218}"/>
-              </a:ext>
-            </a:extLst>
-          </p:cNvPr>
-          <p:cNvSpPr/>
-          <p:nvPr/>
-        </p:nvSpPr>
-        <p:spPr>
-          <a:xfrm>
-            <a:off x="3283393" y="1357317"/>
-            <a:ext cx="2413931" cy="905109"/>
-          </a:xfrm>
-          <a:prstGeom prst="rect">
-            <a:avLst/>
-          </a:prstGeom>
-          <a:noFill/>
-          <a:ln w="38100">
-            <a:solidFill>
-              <a:schemeClr val="tx1"/>
-            </a:solidFill>
-          </a:ln>
-        </p:spPr>
-        <p:style>
-          <a:lnRef idx="2">
-            <a:schemeClr val="accent1">
-              <a:shade val="50000"/>
-            </a:schemeClr>
-          </a:lnRef>
-          <a:fillRef idx="1">
-            <a:schemeClr val="accent1"/>
-          </a:fillRef>
-          <a:effectRef idx="0">
-            <a:schemeClr val="accent1"/>
-          </a:effectRef>
-          <a:fontRef idx="minor">
-            <a:schemeClr val="lt1"/>
-          </a:fontRef>
-        </p:style>
-        <p:txBody>
-          <a:bodyPr rtlCol="0" anchor="ctr"/>
-          <a:lstStyle/>
-          <a:p>
-            <a:pPr algn="ctr"/>
-            <a:r>
-              <a:rPr lang="es-MX" dirty="0">
-                <a:solidFill>
-                  <a:schemeClr val="tx1"/>
-                </a:solidFill>
-              </a:rPr>
-              <a:t>Medición de corriente y voltaje (mediante protocolo I2C)</a:t>
-            </a:r>
-          </a:p>
-        </p:txBody>
-      </p:sp>
-      <p:cxnSp>
-        <p:nvCxnSpPr>
-          <p:cNvPr id="7" name="Conector recto de flecha 6">
-            <a:extLst>
-              <a:ext uri="{FF2B5EF4-FFF2-40B4-BE49-F238E27FC236}">
-                <a16:creationId xmlns:a16="http://schemas.microsoft.com/office/drawing/2014/main" id="{A4D95758-31F6-4D9D-A9FF-8CCF48F6224D}"/>
-              </a:ext>
-            </a:extLst>
-          </p:cNvPr>
-          <p:cNvCxnSpPr>
-            <a:cxnSpLocks/>
-            <a:stCxn id="5" idx="3"/>
-            <a:endCxn id="6" idx="1"/>
-          </p:cNvCxnSpPr>
-          <p:nvPr/>
-        </p:nvCxnSpPr>
-        <p:spPr>
-          <a:xfrm flipV="1">
-            <a:off x="2947498" y="1809872"/>
-            <a:ext cx="335895" cy="1"/>
-          </a:xfrm>
-          <a:prstGeom prst="straightConnector1">
-            <a:avLst/>
-          </a:prstGeom>
-          <a:ln w="25400">
-            <a:solidFill>
-              <a:schemeClr val="tx1"/>
-            </a:solidFill>
-            <a:tailEnd type="triangle"/>
-          </a:ln>
-        </p:spPr>
-        <p:style>
-          <a:lnRef idx="1">
-            <a:schemeClr val="accent1"/>
-          </a:lnRef>
-          <a:fillRef idx="0">
-            <a:schemeClr val="accent1"/>
-          </a:fillRef>
-          <a:effectRef idx="0">
-            <a:schemeClr val="accent1"/>
-          </a:effectRef>
-          <a:fontRef idx="minor">
-            <a:schemeClr val="tx1"/>
-          </a:fontRef>
-        </p:style>
-      </p:cxnSp>
-      <p:sp>
-        <p:nvSpPr>
-          <p:cNvPr id="10" name="Rectángulo 9">
-            <a:extLst>
-              <a:ext uri="{FF2B5EF4-FFF2-40B4-BE49-F238E27FC236}">
-                <a16:creationId xmlns:a16="http://schemas.microsoft.com/office/drawing/2014/main" id="{03BB6DF1-3EF9-437F-BE83-854F94E1AA3A}"/>
-              </a:ext>
-            </a:extLst>
-          </p:cNvPr>
-          <p:cNvSpPr/>
-          <p:nvPr/>
-        </p:nvSpPr>
-        <p:spPr>
-          <a:xfrm>
-            <a:off x="6033219" y="1357316"/>
-            <a:ext cx="2413931" cy="905109"/>
-          </a:xfrm>
-          <a:prstGeom prst="rect">
-            <a:avLst/>
-          </a:prstGeom>
-          <a:noFill/>
-          <a:ln w="38100">
-            <a:solidFill>
-              <a:schemeClr val="tx1"/>
-            </a:solidFill>
-          </a:ln>
-        </p:spPr>
-        <p:style>
-          <a:lnRef idx="2">
-            <a:schemeClr val="accent1">
-              <a:shade val="50000"/>
-            </a:schemeClr>
-          </a:lnRef>
-          <a:fillRef idx="1">
-            <a:schemeClr val="accent1"/>
-          </a:fillRef>
-          <a:effectRef idx="0">
-            <a:schemeClr val="accent1"/>
-          </a:effectRef>
-          <a:fontRef idx="minor">
-            <a:schemeClr val="lt1"/>
-          </a:fontRef>
-        </p:style>
-        <p:txBody>
-          <a:bodyPr rtlCol="0" anchor="ctr"/>
-          <a:lstStyle/>
-          <a:p>
-            <a:pPr algn="ctr"/>
-            <a:r>
-              <a:rPr lang="es-MX" dirty="0">
-                <a:solidFill>
-                  <a:schemeClr val="tx1"/>
-                </a:solidFill>
-              </a:rPr>
-              <a:t>Cálculo de potencia real, aparente y factor de potencia</a:t>
-            </a:r>
-          </a:p>
-        </p:txBody>
-      </p:sp>
-      <p:cxnSp>
-        <p:nvCxnSpPr>
-          <p:cNvPr id="11" name="Conector recto de flecha 10">
-            <a:extLst>
-              <a:ext uri="{FF2B5EF4-FFF2-40B4-BE49-F238E27FC236}">
-                <a16:creationId xmlns:a16="http://schemas.microsoft.com/office/drawing/2014/main" id="{CAF9C86A-B257-4D38-A000-280DFAC6F9A6}"/>
-              </a:ext>
-            </a:extLst>
-          </p:cNvPr>
-          <p:cNvCxnSpPr>
-            <a:cxnSpLocks/>
-            <a:stCxn id="6" idx="3"/>
-            <a:endCxn id="10" idx="1"/>
-          </p:cNvCxnSpPr>
-          <p:nvPr/>
-        </p:nvCxnSpPr>
-        <p:spPr>
-          <a:xfrm flipV="1">
-            <a:off x="5697324" y="1809871"/>
-            <a:ext cx="335895" cy="1"/>
-          </a:xfrm>
-          <a:prstGeom prst="straightConnector1">
-            <a:avLst/>
-          </a:prstGeom>
-          <a:ln w="25400">
-            <a:solidFill>
-              <a:schemeClr val="tx1"/>
-            </a:solidFill>
-            <a:tailEnd type="triangle"/>
-          </a:ln>
-        </p:spPr>
-        <p:style>
-          <a:lnRef idx="1">
-            <a:schemeClr val="accent1"/>
-          </a:lnRef>
-          <a:fillRef idx="0">
-            <a:schemeClr val="accent1"/>
-          </a:fillRef>
-          <a:effectRef idx="0">
-            <a:schemeClr val="accent1"/>
-          </a:effectRef>
-          <a:fontRef idx="minor">
-            <a:schemeClr val="tx1"/>
-          </a:fontRef>
-        </p:style>
-      </p:cxnSp>
-      <p:cxnSp>
-        <p:nvCxnSpPr>
-          <p:cNvPr id="14" name="Conector recto de flecha 13">
-            <a:extLst>
-              <a:ext uri="{FF2B5EF4-FFF2-40B4-BE49-F238E27FC236}">
-                <a16:creationId xmlns:a16="http://schemas.microsoft.com/office/drawing/2014/main" id="{C487D980-5122-473D-A305-60B4FDB7BDF5}"/>
-              </a:ext>
-            </a:extLst>
-          </p:cNvPr>
-          <p:cNvCxnSpPr>
-            <a:cxnSpLocks/>
-            <a:stCxn id="10" idx="3"/>
-            <a:endCxn id="17" idx="1"/>
-          </p:cNvCxnSpPr>
-          <p:nvPr/>
-        </p:nvCxnSpPr>
-        <p:spPr>
-          <a:xfrm flipV="1">
-            <a:off x="8447150" y="1809870"/>
-            <a:ext cx="385400" cy="1"/>
-          </a:xfrm>
-          <a:prstGeom prst="straightConnector1">
-            <a:avLst/>
-          </a:prstGeom>
-          <a:ln w="25400">
-            <a:solidFill>
-              <a:schemeClr val="tx1"/>
-            </a:solidFill>
-            <a:tailEnd type="triangle"/>
-          </a:ln>
-        </p:spPr>
-        <p:style>
-          <a:lnRef idx="1">
-            <a:schemeClr val="accent1"/>
-          </a:lnRef>
-          <a:fillRef idx="0">
-            <a:schemeClr val="accent1"/>
-          </a:fillRef>
-          <a:effectRef idx="0">
-            <a:schemeClr val="accent1"/>
-          </a:effectRef>
-          <a:fontRef idx="minor">
-            <a:schemeClr val="tx1"/>
-          </a:fontRef>
-        </p:style>
-      </p:cxnSp>
-      <p:sp>
-        <p:nvSpPr>
-          <p:cNvPr id="17" name="Rectángulo 16">
-            <a:extLst>
-              <a:ext uri="{FF2B5EF4-FFF2-40B4-BE49-F238E27FC236}">
-                <a16:creationId xmlns:a16="http://schemas.microsoft.com/office/drawing/2014/main" id="{8BB2B324-85C4-4F03-A313-E8FD5CD74413}"/>
-              </a:ext>
-            </a:extLst>
-          </p:cNvPr>
-          <p:cNvSpPr/>
-          <p:nvPr/>
-        </p:nvSpPr>
-        <p:spPr>
-          <a:xfrm>
-            <a:off x="8832550" y="1357315"/>
-            <a:ext cx="2413931" cy="905109"/>
-          </a:xfrm>
-          <a:prstGeom prst="rect">
-            <a:avLst/>
-          </a:prstGeom>
-          <a:noFill/>
-          <a:ln w="38100">
-            <a:solidFill>
-              <a:schemeClr val="tx1"/>
-            </a:solidFill>
-          </a:ln>
-        </p:spPr>
-        <p:style>
-          <a:lnRef idx="2">
-            <a:schemeClr val="accent1">
-              <a:shade val="50000"/>
-            </a:schemeClr>
-          </a:lnRef>
-          <a:fillRef idx="1">
-            <a:schemeClr val="accent1"/>
-          </a:fillRef>
-          <a:effectRef idx="0">
-            <a:schemeClr val="accent1"/>
-          </a:effectRef>
-          <a:fontRef idx="minor">
-            <a:schemeClr val="lt1"/>
-          </a:fontRef>
-        </p:style>
-        <p:txBody>
-          <a:bodyPr rtlCol="0" anchor="ctr"/>
-          <a:lstStyle/>
-          <a:p>
-            <a:pPr algn="ctr"/>
-            <a:r>
-              <a:rPr lang="es-MX" dirty="0">
-                <a:solidFill>
-                  <a:schemeClr val="tx1"/>
-                </a:solidFill>
-              </a:rPr>
-              <a:t>Envío de datos a través del protocolo MQTT</a:t>
-            </a:r>
-          </a:p>
-        </p:txBody>
-      </p:sp>
-      <p:sp>
-        <p:nvSpPr>
-          <p:cNvPr id="18" name="Abrir llave 17">
-            <a:extLst>
-              <a:ext uri="{FF2B5EF4-FFF2-40B4-BE49-F238E27FC236}">
-                <a16:creationId xmlns:a16="http://schemas.microsoft.com/office/drawing/2014/main" id="{E86384D3-3FDB-49BC-B817-9A0E4EDC70CA}"/>
-              </a:ext>
-            </a:extLst>
-          </p:cNvPr>
-          <p:cNvSpPr/>
-          <p:nvPr/>
-        </p:nvSpPr>
-        <p:spPr>
-          <a:xfrm rot="5400000">
-            <a:off x="5950158" y="-2801959"/>
-            <a:ext cx="698084" cy="11321142"/>
-          </a:xfrm>
-          <a:prstGeom prst="leftBrace">
-            <a:avLst>
-              <a:gd name="adj1" fmla="val 56154"/>
-              <a:gd name="adj2" fmla="val 41713"/>
-            </a:avLst>
-          </a:prstGeom>
-          <a:ln w="25400">
-            <a:solidFill>
-              <a:schemeClr val="tx1"/>
-            </a:solidFill>
-          </a:ln>
-        </p:spPr>
-        <p:style>
-          <a:lnRef idx="1">
-            <a:schemeClr val="accent1"/>
-          </a:lnRef>
-          <a:fillRef idx="0">
-            <a:schemeClr val="accent1"/>
-          </a:fillRef>
-          <a:effectRef idx="0">
-            <a:schemeClr val="accent1"/>
-          </a:effectRef>
-          <a:fontRef idx="minor">
-            <a:schemeClr val="tx1"/>
-          </a:fontRef>
-        </p:style>
-        <p:txBody>
-          <a:bodyPr rtlCol="0" anchor="ctr"/>
-          <a:lstStyle/>
-          <a:p>
-            <a:pPr algn="ctr"/>
-            <a:endParaRPr lang="es-MX"/>
-          </a:p>
-        </p:txBody>
-      </p:sp>
-      <mc:AlternateContent xmlns:mc="http://schemas.openxmlformats.org/markup-compatibility/2006" xmlns:a14="http://schemas.microsoft.com/office/drawing/2010/main">
-        <mc:Choice Requires="a14">
+              <a:t>Limitaciones de hardware (resolución de la señal leída(1))</a:t>
+            </a:r>
+          </a:p>
+        </p:txBody>
+      </p:sp>
+      <mc:AlternateContent xmlns:mc="http://schemas.openxmlformats.org/markup-compatibility/2006">
+        <mc:Choice xmlns:a14="http://schemas.microsoft.com/office/drawing/2010/main" Requires="a14">
           <p:sp>
             <p:nvSpPr>
-              <p:cNvPr id="20" name="Rectángulo 19">
+              <p:cNvPr id="5" name="CuadroTexto 4">
                 <a:extLst>
                   <a:ext uri="{FF2B5EF4-FFF2-40B4-BE49-F238E27FC236}">
-                    <a16:creationId xmlns:a16="http://schemas.microsoft.com/office/drawing/2014/main" id="{80DDEEDD-09F6-46A9-A28E-4903E79BFEBE}"/>
+                    <a16:creationId xmlns:a16="http://schemas.microsoft.com/office/drawing/2014/main" id="{F864B2CF-2DB2-4B99-B507-0E6131D84FEA}"/>
                   </a:ext>
                 </a:extLst>
               </p:cNvPr>
-              <p:cNvSpPr/>
+              <p:cNvSpPr txBox="1"/>
               <p:nvPr/>
             </p:nvSpPr>
             <p:spPr>
               <a:xfrm>
-                <a:off x="698776" y="3454798"/>
-                <a:ext cx="2413931" cy="905109"/>
+                <a:off x="441085" y="676623"/>
+                <a:ext cx="10955786" cy="4289316"/>
               </a:xfrm>
               <a:prstGeom prst="rect">
                 <a:avLst/>
               </a:prstGeom>
               <a:noFill/>
-              <a:ln w="38100">
-                <a:solidFill>
-                  <a:schemeClr val="tx1"/>
-                </a:solidFill>
-              </a:ln>
             </p:spPr>
-            <p:style>
-              <a:lnRef idx="2">
-                <a:schemeClr val="accent1">
-                  <a:shade val="50000"/>
-                </a:schemeClr>
-              </a:lnRef>
-              <a:fillRef idx="1">
-                <a:schemeClr val="accent1"/>
-              </a:fillRef>
-              <a:effectRef idx="0">
-                <a:schemeClr val="accent1"/>
-              </a:effectRef>
-              <a:fontRef idx="minor">
-                <a:schemeClr val="lt1"/>
-              </a:fontRef>
-            </p:style>
             <p:txBody>
-              <a:bodyPr rtlCol="0" anchor="ctr"/>
+              <a:bodyPr wrap="square" rtlCol="0">
+                <a:spAutoFit/>
+              </a:bodyPr>
               <a:lstStyle/>
               <a:p>
-                <a:pPr algn="ctr"/>
+                <a:endParaRPr lang="es-MX" dirty="0"/>
+              </a:p>
+              <a:p>
                 <a:r>
-                  <a:rPr lang="es-MX" dirty="0">
-                    <a:solidFill>
-                      <a:schemeClr val="tx1"/>
-                    </a:solidFill>
-                  </a:rPr>
-                  <a:t>Cáculo de potencia instantánea</a:t>
+                  <a:rPr lang="es-MX" dirty="0"/>
+                  <a:t>Las señales de corriente y voltaje leídas deben tener una ganancia y un offset tal que puedan ser leídas en un rango de voltaje de 0V a 5V. ESTO ES MUY IMPORTANTE PARA NO DAÑAR EL ADS1115. </a:t>
                 </a:r>
               </a:p>
               <a:p>
-                <a:pPr algn="ctr"/>
+                <a:endParaRPr lang="es-MX" dirty="0"/>
+              </a:p>
+              <a:p>
+                <a:r>
+                  <a:rPr lang="es-MX" dirty="0"/>
+                  <a:t>En el caso del sensor de voltaje ZMPT101B, realiza lo siguiente:</a:t>
+                </a:r>
+              </a:p>
+              <a:p>
+                <a:endParaRPr lang="es-MX" dirty="0"/>
+              </a:p>
+              <a:p>
+                <a:pPr marL="342900" indent="-342900">
+                  <a:buFont typeface="+mj-lt"/>
+                  <a:buAutoNum type="arabicPeriod"/>
+                </a:pPr>
+                <a:r>
+                  <a:rPr lang="es-MX" dirty="0"/>
+                  <a:t>El sensor de voltaje </a:t>
+                </a:r>
+                <a:r>
+                  <a:rPr lang="es-MX" dirty="0" err="1"/>
+                  <a:t>voltaje</a:t>
+                </a:r>
+                <a:r>
+                  <a:rPr lang="es-MX" dirty="0"/>
+                  <a:t> ZMPT101B tiene una ganancia (determinada experimentalmente) de alrededor de 1500/820000 (ver diagrama electrónico en </a:t>
+                </a:r>
+                <a:r>
+                  <a:rPr lang="es-MX" dirty="0" err="1"/>
+                  <a:t>Unit</a:t>
+                </a:r>
+                <a:r>
+                  <a:rPr lang="es-MX" dirty="0"/>
+                  <a:t> </a:t>
+                </a:r>
+                <a:r>
+                  <a:rPr lang="es-MX" dirty="0" err="1"/>
+                  <a:t>Electronics</a:t>
+                </a:r>
+                <a:r>
+                  <a:rPr lang="es-MX" dirty="0"/>
+                  <a:t>). </a:t>
+                </a:r>
+              </a:p>
+              <a:p>
+                <a:pPr marL="342900" indent="-342900">
+                  <a:buFont typeface="+mj-lt"/>
+                  <a:buAutoNum type="arabicPeriod"/>
+                </a:pPr>
+                <a:endParaRPr lang="es-MX" dirty="0"/>
+              </a:p>
+              <a:p>
+                <a:pPr marL="342900" indent="-342900">
+                  <a:buFont typeface="+mj-lt"/>
+                  <a:buAutoNum type="arabicPeriod"/>
+                </a:pPr>
+                <a:r>
+                  <a:rPr lang="es-MX" dirty="0"/>
+                  <a:t>El sensor, de manera interna, monta la señal de voltaje sobre una componente de offset igual a </a:t>
+                </a:r>
+                <a:r>
+                  <a:rPr lang="es-MX" dirty="0" err="1"/>
+                  <a:t>Vcc</a:t>
+                </a:r>
+                <a:r>
+                  <a:rPr lang="es-MX" dirty="0"/>
+                  <a:t>/2. Si se alimenta con </a:t>
+                </a:r>
+                <a:r>
+                  <a:rPr lang="es-MX" dirty="0" err="1"/>
+                  <a:t>Vcc</a:t>
+                </a:r>
+                <a:r>
+                  <a:rPr lang="es-MX" dirty="0"/>
+                  <a:t>=5V, la componente de offset es de 2.5V. Si el voltaje de alimentación no es exactamente 5V el voltaje de offset sigue siendo proporcional a </a:t>
+                </a:r>
+                <a:r>
+                  <a:rPr lang="es-MX" dirty="0" err="1"/>
+                  <a:t>Vcc</a:t>
+                </a:r>
+                <a:r>
+                  <a:rPr lang="es-MX" dirty="0"/>
+                  <a:t>/2. Por ejemplo, para </a:t>
+                </a:r>
+                <a:r>
+                  <a:rPr lang="es-MX" dirty="0" err="1"/>
+                  <a:t>Vcc</a:t>
+                </a:r>
+                <a:r>
+                  <a:rPr lang="es-MX" dirty="0"/>
+                  <a:t>=4.85V, el voltaje de offset es de alrededor de 2.425. </a:t>
+                </a:r>
+              </a:p>
+              <a:p>
+                <a:pPr marL="342900" indent="-342900">
+                  <a:buFont typeface="+mj-lt"/>
+                  <a:buAutoNum type="arabicPeriod"/>
+                </a:pPr>
+                <a:endParaRPr lang="es-MX" dirty="0"/>
+              </a:p>
+              <a:p>
+                <a:pPr marL="342900" indent="-342900">
+                  <a:buFont typeface="+mj-lt"/>
+                  <a:buAutoNum type="arabicPeriod"/>
+                </a:pPr>
+                <a:r>
+                  <a:rPr lang="es-MX" dirty="0"/>
+                  <a:t>Para obtener la medición real de cada muestra de voltaje se realiza: </a:t>
+                </a:r>
                 <a14:m>
-                  <m:oMathPara xmlns:m="http://schemas.openxmlformats.org/officeDocument/2006/math">
-                    <m:oMathParaPr>
-                      <m:jc m:val="centerGroup"/>
-                    </m:oMathParaPr>
-                    <m:oMath xmlns:m="http://schemas.openxmlformats.org/officeDocument/2006/math">
-                      <m:r>
-                        <a:rPr lang="es-MX" b="0" i="1" smtClean="0">
-                          <a:solidFill>
-                            <a:schemeClr val="tx1"/>
-                          </a:solidFill>
-                          <a:latin typeface="Cambria Math" panose="02040503050406030204" pitchFamily="18" charset="0"/>
-                        </a:rPr>
-                        <m:t>𝑃</m:t>
-                      </m:r>
-                      <m:r>
-                        <a:rPr lang="es-MX" b="0" i="1" smtClean="0">
-                          <a:solidFill>
-                            <a:schemeClr val="tx1"/>
-                          </a:solidFill>
-                          <a:latin typeface="Cambria Math" panose="02040503050406030204" pitchFamily="18" charset="0"/>
-                        </a:rPr>
-                        <m:t>=</m:t>
-                      </m:r>
-                      <m:r>
-                        <a:rPr lang="es-MX" b="0" i="1" smtClean="0">
-                          <a:solidFill>
-                            <a:schemeClr val="tx1"/>
-                          </a:solidFill>
-                          <a:latin typeface="Cambria Math" panose="02040503050406030204" pitchFamily="18" charset="0"/>
-                        </a:rPr>
-                        <m:t>𝑉</m:t>
-                      </m:r>
-                      <m:r>
-                        <a:rPr lang="es-MX" b="0" i="1" smtClean="0">
-                          <a:solidFill>
-                            <a:schemeClr val="tx1"/>
-                          </a:solidFill>
-                          <a:latin typeface="Cambria Math" panose="02040503050406030204" pitchFamily="18" charset="0"/>
-                          <a:ea typeface="Cambria Math" panose="02040503050406030204" pitchFamily="18" charset="0"/>
-                        </a:rPr>
-                        <m:t>×</m:t>
-                      </m:r>
-                      <m:r>
-                        <a:rPr lang="es-MX" b="0" i="1" smtClean="0">
-                          <a:solidFill>
-                            <a:schemeClr val="tx1"/>
-                          </a:solidFill>
-                          <a:latin typeface="Cambria Math" panose="02040503050406030204" pitchFamily="18" charset="0"/>
-                          <a:ea typeface="Cambria Math" panose="02040503050406030204" pitchFamily="18" charset="0"/>
-                        </a:rPr>
-                        <m:t>𝐼</m:t>
-                      </m:r>
-                    </m:oMath>
-                  </m:oMathPara>
+                  <m:oMath xmlns:m="http://schemas.openxmlformats.org/officeDocument/2006/math">
+                    <m:sSub>
+                      <m:sSubPr>
+                        <m:ctrlPr>
+                          <a:rPr lang="es-MX" b="0" i="1" smtClean="0">
+                            <a:latin typeface="Cambria Math" panose="02040503050406030204" pitchFamily="18" charset="0"/>
+                          </a:rPr>
+                        </m:ctrlPr>
+                      </m:sSubPr>
+                      <m:e>
+                        <m:r>
+                          <a:rPr lang="es-MX" b="0" i="1" smtClean="0">
+                            <a:latin typeface="Cambria Math" panose="02040503050406030204" pitchFamily="18" charset="0"/>
+                          </a:rPr>
+                          <m:t>𝑉</m:t>
+                        </m:r>
+                      </m:e>
+                      <m:sub>
+                        <m:r>
+                          <a:rPr lang="es-MX" b="0" i="1" smtClean="0">
+                            <a:latin typeface="Cambria Math" panose="02040503050406030204" pitchFamily="18" charset="0"/>
+                          </a:rPr>
+                          <m:t>𝑟𝑒𝑎𝑙</m:t>
+                        </m:r>
+                      </m:sub>
+                    </m:sSub>
+                    <m:r>
+                      <a:rPr lang="es-MX" b="0" i="1" smtClean="0">
+                        <a:latin typeface="Cambria Math" panose="02040503050406030204" pitchFamily="18" charset="0"/>
+                      </a:rPr>
+                      <m:t>=</m:t>
+                    </m:r>
+                    <m:d>
+                      <m:dPr>
+                        <m:ctrlPr>
+                          <a:rPr lang="es-MX" b="0" i="1" smtClean="0">
+                            <a:latin typeface="Cambria Math" panose="02040503050406030204" pitchFamily="18" charset="0"/>
+                          </a:rPr>
+                        </m:ctrlPr>
+                      </m:dPr>
+                      <m:e>
+                        <m:sSub>
+                          <m:sSubPr>
+                            <m:ctrlPr>
+                              <a:rPr lang="es-MX" b="0" i="1" smtClean="0">
+                                <a:latin typeface="Cambria Math" panose="02040503050406030204" pitchFamily="18" charset="0"/>
+                              </a:rPr>
+                            </m:ctrlPr>
+                          </m:sSubPr>
+                          <m:e>
+                            <m:r>
+                              <a:rPr lang="es-MX" b="0" i="1" smtClean="0">
+                                <a:latin typeface="Cambria Math" panose="02040503050406030204" pitchFamily="18" charset="0"/>
+                              </a:rPr>
+                              <m:t>𝑉</m:t>
+                            </m:r>
+                          </m:e>
+                          <m:sub>
+                            <m:r>
+                              <a:rPr lang="es-MX" b="0" i="1" smtClean="0">
+                                <a:latin typeface="Cambria Math" panose="02040503050406030204" pitchFamily="18" charset="0"/>
+                              </a:rPr>
+                              <m:t>𝑙𝑒𝑖𝑑𝑜</m:t>
+                            </m:r>
+                          </m:sub>
+                        </m:sSub>
+                        <m:r>
+                          <a:rPr lang="es-MX" b="0" i="1" smtClean="0">
+                            <a:latin typeface="Cambria Math" panose="02040503050406030204" pitchFamily="18" charset="0"/>
+                          </a:rPr>
+                          <m:t>−</m:t>
+                        </m:r>
+                        <m:sSub>
+                          <m:sSubPr>
+                            <m:ctrlPr>
+                              <a:rPr lang="es-MX" b="0" i="1" smtClean="0">
+                                <a:latin typeface="Cambria Math" panose="02040503050406030204" pitchFamily="18" charset="0"/>
+                              </a:rPr>
+                            </m:ctrlPr>
+                          </m:sSubPr>
+                          <m:e>
+                            <m:r>
+                              <a:rPr lang="es-MX" b="0" i="1" smtClean="0">
+                                <a:latin typeface="Cambria Math" panose="02040503050406030204" pitchFamily="18" charset="0"/>
+                              </a:rPr>
+                              <m:t>𝑉</m:t>
+                            </m:r>
+                          </m:e>
+                          <m:sub>
+                            <m:r>
+                              <a:rPr lang="es-MX" b="0" i="1" smtClean="0">
+                                <a:latin typeface="Cambria Math" panose="02040503050406030204" pitchFamily="18" charset="0"/>
+                              </a:rPr>
+                              <m:t>𝑜𝑓𝑓𝑠𝑒𝑡</m:t>
+                            </m:r>
+                          </m:sub>
+                        </m:sSub>
+                      </m:e>
+                    </m:d>
+                    <m:r>
+                      <a:rPr lang="es-MX" b="0" i="1" smtClean="0">
+                        <a:latin typeface="Cambria Math" panose="02040503050406030204" pitchFamily="18" charset="0"/>
+                      </a:rPr>
+                      <m:t>∗820000/1500</m:t>
+                    </m:r>
+                  </m:oMath>
                 </a14:m>
-                <a:endParaRPr lang="es-MX" dirty="0">
-                  <a:solidFill>
-                    <a:schemeClr val="tx1"/>
-                  </a:solidFill>
-                </a:endParaRPr>
+                <a:endParaRPr lang="es-MX" dirty="0"/>
               </a:p>
             </p:txBody>
           </p:sp>
         </mc:Choice>
-        <mc:Fallback xmlns="">
+        <mc:Fallback>
           <p:sp>
             <p:nvSpPr>
-              <p:cNvPr id="20" name="Rectángulo 19">
+              <p:cNvPr id="5" name="CuadroTexto 4">
                 <a:extLst>
                   <a:ext uri="{FF2B5EF4-FFF2-40B4-BE49-F238E27FC236}">
-                    <a16:creationId xmlns:a16="http://schemas.microsoft.com/office/drawing/2014/main" id="{80DDEEDD-09F6-46A9-A28E-4903E79BFEBE}"/>
+                    <a16:creationId xmlns:a16="http://schemas.microsoft.com/office/drawing/2014/main" id="{F864B2CF-2DB2-4B99-B507-0E6131D84FEA}"/>
                   </a:ext>
                 </a:extLst>
               </p:cNvPr>
-              <p:cNvSpPr>
+              <p:cNvSpPr txBox="1">
                 <a:spLocks noRot="1" noChangeAspect="1" noMove="1" noResize="1" noEditPoints="1" noAdjustHandles="1" noChangeArrowheads="1" noChangeShapeType="1" noTextEdit="1"/>
               </p:cNvSpPr>
               <p:nvPr/>
             </p:nvSpPr>
             <p:spPr>
               <a:xfrm>
-                <a:off x="698776" y="3454798"/>
-                <a:ext cx="2413931" cy="905109"/>
+                <a:off x="441085" y="676623"/>
+                <a:ext cx="10955786" cy="4289316"/>
               </a:xfrm>
               <a:prstGeom prst="rect">
                 <a:avLst/>
@@ -5843,14 +5759,9 @@
               <a:blipFill>
                 <a:blip r:embed="rId2"/>
                 <a:stretch>
-                  <a:fillRect t="-2597"/>
+                  <a:fillRect l="-445" r="-334" b="-852"/>
                 </a:stretch>
               </a:blipFill>
-              <a:ln w="38100">
-                <a:solidFill>
-                  <a:schemeClr val="tx1"/>
-                </a:solidFill>
-              </a:ln>
             </p:spPr>
             <p:txBody>
               <a:bodyPr/>
@@ -5867,425 +5778,610 @@
           </p:sp>
         </mc:Fallback>
       </mc:AlternateContent>
-      <p:sp>
-        <p:nvSpPr>
-          <p:cNvPr id="21" name="Rectángulo 20">
-            <a:extLst>
-              <a:ext uri="{FF2B5EF4-FFF2-40B4-BE49-F238E27FC236}">
-                <a16:creationId xmlns:a16="http://schemas.microsoft.com/office/drawing/2014/main" id="{6B657E1F-A4AA-498F-A82C-2883641B744A}"/>
-              </a:ext>
-            </a:extLst>
-          </p:cNvPr>
-          <p:cNvSpPr/>
-          <p:nvPr/>
-        </p:nvSpPr>
-        <p:spPr>
-          <a:xfrm>
-            <a:off x="698775" y="4359906"/>
-            <a:ext cx="2413931" cy="905109"/>
+    </p:spTree>
+    <p:extLst>
+      <p:ext uri="{BB962C8B-B14F-4D97-AF65-F5344CB8AC3E}">
+        <p14:creationId xmlns:p14="http://schemas.microsoft.com/office/powerpoint/2010/main" val="2764942698"/>
+      </p:ext>
+    </p:extLst>
+  </p:cSld>
+  <p:clrMapOvr>
+    <a:masterClrMapping/>
+  </p:clrMapOvr>
+</p:sld>
+</file>
+
+<file path=ppt/slides/slide12.xml><?xml version="1.0" encoding="utf-8"?>
+<p:sld xmlns:a="http://schemas.openxmlformats.org/drawingml/2006/main" xmlns:r="http://schemas.openxmlformats.org/officeDocument/2006/relationships" xmlns:p="http://schemas.openxmlformats.org/presentationml/2006/main">
+  <p:cSld>
+    <p:spTree>
+      <p:nvGrpSpPr>
+        <p:cNvPr id="1" name=""/>
+        <p:cNvGrpSpPr/>
+        <p:nvPr/>
+      </p:nvGrpSpPr>
+      <p:grpSpPr>
+        <a:xfrm>
+          <a:off x="0" y="0"/>
+          <a:ext cx="0" cy="0"/>
+          <a:chOff x="0" y="0"/>
+          <a:chExt cx="0" cy="0"/>
+        </a:xfrm>
+      </p:grpSpPr>
+      <p:sp>
+        <p:nvSpPr>
+          <p:cNvPr id="2" name="CuadroTexto 1">
+            <a:extLst>
+              <a:ext uri="{FF2B5EF4-FFF2-40B4-BE49-F238E27FC236}">
+                <a16:creationId xmlns:a16="http://schemas.microsoft.com/office/drawing/2014/main" id="{4D29E605-3D42-4542-B44B-EA201B0A1F95}"/>
+              </a:ext>
+            </a:extLst>
+          </p:cNvPr>
+          <p:cNvSpPr txBox="1"/>
+          <p:nvPr/>
+        </p:nvSpPr>
+        <p:spPr>
+          <a:xfrm>
+            <a:off x="1342571" y="285920"/>
+            <a:ext cx="9506857" cy="523220"/>
           </a:xfrm>
           <a:prstGeom prst="rect">
             <a:avLst/>
           </a:prstGeom>
           <a:noFill/>
-          <a:ln w="38100">
-            <a:noFill/>
-          </a:ln>
-        </p:spPr>
-        <p:style>
-          <a:lnRef idx="2">
-            <a:schemeClr val="accent1">
-              <a:shade val="50000"/>
-            </a:schemeClr>
-          </a:lnRef>
-          <a:fillRef idx="1">
-            <a:schemeClr val="accent1"/>
-          </a:fillRef>
-          <a:effectRef idx="0">
-            <a:schemeClr val="accent1"/>
-          </a:effectRef>
-          <a:fontRef idx="minor">
-            <a:schemeClr val="lt1"/>
-          </a:fontRef>
-        </p:style>
-        <p:txBody>
-          <a:bodyPr rtlCol="0" anchor="ctr"/>
+        </p:spPr>
+        <p:txBody>
+          <a:bodyPr wrap="square" rtlCol="0">
+            <a:spAutoFit/>
+          </a:bodyPr>
           <a:lstStyle/>
           <a:p>
             <a:pPr algn="ctr"/>
             <a:r>
-              <a:rPr lang="es-MX" dirty="0">
+              <a:rPr lang="es-MX" sz="2800" dirty="0">
                 <a:solidFill>
                   <a:schemeClr val="tx1"/>
                 </a:solidFill>
               </a:rPr>
-              <a:t>Se realiza por cada muestra de voltaje y corriente tomada</a:t>
-            </a:r>
-          </a:p>
-        </p:txBody>
-      </p:sp>
-      <p:cxnSp>
-        <p:nvCxnSpPr>
-          <p:cNvPr id="22" name="Conector recto de flecha 21">
-            <a:extLst>
-              <a:ext uri="{FF2B5EF4-FFF2-40B4-BE49-F238E27FC236}">
-                <a16:creationId xmlns:a16="http://schemas.microsoft.com/office/drawing/2014/main" id="{130A62FE-A731-4139-AF65-904F6FE698EB}"/>
-              </a:ext>
-            </a:extLst>
-          </p:cNvPr>
-          <p:cNvCxnSpPr>
-            <a:cxnSpLocks/>
-            <a:stCxn id="20" idx="3"/>
-          </p:cNvCxnSpPr>
-          <p:nvPr/>
-        </p:nvCxnSpPr>
-        <p:spPr>
-          <a:xfrm>
-            <a:off x="3112707" y="3907353"/>
-            <a:ext cx="394787" cy="0"/>
-          </a:xfrm>
-          <a:prstGeom prst="straightConnector1">
-            <a:avLst/>
-          </a:prstGeom>
-          <a:ln w="25400">
-            <a:solidFill>
-              <a:schemeClr val="tx1"/>
-            </a:solidFill>
-            <a:tailEnd type="triangle"/>
-          </a:ln>
-        </p:spPr>
-        <p:style>
-          <a:lnRef idx="1">
-            <a:schemeClr val="accent1"/>
-          </a:lnRef>
-          <a:fillRef idx="0">
-            <a:schemeClr val="accent1"/>
-          </a:fillRef>
-          <a:effectRef idx="0">
-            <a:schemeClr val="accent1"/>
-          </a:effectRef>
-          <a:fontRef idx="minor">
-            <a:schemeClr val="tx1"/>
-          </a:fontRef>
-        </p:style>
-      </p:cxnSp>
-      <mc:AlternateContent xmlns:mc="http://schemas.openxmlformats.org/markup-compatibility/2006" xmlns:a14="http://schemas.microsoft.com/office/drawing/2010/main">
-        <mc:Choice Requires="a14">
+              <a:t>Limitaciones de hardware (resolución de la señal leída(2))</a:t>
+            </a:r>
+          </a:p>
+        </p:txBody>
+      </p:sp>
+      <mc:AlternateContent xmlns:mc="http://schemas.openxmlformats.org/markup-compatibility/2006">
+        <mc:Choice xmlns:a14="http://schemas.microsoft.com/office/drawing/2010/main" Requires="a14">
           <p:sp>
             <p:nvSpPr>
-              <p:cNvPr id="25" name="Rectángulo 24">
+              <p:cNvPr id="5" name="CuadroTexto 4">
                 <a:extLst>
                   <a:ext uri="{FF2B5EF4-FFF2-40B4-BE49-F238E27FC236}">
-                    <a16:creationId xmlns:a16="http://schemas.microsoft.com/office/drawing/2014/main" id="{E2F89A1E-E871-4EBA-B3D9-345BB1A9AEB2}"/>
+                    <a16:creationId xmlns:a16="http://schemas.microsoft.com/office/drawing/2014/main" id="{F864B2CF-2DB2-4B99-B507-0E6131D84FEA}"/>
                   </a:ext>
                 </a:extLst>
               </p:cNvPr>
-              <p:cNvSpPr/>
+              <p:cNvSpPr txBox="1"/>
               <p:nvPr/>
             </p:nvSpPr>
             <p:spPr>
               <a:xfrm>
-                <a:off x="3507495" y="3454798"/>
-                <a:ext cx="2849762" cy="1320397"/>
+                <a:off x="388076" y="809140"/>
+                <a:ext cx="10743750" cy="5929508"/>
               </a:xfrm>
               <a:prstGeom prst="rect">
                 <a:avLst/>
               </a:prstGeom>
               <a:noFill/>
-              <a:ln w="38100">
-                <a:solidFill>
-                  <a:schemeClr val="tx1"/>
-                </a:solidFill>
-              </a:ln>
             </p:spPr>
-            <p:style>
-              <a:lnRef idx="2">
-                <a:schemeClr val="accent1">
-                  <a:shade val="50000"/>
-                </a:schemeClr>
-              </a:lnRef>
-              <a:fillRef idx="1">
-                <a:schemeClr val="accent1"/>
-              </a:fillRef>
-              <a:effectRef idx="0">
-                <a:schemeClr val="accent1"/>
-              </a:effectRef>
-              <a:fontRef idx="minor">
-                <a:schemeClr val="lt1"/>
-              </a:fontRef>
-            </p:style>
             <p:txBody>
-              <a:bodyPr rtlCol="0" anchor="ctr"/>
+              <a:bodyPr wrap="square" rtlCol="0">
+                <a:spAutoFit/>
+              </a:bodyPr>
               <a:lstStyle/>
               <a:p>
-                <a:pPr algn="ctr"/>
+                <a:endParaRPr lang="es-MX" dirty="0"/>
+              </a:p>
+              <a:p>
                 <a:r>
-                  <a:rPr lang="es-MX" dirty="0">
-                    <a:solidFill>
-                      <a:schemeClr val="tx1"/>
-                    </a:solidFill>
-                  </a:rPr>
-                  <a:t>Cáculo de potencia promedio (o potencia real)</a:t>
+                  <a:rPr lang="es-MX" dirty="0"/>
+                  <a:t>En el caso del sensor de corriente, se realiza lo siguiente:</a:t>
                 </a:r>
               </a:p>
               <a:p>
-                <a:pPr algn="ctr"/>
+                <a:endParaRPr lang="es-MX" dirty="0"/>
+              </a:p>
+              <a:p>
+                <a:pPr marL="342900" indent="-342900">
+                  <a:buFont typeface="+mj-lt"/>
+                  <a:buAutoNum type="arabicPeriod"/>
+                </a:pPr>
+                <a:r>
+                  <a:rPr lang="es-MX" dirty="0"/>
+                  <a:t>El sensor de corriente SCT-013(100A-50mA) puede medir hasta 100A y su salida es de hasta 50mA. El sensor tiene una ganancia de 1/2000. Esto requiere convertir manualmente la señal de salida de corriente a voltaje para que pueda ser leída por el ADS1115. </a:t>
+                </a:r>
+              </a:p>
+              <a:p>
+                <a:pPr marL="342900" indent="-342900">
+                  <a:buFont typeface="+mj-lt"/>
+                  <a:buAutoNum type="arabicPeriod"/>
+                </a:pPr>
+                <a:endParaRPr lang="es-MX" dirty="0"/>
+              </a:p>
+              <a:p>
+                <a:pPr marL="342900" indent="-342900">
+                  <a:buFont typeface="+mj-lt"/>
+                  <a:buAutoNum type="arabicPeriod"/>
+                </a:pPr>
+                <a:r>
+                  <a:rPr lang="es-MX" dirty="0"/>
+                  <a:t>SE DEBE CONOCER LA POTENCIA NOMINAL DEL APARATO A MEDIR. Es importante porque determina la resistencia que convierte la señal de corriente en voltaje (R5 en el diagrama esquemático). </a:t>
+                </a:r>
+              </a:p>
+              <a:p>
+                <a:pPr marL="342900" indent="-342900">
+                  <a:buFont typeface="+mj-lt"/>
+                  <a:buAutoNum type="arabicPeriod"/>
+                </a:pPr>
+                <a:endParaRPr lang="es-MX" dirty="0"/>
+              </a:p>
+              <a:p>
+                <a:pPr marL="800100" lvl="1" indent="-342900">
+                  <a:buFont typeface="+mj-lt"/>
+                  <a:buAutoNum type="alphaLcParenR"/>
+                </a:pPr>
+                <a:r>
+                  <a:rPr lang="es-MX" dirty="0"/>
+                  <a:t>Por ejemplo, para un aparato que consume 45W, requiere una corriente </a:t>
+                </a:r>
+                <a:r>
+                  <a:rPr lang="es-MX" dirty="0" err="1"/>
+                  <a:t>rms</a:t>
+                </a:r>
+                <a:r>
+                  <a:rPr lang="es-MX" dirty="0"/>
+                  <a:t> de: </a:t>
+                </a:r>
                 <a14:m>
-                  <m:oMathPara xmlns:m="http://schemas.openxmlformats.org/officeDocument/2006/math">
-                    <m:oMathParaPr>
-                      <m:jc m:val="centerGroup"/>
-                    </m:oMathParaPr>
-                    <m:oMath xmlns:m="http://schemas.openxmlformats.org/officeDocument/2006/math">
-                      <m:sSub>
-                        <m:sSubPr>
-                          <m:ctrlPr>
-                            <a:rPr lang="es-MX" b="0" i="1" smtClean="0">
-                              <a:solidFill>
-                                <a:schemeClr val="tx1"/>
-                              </a:solidFill>
-                              <a:latin typeface="Cambria Math" panose="02040503050406030204" pitchFamily="18" charset="0"/>
-                            </a:rPr>
-                          </m:ctrlPr>
-                        </m:sSubPr>
-                        <m:e>
-                          <m:r>
-                            <a:rPr lang="es-MX" b="0" i="1" smtClean="0">
-                              <a:solidFill>
-                                <a:schemeClr val="tx1"/>
-                              </a:solidFill>
-                              <a:latin typeface="Cambria Math" panose="02040503050406030204" pitchFamily="18" charset="0"/>
-                            </a:rPr>
-                            <m:t>𝑃</m:t>
-                          </m:r>
-                        </m:e>
-                        <m:sub>
-                          <m:r>
-                            <a:rPr lang="es-MX" b="0" i="1" smtClean="0">
-                              <a:solidFill>
-                                <a:schemeClr val="tx1"/>
-                              </a:solidFill>
-                              <a:latin typeface="Cambria Math" panose="02040503050406030204" pitchFamily="18" charset="0"/>
-                            </a:rPr>
-                            <m:t>𝑝𝑟𝑜𝑚</m:t>
-                          </m:r>
-                        </m:sub>
-                      </m:sSub>
-                      <m:r>
-                        <a:rPr lang="es-MX" b="0" i="1" smtClean="0">
-                          <a:solidFill>
-                            <a:schemeClr val="tx1"/>
-                          </a:solidFill>
-                          <a:latin typeface="Cambria Math" panose="02040503050406030204" pitchFamily="18" charset="0"/>
-                        </a:rPr>
-                        <m:t>=</m:t>
-                      </m:r>
-                      <m:f>
-                        <m:fPr>
-                          <m:ctrlPr>
-                            <a:rPr lang="es-MX" b="0" i="1" smtClean="0">
-                              <a:solidFill>
-                                <a:schemeClr val="tx1"/>
-                              </a:solidFill>
-                              <a:latin typeface="Cambria Math" panose="02040503050406030204" pitchFamily="18" charset="0"/>
-                            </a:rPr>
-                          </m:ctrlPr>
-                        </m:fPr>
-                        <m:num>
-                          <m:r>
-                            <a:rPr lang="es-MX" b="0" i="1" smtClean="0">
-                              <a:solidFill>
-                                <a:schemeClr val="tx1"/>
-                              </a:solidFill>
-                              <a:latin typeface="Cambria Math" panose="02040503050406030204" pitchFamily="18" charset="0"/>
-                            </a:rPr>
-                            <m:t>1</m:t>
-                          </m:r>
-                        </m:num>
-                        <m:den>
-                          <m:r>
-                            <a:rPr lang="es-MX" b="0" i="1" smtClean="0">
-                              <a:solidFill>
-                                <a:schemeClr val="tx1"/>
-                              </a:solidFill>
-                              <a:latin typeface="Cambria Math" panose="02040503050406030204" pitchFamily="18" charset="0"/>
-                            </a:rPr>
-                            <m:t>𝑛</m:t>
-                          </m:r>
-                        </m:den>
-                      </m:f>
-                      <m:nary>
-                        <m:naryPr>
-                          <m:chr m:val="∑"/>
-                          <m:ctrlPr>
-                            <a:rPr lang="es-MX" b="0" i="1" smtClean="0">
-                              <a:solidFill>
-                                <a:schemeClr val="tx1"/>
-                              </a:solidFill>
-                              <a:latin typeface="Cambria Math" panose="02040503050406030204" pitchFamily="18" charset="0"/>
-                            </a:rPr>
-                          </m:ctrlPr>
-                        </m:naryPr>
-                        <m:sub>
-                          <m:r>
-                            <m:rPr>
-                              <m:brk m:alnAt="23"/>
-                            </m:rPr>
-                            <a:rPr lang="es-MX" b="0" i="1" smtClean="0">
-                              <a:solidFill>
-                                <a:schemeClr val="tx1"/>
-                              </a:solidFill>
-                              <a:latin typeface="Cambria Math" panose="02040503050406030204" pitchFamily="18" charset="0"/>
-                            </a:rPr>
-                            <m:t>𝑖</m:t>
-                          </m:r>
-                          <m:r>
-                            <a:rPr lang="es-MX" b="0" i="1" smtClean="0">
-                              <a:solidFill>
-                                <a:schemeClr val="tx1"/>
-                              </a:solidFill>
-                              <a:latin typeface="Cambria Math" panose="02040503050406030204" pitchFamily="18" charset="0"/>
-                            </a:rPr>
-                            <m:t>=0</m:t>
-                          </m:r>
-                        </m:sub>
-                        <m:sup>
-                          <m:r>
-                            <a:rPr lang="es-MX" b="0" i="1" smtClean="0">
-                              <a:solidFill>
-                                <a:schemeClr val="tx1"/>
-                              </a:solidFill>
-                              <a:latin typeface="Cambria Math" panose="02040503050406030204" pitchFamily="18" charset="0"/>
-                            </a:rPr>
-                            <m:t>𝑛</m:t>
-                          </m:r>
-                        </m:sup>
-                        <m:e>
-                          <m:sSub>
-                            <m:sSubPr>
-                              <m:ctrlPr>
-                                <a:rPr lang="es-MX" b="0" i="1" smtClean="0">
-                                  <a:solidFill>
-                                    <a:schemeClr val="tx1"/>
-                                  </a:solidFill>
-                                  <a:latin typeface="Cambria Math" panose="02040503050406030204" pitchFamily="18" charset="0"/>
-                                </a:rPr>
-                              </m:ctrlPr>
-                            </m:sSubPr>
-                            <m:e>
-                              <m:r>
-                                <a:rPr lang="es-MX" i="1">
-                                  <a:solidFill>
-                                    <a:schemeClr val="tx1"/>
-                                  </a:solidFill>
-                                  <a:latin typeface="Cambria Math" panose="02040503050406030204" pitchFamily="18" charset="0"/>
-                                </a:rPr>
-                                <m:t>𝑉</m:t>
-                              </m:r>
-                            </m:e>
-                            <m:sub>
-                              <m:r>
-                                <a:rPr lang="es-MX" b="0" i="1" smtClean="0">
-                                  <a:solidFill>
-                                    <a:schemeClr val="tx1"/>
-                                  </a:solidFill>
-                                  <a:latin typeface="Cambria Math" panose="02040503050406030204" pitchFamily="18" charset="0"/>
-                                </a:rPr>
-                                <m:t>𝑖</m:t>
-                              </m:r>
-                            </m:sub>
-                          </m:sSub>
-                          <m:r>
-                            <a:rPr lang="es-MX" i="1">
-                              <a:solidFill>
-                                <a:schemeClr val="tx1"/>
-                              </a:solidFill>
-                              <a:latin typeface="Cambria Math" panose="02040503050406030204" pitchFamily="18" charset="0"/>
-                              <a:ea typeface="Cambria Math" panose="02040503050406030204" pitchFamily="18" charset="0"/>
-                            </a:rPr>
-                            <m:t>×</m:t>
-                          </m:r>
-                          <m:sSub>
-                            <m:sSubPr>
-                              <m:ctrlPr>
-                                <a:rPr lang="es-MX" i="1">
-                                  <a:solidFill>
-                                    <a:schemeClr val="tx1"/>
-                                  </a:solidFill>
-                                  <a:latin typeface="Cambria Math" panose="02040503050406030204" pitchFamily="18" charset="0"/>
-                                </a:rPr>
-                              </m:ctrlPr>
-                            </m:sSubPr>
-                            <m:e>
-                              <m:r>
-                                <a:rPr lang="es-MX" b="0" i="1" smtClean="0">
-                                  <a:solidFill>
-                                    <a:schemeClr val="tx1"/>
-                                  </a:solidFill>
-                                  <a:latin typeface="Cambria Math" panose="02040503050406030204" pitchFamily="18" charset="0"/>
-                                </a:rPr>
-                                <m:t>𝐼</m:t>
-                              </m:r>
-                            </m:e>
-                            <m:sub>
-                              <m:r>
-                                <a:rPr lang="es-MX" i="1">
-                                  <a:solidFill>
-                                    <a:schemeClr val="tx1"/>
-                                  </a:solidFill>
-                                  <a:latin typeface="Cambria Math" panose="02040503050406030204" pitchFamily="18" charset="0"/>
-                                </a:rPr>
-                                <m:t>𝑖</m:t>
-                              </m:r>
-                            </m:sub>
-                          </m:sSub>
-                        </m:e>
-                      </m:nary>
-                    </m:oMath>
-                  </m:oMathPara>
+                  <m:oMath xmlns:m="http://schemas.openxmlformats.org/officeDocument/2006/math">
+                    <m:sSub>
+                      <m:sSubPr>
+                        <m:ctrlPr>
+                          <a:rPr lang="es-MX" b="0" i="1" smtClean="0">
+                            <a:latin typeface="Cambria Math" panose="02040503050406030204" pitchFamily="18" charset="0"/>
+                          </a:rPr>
+                        </m:ctrlPr>
+                      </m:sSubPr>
+                      <m:e>
+                        <m:r>
+                          <a:rPr lang="es-MX" b="0" i="1" smtClean="0">
+                            <a:latin typeface="Cambria Math" panose="02040503050406030204" pitchFamily="18" charset="0"/>
+                          </a:rPr>
+                          <m:t>𝐼</m:t>
+                        </m:r>
+                      </m:e>
+                      <m:sub>
+                        <m:r>
+                          <a:rPr lang="es-MX" b="0" i="1" smtClean="0">
+                            <a:latin typeface="Cambria Math" panose="02040503050406030204" pitchFamily="18" charset="0"/>
+                          </a:rPr>
+                          <m:t>𝑟𝑚𝑠</m:t>
+                        </m:r>
+                      </m:sub>
+                    </m:sSub>
+                    <m:r>
+                      <a:rPr lang="es-MX" b="0" i="1" smtClean="0">
+                        <a:latin typeface="Cambria Math" panose="02040503050406030204" pitchFamily="18" charset="0"/>
+                      </a:rPr>
+                      <m:t>=</m:t>
+                    </m:r>
+                    <m:f>
+                      <m:fPr>
+                        <m:ctrlPr>
+                          <a:rPr lang="es-MX" b="0" i="1" smtClean="0">
+                            <a:latin typeface="Cambria Math" panose="02040503050406030204" pitchFamily="18" charset="0"/>
+                          </a:rPr>
+                        </m:ctrlPr>
+                      </m:fPr>
+                      <m:num>
+                        <m:r>
+                          <a:rPr lang="es-MX" b="0" i="1" smtClean="0">
+                            <a:latin typeface="Cambria Math" panose="02040503050406030204" pitchFamily="18" charset="0"/>
+                          </a:rPr>
+                          <m:t>𝑃</m:t>
+                        </m:r>
+                      </m:num>
+                      <m:den>
+                        <m:sSub>
+                          <m:sSubPr>
+                            <m:ctrlPr>
+                              <a:rPr lang="es-MX" b="0" i="1" smtClean="0">
+                                <a:latin typeface="Cambria Math" panose="02040503050406030204" pitchFamily="18" charset="0"/>
+                              </a:rPr>
+                            </m:ctrlPr>
+                          </m:sSubPr>
+                          <m:e>
+                            <m:r>
+                              <a:rPr lang="es-MX" b="0" i="1" smtClean="0">
+                                <a:latin typeface="Cambria Math" panose="02040503050406030204" pitchFamily="18" charset="0"/>
+                              </a:rPr>
+                              <m:t>𝑉</m:t>
+                            </m:r>
+                          </m:e>
+                          <m:sub>
+                            <m:r>
+                              <a:rPr lang="es-MX" b="0" i="1" smtClean="0">
+                                <a:latin typeface="Cambria Math" panose="02040503050406030204" pitchFamily="18" charset="0"/>
+                              </a:rPr>
+                              <m:t>𝑟𝑚𝑠</m:t>
+                            </m:r>
+                          </m:sub>
+                        </m:sSub>
+                      </m:den>
+                    </m:f>
+                    <m:r>
+                      <a:rPr lang="es-MX" b="0" i="1" smtClean="0">
+                        <a:latin typeface="Cambria Math" panose="02040503050406030204" pitchFamily="18" charset="0"/>
+                      </a:rPr>
+                      <m:t>=</m:t>
+                    </m:r>
+                    <m:f>
+                      <m:fPr>
+                        <m:ctrlPr>
+                          <a:rPr lang="es-MX" b="0" i="1" smtClean="0">
+                            <a:latin typeface="Cambria Math" panose="02040503050406030204" pitchFamily="18" charset="0"/>
+                          </a:rPr>
+                        </m:ctrlPr>
+                      </m:fPr>
+                      <m:num>
+                        <m:r>
+                          <a:rPr lang="es-MX" b="0" i="1" smtClean="0">
+                            <a:latin typeface="Cambria Math" panose="02040503050406030204" pitchFamily="18" charset="0"/>
+                          </a:rPr>
+                          <m:t>45</m:t>
+                        </m:r>
+                        <m:r>
+                          <a:rPr lang="es-MX" b="0" i="1" smtClean="0">
+                            <a:latin typeface="Cambria Math" panose="02040503050406030204" pitchFamily="18" charset="0"/>
+                          </a:rPr>
+                          <m:t>𝑊</m:t>
+                        </m:r>
+                      </m:num>
+                      <m:den>
+                        <m:r>
+                          <a:rPr lang="es-MX" b="0" i="1" smtClean="0">
+                            <a:latin typeface="Cambria Math" panose="02040503050406030204" pitchFamily="18" charset="0"/>
+                          </a:rPr>
+                          <m:t>127</m:t>
+                        </m:r>
+                        <m:r>
+                          <a:rPr lang="es-MX" b="0" i="1" smtClean="0">
+                            <a:latin typeface="Cambria Math" panose="02040503050406030204" pitchFamily="18" charset="0"/>
+                          </a:rPr>
+                          <m:t>𝑉</m:t>
+                        </m:r>
+                      </m:den>
+                    </m:f>
+                    <m:r>
+                      <a:rPr lang="es-MX" b="0" i="1" smtClean="0">
+                        <a:latin typeface="Cambria Math" panose="02040503050406030204" pitchFamily="18" charset="0"/>
+                      </a:rPr>
+                      <m:t>=0.354</m:t>
+                    </m:r>
+                    <m:r>
+                      <a:rPr lang="es-MX" b="0" i="1" smtClean="0">
+                        <a:latin typeface="Cambria Math" panose="02040503050406030204" pitchFamily="18" charset="0"/>
+                      </a:rPr>
+                      <m:t>𝐴𝑟𝑚𝑠</m:t>
+                    </m:r>
+                  </m:oMath>
                 </a14:m>
-                <a:endParaRPr lang="es-MX" dirty="0">
-                  <a:solidFill>
-                    <a:schemeClr val="tx1"/>
-                  </a:solidFill>
-                </a:endParaRPr>
+                <a:endParaRPr lang="es-MX" b="0" dirty="0"/>
+              </a:p>
+              <a:p>
+                <a:pPr marL="800100" lvl="1" indent="-342900">
+                  <a:buFont typeface="+mj-lt"/>
+                  <a:buAutoNum type="alphaLcParenR"/>
+                </a:pPr>
+                <a:r>
+                  <a:rPr lang="es-MX" dirty="0"/>
+                  <a:t>El sensor de corriente SCT-013 tendría mediciones pico de alrededor: </a:t>
+                </a:r>
+                <a14:m>
+                  <m:oMath xmlns:m="http://schemas.openxmlformats.org/officeDocument/2006/math">
+                    <m:sSub>
+                      <m:sSubPr>
+                        <m:ctrlPr>
+                          <a:rPr lang="es-MX" b="0" i="1" smtClean="0">
+                            <a:latin typeface="Cambria Math" panose="02040503050406030204" pitchFamily="18" charset="0"/>
+                          </a:rPr>
+                        </m:ctrlPr>
+                      </m:sSubPr>
+                      <m:e>
+                        <m:r>
+                          <a:rPr lang="es-MX" b="0" i="1" smtClean="0">
+                            <a:latin typeface="Cambria Math" panose="02040503050406030204" pitchFamily="18" charset="0"/>
+                          </a:rPr>
+                          <m:t>𝐼</m:t>
+                        </m:r>
+                      </m:e>
+                      <m:sub>
+                        <m:r>
+                          <a:rPr lang="es-MX" b="0" i="1" smtClean="0">
+                            <a:latin typeface="Cambria Math" panose="02040503050406030204" pitchFamily="18" charset="0"/>
+                          </a:rPr>
+                          <m:t>𝑙𝑒𝑖𝑑𝑜</m:t>
+                        </m:r>
+                      </m:sub>
+                    </m:sSub>
+                    <m:r>
+                      <a:rPr lang="es-MX" b="0" i="1" smtClean="0">
+                        <a:latin typeface="Cambria Math" panose="02040503050406030204" pitchFamily="18" charset="0"/>
+                      </a:rPr>
+                      <m:t>=</m:t>
+                    </m:r>
+                    <m:d>
+                      <m:dPr>
+                        <m:ctrlPr>
+                          <a:rPr lang="es-MX" b="0" i="1" smtClean="0">
+                            <a:latin typeface="Cambria Math" panose="02040503050406030204" pitchFamily="18" charset="0"/>
+                          </a:rPr>
+                        </m:ctrlPr>
+                      </m:dPr>
+                      <m:e>
+                        <m:r>
+                          <a:rPr lang="es-MX" b="0" i="1" smtClean="0">
+                            <a:latin typeface="Cambria Math" panose="02040503050406030204" pitchFamily="18" charset="0"/>
+                          </a:rPr>
+                          <m:t>0.354</m:t>
+                        </m:r>
+                        <m:r>
+                          <a:rPr lang="es-MX" b="0" i="1" smtClean="0">
+                            <a:latin typeface="Cambria Math" panose="02040503050406030204" pitchFamily="18" charset="0"/>
+                          </a:rPr>
+                          <m:t>𝐴𝑟𝑚𝑠</m:t>
+                        </m:r>
+                      </m:e>
+                    </m:d>
+                    <m:r>
+                      <a:rPr lang="es-MX" b="0" i="1" smtClean="0">
+                        <a:latin typeface="Cambria Math" panose="02040503050406030204" pitchFamily="18" charset="0"/>
+                      </a:rPr>
+                      <m:t>∗</m:t>
+                    </m:r>
+                    <m:rad>
+                      <m:radPr>
+                        <m:degHide m:val="on"/>
+                        <m:ctrlPr>
+                          <a:rPr lang="es-MX" b="0" i="1" smtClean="0">
+                            <a:latin typeface="Cambria Math" panose="02040503050406030204" pitchFamily="18" charset="0"/>
+                          </a:rPr>
+                        </m:ctrlPr>
+                      </m:radPr>
+                      <m:deg/>
+                      <m:e>
+                        <m:r>
+                          <a:rPr lang="es-MX" b="0" i="1" smtClean="0">
+                            <a:latin typeface="Cambria Math" panose="02040503050406030204" pitchFamily="18" charset="0"/>
+                          </a:rPr>
+                          <m:t>2</m:t>
+                        </m:r>
+                      </m:e>
+                    </m:rad>
+                    <m:r>
+                      <a:rPr lang="es-MX" b="0" i="1" smtClean="0">
+                        <a:latin typeface="Cambria Math" panose="02040503050406030204" pitchFamily="18" charset="0"/>
+                      </a:rPr>
+                      <m:t>∗</m:t>
+                    </m:r>
+                    <m:f>
+                      <m:fPr>
+                        <m:ctrlPr>
+                          <a:rPr lang="es-MX" b="0" i="1" smtClean="0">
+                            <a:latin typeface="Cambria Math" panose="02040503050406030204" pitchFamily="18" charset="0"/>
+                          </a:rPr>
+                        </m:ctrlPr>
+                      </m:fPr>
+                      <m:num>
+                        <m:r>
+                          <a:rPr lang="es-MX" b="0" i="1" smtClean="0">
+                            <a:latin typeface="Cambria Math" panose="02040503050406030204" pitchFamily="18" charset="0"/>
+                          </a:rPr>
+                          <m:t>1</m:t>
+                        </m:r>
+                      </m:num>
+                      <m:den>
+                        <m:r>
+                          <a:rPr lang="es-MX" b="0" i="1" smtClean="0">
+                            <a:latin typeface="Cambria Math" panose="02040503050406030204" pitchFamily="18" charset="0"/>
+                          </a:rPr>
+                          <m:t>1000</m:t>
+                        </m:r>
+                      </m:den>
+                    </m:f>
+                    <m:r>
+                      <a:rPr lang="es-MX" b="0" i="1" smtClean="0">
+                        <a:latin typeface="Cambria Math" panose="02040503050406030204" pitchFamily="18" charset="0"/>
+                      </a:rPr>
+                      <m:t>=0.5</m:t>
+                    </m:r>
+                    <m:r>
+                      <a:rPr lang="es-MX" b="0" i="1" smtClean="0">
+                        <a:latin typeface="Cambria Math" panose="02040503050406030204" pitchFamily="18" charset="0"/>
+                      </a:rPr>
+                      <m:t>𝑚𝐴</m:t>
+                    </m:r>
+                  </m:oMath>
+                </a14:m>
+                <a:endParaRPr lang="es-MX" b="0" dirty="0"/>
+              </a:p>
+              <a:p>
+                <a:pPr marL="800100" lvl="1" indent="-342900">
+                  <a:buFont typeface="+mj-lt"/>
+                  <a:buAutoNum type="alphaLcParenR"/>
+                </a:pPr>
+                <a:r>
+                  <a:rPr lang="es-MX" dirty="0"/>
+                  <a:t>Eligiendo una resistencia de </a:t>
+                </a:r>
+                <a14:m>
+                  <m:oMath xmlns:m="http://schemas.openxmlformats.org/officeDocument/2006/math">
+                    <m:r>
+                      <a:rPr lang="es-MX" b="0" i="1" smtClean="0">
+                        <a:latin typeface="Cambria Math" panose="02040503050406030204" pitchFamily="18" charset="0"/>
+                      </a:rPr>
+                      <m:t>1</m:t>
+                    </m:r>
+                    <m:r>
+                      <a:rPr lang="es-MX" b="0" i="1" smtClean="0">
+                        <a:latin typeface="Cambria Math" panose="02040503050406030204" pitchFamily="18" charset="0"/>
+                      </a:rPr>
+                      <m:t>𝐾</m:t>
+                    </m:r>
+                    <m:r>
+                      <m:rPr>
+                        <m:sty m:val="p"/>
+                      </m:rPr>
+                      <a:rPr lang="el-GR" b="0" i="1" smtClean="0">
+                        <a:latin typeface="Cambria Math" panose="02040503050406030204" pitchFamily="18" charset="0"/>
+                        <a:ea typeface="Cambria Math" panose="02040503050406030204" pitchFamily="18" charset="0"/>
+                      </a:rPr>
+                      <m:t>Ω</m:t>
+                    </m:r>
+                  </m:oMath>
+                </a14:m>
+                <a:r>
+                  <a:rPr lang="es-MX" dirty="0"/>
+                  <a:t>, se tiene un voltaje pico de </a:t>
+                </a:r>
+                <a14:m>
+                  <m:oMath xmlns:m="http://schemas.openxmlformats.org/officeDocument/2006/math">
+                    <m:sSub>
+                      <m:sSubPr>
+                        <m:ctrlPr>
+                          <a:rPr lang="es-MX" i="1">
+                            <a:latin typeface="Cambria Math" panose="02040503050406030204" pitchFamily="18" charset="0"/>
+                          </a:rPr>
+                        </m:ctrlPr>
+                      </m:sSubPr>
+                      <m:e>
+                        <m:r>
+                          <a:rPr lang="es-MX" b="0" i="1" smtClean="0">
+                            <a:latin typeface="Cambria Math" panose="02040503050406030204" pitchFamily="18" charset="0"/>
+                          </a:rPr>
+                          <m:t>𝑉</m:t>
+                        </m:r>
+                      </m:e>
+                      <m:sub>
+                        <m:r>
+                          <a:rPr lang="es-MX" i="1">
+                            <a:latin typeface="Cambria Math" panose="02040503050406030204" pitchFamily="18" charset="0"/>
+                          </a:rPr>
+                          <m:t>𝑙𝑒𝑖𝑑𝑜</m:t>
+                        </m:r>
+                      </m:sub>
+                    </m:sSub>
+                    <m:r>
+                      <a:rPr lang="es-MX" i="1">
+                        <a:latin typeface="Cambria Math" panose="02040503050406030204" pitchFamily="18" charset="0"/>
+                      </a:rPr>
+                      <m:t>=</m:t>
+                    </m:r>
+                    <m:r>
+                      <a:rPr lang="es-MX" b="0" i="1" smtClean="0">
+                        <a:latin typeface="Cambria Math" panose="02040503050406030204" pitchFamily="18" charset="0"/>
+                      </a:rPr>
+                      <m:t>0.5</m:t>
+                    </m:r>
+                    <m:r>
+                      <a:rPr lang="es-MX" b="0" i="1" smtClean="0">
+                        <a:latin typeface="Cambria Math" panose="02040503050406030204" pitchFamily="18" charset="0"/>
+                      </a:rPr>
+                      <m:t>𝑚𝐴</m:t>
+                    </m:r>
+                    <m:r>
+                      <a:rPr lang="es-MX" b="0" i="1" smtClean="0">
+                        <a:latin typeface="Cambria Math" panose="02040503050406030204" pitchFamily="18" charset="0"/>
+                      </a:rPr>
+                      <m:t>∗1</m:t>
+                    </m:r>
+                    <m:r>
+                      <a:rPr lang="es-MX" b="0" i="1" smtClean="0">
+                        <a:latin typeface="Cambria Math" panose="02040503050406030204" pitchFamily="18" charset="0"/>
+                      </a:rPr>
+                      <m:t>𝐾</m:t>
+                    </m:r>
+                    <m:r>
+                      <m:rPr>
+                        <m:sty m:val="p"/>
+                      </m:rPr>
+                      <a:rPr lang="el-GR" i="1">
+                        <a:latin typeface="Cambria Math" panose="02040503050406030204" pitchFamily="18" charset="0"/>
+                        <a:ea typeface="Cambria Math" panose="02040503050406030204" pitchFamily="18" charset="0"/>
+                      </a:rPr>
+                      <m:t>Ω</m:t>
+                    </m:r>
+                    <m:r>
+                      <a:rPr lang="es-MX" b="0" i="1" smtClean="0">
+                        <a:latin typeface="Cambria Math" panose="02040503050406030204" pitchFamily="18" charset="0"/>
+                        <a:ea typeface="Cambria Math" panose="02040503050406030204" pitchFamily="18" charset="0"/>
+                      </a:rPr>
+                      <m:t>=0.5</m:t>
+                    </m:r>
+                    <m:r>
+                      <a:rPr lang="es-MX" b="0" i="1" smtClean="0">
+                        <a:latin typeface="Cambria Math" panose="02040503050406030204" pitchFamily="18" charset="0"/>
+                        <a:ea typeface="Cambria Math" panose="02040503050406030204" pitchFamily="18" charset="0"/>
+                      </a:rPr>
+                      <m:t>𝑉</m:t>
+                    </m:r>
+                  </m:oMath>
+                </a14:m>
+                <a:r>
+                  <a:rPr lang="es-MX" dirty="0"/>
+                  <a:t> Teóricamente este es el valor pico máximo de la señal. Experimentalmente, este valor puede ser mayor. </a:t>
+                </a:r>
+              </a:p>
+              <a:p>
+                <a:pPr marL="800100" lvl="1" indent="-342900">
+                  <a:buFont typeface="+mj-lt"/>
+                  <a:buAutoNum type="alphaLcParenR"/>
+                </a:pPr>
+                <a:r>
+                  <a:rPr lang="es-MX" dirty="0"/>
+                  <a:t>SUGERENCIA. Tomando en cuenta la última observación, se debe generar una señal de voltaje con una amplitud de 1V pico-pico máximo, para que los valores máximo y mínimo con offset de 2.5V sean de 1.5-3.5V y no dañar al ADC. En caso de que haya picos de corriente, estos puedan caer dentro del rango de 0-5V. </a:t>
+                </a:r>
               </a:p>
             </p:txBody>
           </p:sp>
         </mc:Choice>
-        <mc:Fallback xmlns="">
+        <mc:Fallback>
           <p:sp>
             <p:nvSpPr>
-              <p:cNvPr id="25" name="Rectángulo 24">
+              <p:cNvPr id="5" name="CuadroTexto 4">
                 <a:extLst>
                   <a:ext uri="{FF2B5EF4-FFF2-40B4-BE49-F238E27FC236}">
-                    <a16:creationId xmlns:a16="http://schemas.microsoft.com/office/drawing/2014/main" id="{E2F89A1E-E871-4EBA-B3D9-345BB1A9AEB2}"/>
+                    <a16:creationId xmlns:a16="http://schemas.microsoft.com/office/drawing/2014/main" id="{F864B2CF-2DB2-4B99-B507-0E6131D84FEA}"/>
                   </a:ext>
                 </a:extLst>
               </p:cNvPr>
-              <p:cNvSpPr>
+              <p:cNvSpPr txBox="1">
                 <a:spLocks noRot="1" noChangeAspect="1" noMove="1" noResize="1" noEditPoints="1" noAdjustHandles="1" noChangeArrowheads="1" noChangeShapeType="1" noTextEdit="1"/>
               </p:cNvSpPr>
               <p:nvPr/>
             </p:nvSpPr>
             <p:spPr>
               <a:xfrm>
-                <a:off x="3507495" y="3454798"/>
-                <a:ext cx="2849762" cy="1320397"/>
+                <a:off x="388076" y="809140"/>
+                <a:ext cx="10743750" cy="5929508"/>
               </a:xfrm>
               <a:prstGeom prst="rect">
                 <a:avLst/>
               </a:prstGeom>
               <a:blipFill>
-                <a:blip r:embed="rId3"/>
+                <a:blip r:embed="rId2"/>
                 <a:stretch>
-                  <a:fillRect t="-3604"/>
+                  <a:fillRect l="-511" b="-720"/>
                 </a:stretch>
               </a:blipFill>
-              <a:ln w="38100">
-                <a:solidFill>
-                  <a:schemeClr val="tx1"/>
-                </a:solidFill>
-              </a:ln>
             </p:spPr>
             <p:txBody>
               <a:bodyPr/>
@@ -6302,332 +6398,408 @@
           </p:sp>
         </mc:Fallback>
       </mc:AlternateContent>
-      <p:sp>
-        <p:nvSpPr>
-          <p:cNvPr id="27" name="Rectángulo 26">
-            <a:extLst>
-              <a:ext uri="{FF2B5EF4-FFF2-40B4-BE49-F238E27FC236}">
-                <a16:creationId xmlns:a16="http://schemas.microsoft.com/office/drawing/2014/main" id="{9A66DCBC-58E9-4077-A586-C75870830E04}"/>
-              </a:ext>
-            </a:extLst>
-          </p:cNvPr>
-          <p:cNvSpPr/>
-          <p:nvPr/>
-        </p:nvSpPr>
-        <p:spPr>
-          <a:xfrm>
-            <a:off x="3283394" y="4701789"/>
-            <a:ext cx="3192476" cy="1496207"/>
+    </p:spTree>
+    <p:extLst>
+      <p:ext uri="{BB962C8B-B14F-4D97-AF65-F5344CB8AC3E}">
+        <p14:creationId xmlns:p14="http://schemas.microsoft.com/office/powerpoint/2010/main" val="3303766967"/>
+      </p:ext>
+    </p:extLst>
+  </p:cSld>
+  <p:clrMapOvr>
+    <a:masterClrMapping/>
+  </p:clrMapOvr>
+</p:sld>
+</file>
+
+<file path=ppt/slides/slide13.xml><?xml version="1.0" encoding="utf-8"?>
+<p:sld xmlns:a="http://schemas.openxmlformats.org/drawingml/2006/main" xmlns:r="http://schemas.openxmlformats.org/officeDocument/2006/relationships" xmlns:p="http://schemas.openxmlformats.org/presentationml/2006/main">
+  <p:cSld>
+    <p:spTree>
+      <p:nvGrpSpPr>
+        <p:cNvPr id="1" name=""/>
+        <p:cNvGrpSpPr/>
+        <p:nvPr/>
+      </p:nvGrpSpPr>
+      <p:grpSpPr>
+        <a:xfrm>
+          <a:off x="0" y="0"/>
+          <a:ext cx="0" cy="0"/>
+          <a:chOff x="0" y="0"/>
+          <a:chExt cx="0" cy="0"/>
+        </a:xfrm>
+      </p:grpSpPr>
+      <p:sp>
+        <p:nvSpPr>
+          <p:cNvPr id="2" name="CuadroTexto 1">
+            <a:extLst>
+              <a:ext uri="{FF2B5EF4-FFF2-40B4-BE49-F238E27FC236}">
+                <a16:creationId xmlns:a16="http://schemas.microsoft.com/office/drawing/2014/main" id="{4D29E605-3D42-4542-B44B-EA201B0A1F95}"/>
+              </a:ext>
+            </a:extLst>
+          </p:cNvPr>
+          <p:cNvSpPr txBox="1"/>
+          <p:nvPr/>
+        </p:nvSpPr>
+        <p:spPr>
+          <a:xfrm>
+            <a:off x="1342571" y="285920"/>
+            <a:ext cx="9506857" cy="523220"/>
           </a:xfrm>
           <a:prstGeom prst="rect">
             <a:avLst/>
           </a:prstGeom>
           <a:noFill/>
-          <a:ln w="38100">
-            <a:noFill/>
-          </a:ln>
-        </p:spPr>
-        <p:style>
-          <a:lnRef idx="2">
-            <a:schemeClr val="accent1">
-              <a:shade val="50000"/>
-            </a:schemeClr>
-          </a:lnRef>
-          <a:fillRef idx="1">
-            <a:schemeClr val="accent1"/>
-          </a:fillRef>
-          <a:effectRef idx="0">
-            <a:schemeClr val="accent1"/>
-          </a:effectRef>
-          <a:fontRef idx="minor">
-            <a:schemeClr val="lt1"/>
-          </a:fontRef>
-        </p:style>
-        <p:txBody>
-          <a:bodyPr rtlCol="0" anchor="ctr"/>
+        </p:spPr>
+        <p:txBody>
+          <a:bodyPr wrap="square" rtlCol="0">
+            <a:spAutoFit/>
+          </a:bodyPr>
           <a:lstStyle/>
           <a:p>
             <a:pPr algn="ctr"/>
             <a:r>
-              <a:rPr lang="es-MX" dirty="0">
+              <a:rPr lang="es-MX" sz="2800" dirty="0">
                 <a:solidFill>
                   <a:schemeClr val="tx1"/>
                 </a:solidFill>
               </a:rPr>
-              <a:t>Se realiza por cada conjunto de x muestras. </a:t>
-            </a:r>
-          </a:p>
-          <a:p>
-            <a:pPr algn="ctr"/>
-            <a:r>
-              <a:rPr lang="es-MX" dirty="0">
-                <a:solidFill>
-                  <a:schemeClr val="tx1"/>
-                </a:solidFill>
-              </a:rPr>
-              <a:t>Ej. Un conjunto de 50 muestras para 2 ciclos (2 segundos)</a:t>
-            </a:r>
-          </a:p>
-        </p:txBody>
-      </p:sp>
-      <mc:AlternateContent xmlns:mc="http://schemas.openxmlformats.org/markup-compatibility/2006" xmlns:a14="http://schemas.microsoft.com/office/drawing/2010/main">
-        <mc:Choice Requires="a14">
+              <a:t>Limitaciones de hardware (resolución de la señal leída(3))</a:t>
+            </a:r>
+          </a:p>
+        </p:txBody>
+      </p:sp>
+      <mc:AlternateContent xmlns:mc="http://schemas.openxmlformats.org/markup-compatibility/2006">
+        <mc:Choice xmlns:a14="http://schemas.microsoft.com/office/drawing/2010/main" Requires="a14">
           <p:sp>
             <p:nvSpPr>
-              <p:cNvPr id="28" name="Rectángulo 27">
+              <p:cNvPr id="5" name="CuadroTexto 4">
                 <a:extLst>
                   <a:ext uri="{FF2B5EF4-FFF2-40B4-BE49-F238E27FC236}">
-                    <a16:creationId xmlns:a16="http://schemas.microsoft.com/office/drawing/2014/main" id="{A5F155A5-3599-4A72-A396-9752E7C941C7}"/>
+                    <a16:creationId xmlns:a16="http://schemas.microsoft.com/office/drawing/2014/main" id="{F864B2CF-2DB2-4B99-B507-0E6131D84FEA}"/>
                   </a:ext>
                 </a:extLst>
               </p:cNvPr>
-              <p:cNvSpPr/>
+              <p:cNvSpPr txBox="1"/>
               <p:nvPr/>
             </p:nvSpPr>
             <p:spPr>
               <a:xfrm>
-                <a:off x="6752045" y="3454796"/>
-                <a:ext cx="2968375" cy="2075143"/>
+                <a:off x="388076" y="809140"/>
+                <a:ext cx="10743750" cy="4362028"/>
               </a:xfrm>
               <a:prstGeom prst="rect">
                 <a:avLst/>
               </a:prstGeom>
               <a:noFill/>
-              <a:ln w="38100">
-                <a:solidFill>
-                  <a:schemeClr val="tx1"/>
-                </a:solidFill>
-              </a:ln>
             </p:spPr>
-            <p:style>
-              <a:lnRef idx="2">
-                <a:schemeClr val="accent1">
-                  <a:shade val="50000"/>
-                </a:schemeClr>
-              </a:lnRef>
-              <a:fillRef idx="1">
-                <a:schemeClr val="accent1"/>
-              </a:fillRef>
-              <a:effectRef idx="0">
-                <a:schemeClr val="accent1"/>
-              </a:effectRef>
-              <a:fontRef idx="minor">
-                <a:schemeClr val="lt1"/>
-              </a:fontRef>
-            </p:style>
             <p:txBody>
-              <a:bodyPr rtlCol="0" anchor="ctr"/>
+              <a:bodyPr wrap="square" rtlCol="0">
+                <a:spAutoFit/>
+              </a:bodyPr>
               <a:lstStyle/>
               <a:p>
-                <a:pPr algn="ctr"/>
+                <a:endParaRPr lang="es-MX" dirty="0"/>
+              </a:p>
+              <a:p>
                 <a:r>
-                  <a:rPr lang="es-MX" dirty="0">
-                    <a:solidFill>
-                      <a:schemeClr val="tx1"/>
-                    </a:solidFill>
-                  </a:rPr>
-                  <a:t>Cáculo de potencia aparente:</a:t>
+                  <a:rPr lang="es-MX" dirty="0"/>
+                  <a:t>En el caso del sensor de corriente, se realiza lo siguiente (continuación):</a:t>
                 </a:r>
               </a:p>
               <a:p>
-                <a:pPr algn="ctr"/>
+                <a:endParaRPr lang="es-MX" dirty="0"/>
+              </a:p>
+              <a:p>
+                <a:pPr marL="342900" indent="-342900">
+                  <a:buFont typeface="+mj-lt"/>
+                  <a:buAutoNum type="arabicPeriod" startAt="3"/>
+                </a:pPr>
                 <a:r>
-                  <a:rPr lang="es-MX" dirty="0">
-                    <a:solidFill>
-                      <a:schemeClr val="tx1"/>
-                    </a:solidFill>
-                  </a:rPr>
-                  <a:t>Calcular amplitud pico-pico de corriente y voltaje</a:t>
+                  <a:rPr lang="es-MX" dirty="0"/>
+                  <a:t>SE DEBE MONTAR LA SEÑAL MEDIDA SOBRE UNA COMPONENTE DE OFFSET IGUAL A VCC/2. Esto se realiza para que la señal pueda ser leída en un rango de 0-5V para un voltaje de alimentación </a:t>
+                </a:r>
+                <a:r>
+                  <a:rPr lang="es-MX" dirty="0" err="1"/>
+                  <a:t>Vcc</a:t>
+                </a:r>
+                <a:r>
+                  <a:rPr lang="es-MX" dirty="0"/>
+                  <a:t>=5V. </a:t>
                 </a:r>
               </a:p>
               <a:p>
-                <a:pPr algn="ctr"/>
+                <a:pPr marL="342900" indent="-342900">
+                  <a:buFont typeface="+mj-lt"/>
+                  <a:buAutoNum type="arabicPeriod" startAt="3"/>
+                </a:pPr>
+                <a:endParaRPr lang="es-MX" dirty="0"/>
+              </a:p>
+              <a:p>
+                <a:pPr marL="800100" lvl="1" indent="-342900">
+                  <a:buFont typeface="+mj-lt"/>
+                  <a:buAutoNum type="alphaLcParenR"/>
+                </a:pPr>
                 <a:r>
-                  <a:rPr lang="es-MX" dirty="0">
-                    <a:solidFill>
-                      <a:schemeClr val="tx1"/>
-                    </a:solidFill>
-                  </a:rPr>
-                  <a:t>Calcular valor </a:t>
+                  <a:rPr lang="es-MX" dirty="0"/>
+                  <a:t>Esta parte se puede realizar con un divisor de voltaje hecho con resistencias del mismo valor. En el diagrama esquemático son las resistencias R6 y R7, con valor de </a:t>
                 </a:r>
+                <a14:m>
+                  <m:oMath xmlns:m="http://schemas.openxmlformats.org/officeDocument/2006/math">
+                    <m:r>
+                      <a:rPr lang="es-MX" b="0" i="0" smtClean="0">
+                        <a:latin typeface="Cambria Math" panose="02040503050406030204" pitchFamily="18" charset="0"/>
+                        <a:ea typeface="Cambria Math" panose="02040503050406030204" pitchFamily="18" charset="0"/>
+                      </a:rPr>
+                      <m:t>10</m:t>
+                    </m:r>
+                    <m:r>
+                      <m:rPr>
+                        <m:sty m:val="p"/>
+                      </m:rPr>
+                      <a:rPr lang="es-MX" b="0" i="0" smtClean="0">
+                        <a:latin typeface="Cambria Math" panose="02040503050406030204" pitchFamily="18" charset="0"/>
+                        <a:ea typeface="Cambria Math" panose="02040503050406030204" pitchFamily="18" charset="0"/>
+                      </a:rPr>
+                      <m:t>K</m:t>
+                    </m:r>
+                    <m:r>
+                      <m:rPr>
+                        <m:sty m:val="p"/>
+                      </m:rPr>
+                      <a:rPr lang="el-GR" b="0" i="1" smtClean="0">
+                        <a:latin typeface="Cambria Math" panose="02040503050406030204" pitchFamily="18" charset="0"/>
+                        <a:ea typeface="Cambria Math" panose="02040503050406030204" pitchFamily="18" charset="0"/>
+                      </a:rPr>
+                      <m:t>Ω</m:t>
+                    </m:r>
+                  </m:oMath>
+                </a14:m>
                 <a:r>
-                  <a:rPr lang="es-MX" dirty="0" err="1">
-                    <a:solidFill>
-                      <a:schemeClr val="tx1"/>
-                    </a:solidFill>
-                  </a:rPr>
-                  <a:t>rms</a:t>
-                </a:r>
-                <a:r>
-                  <a:rPr lang="es-MX" dirty="0">
-                    <a:solidFill>
-                      <a:schemeClr val="tx1"/>
-                    </a:solidFill>
-                  </a:rPr>
-                  <a:t> a partir de la amplitud pico-pico</a:t>
+                  <a:rPr lang="es-MX" dirty="0"/>
+                  <a:t>. </a:t>
                 </a:r>
               </a:p>
               <a:p>
-                <a:pPr algn="ctr"/>
+                <a:pPr marL="800100" lvl="1" indent="-342900">
+                  <a:buFont typeface="+mj-lt"/>
+                  <a:buAutoNum type="alphaLcParenR"/>
+                </a:pPr>
+                <a:endParaRPr lang="es-MX" dirty="0"/>
+              </a:p>
+              <a:p>
+                <a:pPr marL="342900" indent="-342900">
+                  <a:buFont typeface="+mj-lt"/>
+                  <a:buAutoNum type="arabicPeriod" startAt="3"/>
+                </a:pPr>
                 <a:r>
-                  <a:rPr lang="es-MX" dirty="0">
-                    <a:solidFill>
-                      <a:schemeClr val="tx1"/>
-                    </a:solidFill>
-                  </a:rPr>
-                  <a:t>Calcular la potencia aparente</a:t>
+                  <a:rPr lang="es-MX" dirty="0"/>
+                  <a:t>Para obtener la medición real de cada muestra de corriente se realiza: </a:t>
+                </a:r>
+                <a14:m>
+                  <m:oMath xmlns:m="http://schemas.openxmlformats.org/officeDocument/2006/math">
+                    <m:sSub>
+                      <m:sSubPr>
+                        <m:ctrlPr>
+                          <a:rPr lang="es-MX" b="0" i="1" smtClean="0">
+                            <a:latin typeface="Cambria Math" panose="02040503050406030204" pitchFamily="18" charset="0"/>
+                          </a:rPr>
+                        </m:ctrlPr>
+                      </m:sSubPr>
+                      <m:e>
+                        <m:r>
+                          <a:rPr lang="es-MX" b="0" i="1" smtClean="0">
+                            <a:latin typeface="Cambria Math" panose="02040503050406030204" pitchFamily="18" charset="0"/>
+                          </a:rPr>
+                          <m:t>𝐼</m:t>
+                        </m:r>
+                      </m:e>
+                      <m:sub>
+                        <m:r>
+                          <a:rPr lang="es-MX" b="0" i="1" smtClean="0">
+                            <a:latin typeface="Cambria Math" panose="02040503050406030204" pitchFamily="18" charset="0"/>
+                          </a:rPr>
+                          <m:t>𝑟𝑒𝑎𝑙</m:t>
+                        </m:r>
+                      </m:sub>
+                    </m:sSub>
+                    <m:r>
+                      <a:rPr lang="es-MX" b="0" i="1" smtClean="0">
+                        <a:latin typeface="Cambria Math" panose="02040503050406030204" pitchFamily="18" charset="0"/>
+                      </a:rPr>
+                      <m:t>=</m:t>
+                    </m:r>
+                    <m:d>
+                      <m:dPr>
+                        <m:ctrlPr>
+                          <a:rPr lang="es-MX" b="0" i="1" smtClean="0">
+                            <a:latin typeface="Cambria Math" panose="02040503050406030204" pitchFamily="18" charset="0"/>
+                          </a:rPr>
+                        </m:ctrlPr>
+                      </m:dPr>
+                      <m:e>
+                        <m:sSub>
+                          <m:sSubPr>
+                            <m:ctrlPr>
+                              <a:rPr lang="es-MX" b="0" i="1" smtClean="0">
+                                <a:latin typeface="Cambria Math" panose="02040503050406030204" pitchFamily="18" charset="0"/>
+                              </a:rPr>
+                            </m:ctrlPr>
+                          </m:sSubPr>
+                          <m:e>
+                            <m:r>
+                              <a:rPr lang="es-MX" b="0" i="1" smtClean="0">
+                                <a:latin typeface="Cambria Math" panose="02040503050406030204" pitchFamily="18" charset="0"/>
+                              </a:rPr>
+                              <m:t>𝑉</m:t>
+                            </m:r>
+                          </m:e>
+                          <m:sub>
+                            <m:r>
+                              <a:rPr lang="es-MX" b="0" i="1" smtClean="0">
+                                <a:latin typeface="Cambria Math" panose="02040503050406030204" pitchFamily="18" charset="0"/>
+                              </a:rPr>
+                              <m:t>𝑙𝑒𝑖𝑑𝑜</m:t>
+                            </m:r>
+                          </m:sub>
+                        </m:sSub>
+                        <m:r>
+                          <a:rPr lang="es-MX" b="0" i="1" smtClean="0">
+                            <a:latin typeface="Cambria Math" panose="02040503050406030204" pitchFamily="18" charset="0"/>
+                          </a:rPr>
+                          <m:t>−</m:t>
+                        </m:r>
+                        <m:sSub>
+                          <m:sSubPr>
+                            <m:ctrlPr>
+                              <a:rPr lang="es-MX" b="0" i="1" smtClean="0">
+                                <a:latin typeface="Cambria Math" panose="02040503050406030204" pitchFamily="18" charset="0"/>
+                              </a:rPr>
+                            </m:ctrlPr>
+                          </m:sSubPr>
+                          <m:e>
+                            <m:r>
+                              <a:rPr lang="es-MX" b="0" i="1" smtClean="0">
+                                <a:latin typeface="Cambria Math" panose="02040503050406030204" pitchFamily="18" charset="0"/>
+                              </a:rPr>
+                              <m:t>𝑉</m:t>
+                            </m:r>
+                          </m:e>
+                          <m:sub>
+                            <m:r>
+                              <a:rPr lang="es-MX" b="0" i="1" smtClean="0">
+                                <a:latin typeface="Cambria Math" panose="02040503050406030204" pitchFamily="18" charset="0"/>
+                              </a:rPr>
+                              <m:t>𝑜𝑓𝑓𝑠𝑒𝑡</m:t>
+                            </m:r>
+                          </m:sub>
+                        </m:sSub>
+                      </m:e>
+                    </m:d>
+                    <m:r>
+                      <a:rPr lang="es-MX" b="0" i="1" smtClean="0">
+                        <a:latin typeface="Cambria Math" panose="02040503050406030204" pitchFamily="18" charset="0"/>
+                      </a:rPr>
+                      <m:t>∗</m:t>
+                    </m:r>
+                    <m:f>
+                      <m:fPr>
+                        <m:ctrlPr>
+                          <a:rPr lang="es-MX" b="0" i="1" smtClean="0">
+                            <a:latin typeface="Cambria Math" panose="02040503050406030204" pitchFamily="18" charset="0"/>
+                          </a:rPr>
+                        </m:ctrlPr>
+                      </m:fPr>
+                      <m:num>
+                        <m:r>
+                          <a:rPr lang="es-MX" b="0" i="1" smtClean="0">
+                            <a:latin typeface="Cambria Math" panose="02040503050406030204" pitchFamily="18" charset="0"/>
+                          </a:rPr>
+                          <m:t>2</m:t>
+                        </m:r>
+                        <m:r>
+                          <a:rPr lang="es-MX" b="0" i="1" smtClean="0">
+                            <a:latin typeface="Cambria Math" panose="02040503050406030204" pitchFamily="18" charset="0"/>
+                          </a:rPr>
+                          <m:t>000</m:t>
+                        </m:r>
+                      </m:num>
+                      <m:den>
+                        <m:r>
+                          <a:rPr lang="es-MX" b="0" i="1" smtClean="0">
+                            <a:latin typeface="Cambria Math" panose="02040503050406030204" pitchFamily="18" charset="0"/>
+                          </a:rPr>
+                          <m:t>𝑅</m:t>
+                        </m:r>
+                      </m:den>
+                    </m:f>
+                  </m:oMath>
+                </a14:m>
+                <a:endParaRPr lang="es-MX" b="0" dirty="0"/>
+              </a:p>
+              <a:p>
+                <a:pPr marL="342900" indent="-342900">
+                  <a:buFont typeface="+mj-lt"/>
+                  <a:buAutoNum type="arabicPeriod" startAt="3"/>
+                </a:pPr>
+                <a:endParaRPr lang="es-MX" dirty="0"/>
+              </a:p>
+              <a:p>
+                <a:pPr marL="800100" lvl="1" indent="-342900">
+                  <a:buFont typeface="+mj-lt"/>
+                  <a:buAutoNum type="alphaLcParenR"/>
+                </a:pPr>
+                <a:r>
+                  <a:rPr lang="es-MX" dirty="0"/>
+                  <a:t>Para obtener el voltaje de offset, se utiliza el valor calculado para el sensor de voltaje. Esto es porque la señal de voltaje es senoidal y estable, y ambas señales de voltaje y corriente están montadas sobre una  componente de offset igual a </a:t>
+                </a:r>
+                <a:r>
+                  <a:rPr lang="es-MX" dirty="0" err="1"/>
+                  <a:t>Vcc</a:t>
+                </a:r>
+                <a:r>
+                  <a:rPr lang="es-MX" dirty="0"/>
+                  <a:t>/2. </a:t>
                 </a:r>
               </a:p>
               <a:p>
-                <a:pPr algn="ctr"/>
-                <a14:m>
-                  <m:oMathPara xmlns:m="http://schemas.openxmlformats.org/officeDocument/2006/math">
-                    <m:oMathParaPr>
-                      <m:jc m:val="centerGroup"/>
-                    </m:oMathParaPr>
-                    <m:oMath xmlns:m="http://schemas.openxmlformats.org/officeDocument/2006/math">
-                      <m:r>
-                        <a:rPr lang="es-MX" b="0" i="1" smtClean="0">
-                          <a:solidFill>
-                            <a:schemeClr val="tx1"/>
-                          </a:solidFill>
-                          <a:latin typeface="Cambria Math" panose="02040503050406030204" pitchFamily="18" charset="0"/>
-                        </a:rPr>
-                        <m:t>𝑆</m:t>
-                      </m:r>
-                      <m:r>
-                        <a:rPr lang="es-MX" b="0" i="1" smtClean="0">
-                          <a:solidFill>
-                            <a:schemeClr val="tx1"/>
-                          </a:solidFill>
-                          <a:latin typeface="Cambria Math" panose="02040503050406030204" pitchFamily="18" charset="0"/>
-                        </a:rPr>
-                        <m:t>=</m:t>
-                      </m:r>
-                      <m:sSub>
-                        <m:sSubPr>
-                          <m:ctrlPr>
-                            <a:rPr lang="es-MX" b="0" i="1" smtClean="0">
-                              <a:solidFill>
-                                <a:schemeClr val="tx1"/>
-                              </a:solidFill>
-                              <a:latin typeface="Cambria Math" panose="02040503050406030204" pitchFamily="18" charset="0"/>
-                            </a:rPr>
-                          </m:ctrlPr>
-                        </m:sSubPr>
-                        <m:e>
-                          <m:r>
-                            <a:rPr lang="es-MX" b="0" i="1" smtClean="0">
-                              <a:solidFill>
-                                <a:schemeClr val="tx1"/>
-                              </a:solidFill>
-                              <a:latin typeface="Cambria Math" panose="02040503050406030204" pitchFamily="18" charset="0"/>
-                            </a:rPr>
-                            <m:t>𝑉</m:t>
-                          </m:r>
-                        </m:e>
-                        <m:sub>
-                          <m:r>
-                            <a:rPr lang="es-MX" b="0" i="1" smtClean="0">
-                              <a:solidFill>
-                                <a:schemeClr val="tx1"/>
-                              </a:solidFill>
-                              <a:latin typeface="Cambria Math" panose="02040503050406030204" pitchFamily="18" charset="0"/>
-                            </a:rPr>
-                            <m:t>𝑟𝑚𝑠</m:t>
-                          </m:r>
-                        </m:sub>
-                      </m:sSub>
-                      <m:r>
-                        <a:rPr lang="es-MX" b="0" i="1" smtClean="0">
-                          <a:solidFill>
-                            <a:schemeClr val="tx1"/>
-                          </a:solidFill>
-                          <a:latin typeface="Cambria Math" panose="02040503050406030204" pitchFamily="18" charset="0"/>
-                          <a:ea typeface="Cambria Math" panose="02040503050406030204" pitchFamily="18" charset="0"/>
-                        </a:rPr>
-                        <m:t>×</m:t>
-                      </m:r>
-                      <m:sSub>
-                        <m:sSubPr>
-                          <m:ctrlPr>
-                            <a:rPr lang="es-MX" i="1">
-                              <a:solidFill>
-                                <a:schemeClr val="tx1"/>
-                              </a:solidFill>
-                              <a:latin typeface="Cambria Math" panose="02040503050406030204" pitchFamily="18" charset="0"/>
-                            </a:rPr>
-                          </m:ctrlPr>
-                        </m:sSubPr>
-                        <m:e>
-                          <m:r>
-                            <a:rPr lang="es-MX" b="0" i="1" smtClean="0">
-                              <a:solidFill>
-                                <a:schemeClr val="tx1"/>
-                              </a:solidFill>
-                              <a:latin typeface="Cambria Math" panose="02040503050406030204" pitchFamily="18" charset="0"/>
-                            </a:rPr>
-                            <m:t>𝐼</m:t>
-                          </m:r>
-                        </m:e>
-                        <m:sub>
-                          <m:r>
-                            <a:rPr lang="es-MX" i="1">
-                              <a:solidFill>
-                                <a:schemeClr val="tx1"/>
-                              </a:solidFill>
-                              <a:latin typeface="Cambria Math" panose="02040503050406030204" pitchFamily="18" charset="0"/>
-                            </a:rPr>
-                            <m:t>𝑟𝑚𝑠</m:t>
-                          </m:r>
-                        </m:sub>
-                      </m:sSub>
-                    </m:oMath>
-                  </m:oMathPara>
-                </a14:m>
-                <a:endParaRPr lang="es-MX" dirty="0">
-                  <a:solidFill>
-                    <a:schemeClr val="tx1"/>
-                  </a:solidFill>
-                </a:endParaRPr>
+                <a:pPr marL="800100" lvl="1" indent="-342900">
+                  <a:buFont typeface="+mj-lt"/>
+                  <a:buAutoNum type="alphaLcParenR"/>
+                </a:pPr>
+                <a:endParaRPr lang="es-MX" dirty="0"/>
               </a:p>
             </p:txBody>
           </p:sp>
         </mc:Choice>
-        <mc:Fallback xmlns="">
+        <mc:Fallback>
           <p:sp>
             <p:nvSpPr>
-              <p:cNvPr id="28" name="Rectángulo 27">
+              <p:cNvPr id="5" name="CuadroTexto 4">
                 <a:extLst>
                   <a:ext uri="{FF2B5EF4-FFF2-40B4-BE49-F238E27FC236}">
-                    <a16:creationId xmlns:a16="http://schemas.microsoft.com/office/drawing/2014/main" id="{A5F155A5-3599-4A72-A396-9752E7C941C7}"/>
+                    <a16:creationId xmlns:a16="http://schemas.microsoft.com/office/drawing/2014/main" id="{F864B2CF-2DB2-4B99-B507-0E6131D84FEA}"/>
                   </a:ext>
                 </a:extLst>
               </p:cNvPr>
-              <p:cNvSpPr>
+              <p:cNvSpPr txBox="1">
                 <a:spLocks noRot="1" noChangeAspect="1" noMove="1" noResize="1" noEditPoints="1" noAdjustHandles="1" noChangeArrowheads="1" noChangeShapeType="1" noTextEdit="1"/>
               </p:cNvSpPr>
               <p:nvPr/>
             </p:nvSpPr>
             <p:spPr>
               <a:xfrm>
-                <a:off x="6752045" y="3454796"/>
-                <a:ext cx="2968375" cy="2075143"/>
+                <a:off x="388076" y="809140"/>
+                <a:ext cx="10743750" cy="4362028"/>
               </a:xfrm>
               <a:prstGeom prst="rect">
                 <a:avLst/>
               </a:prstGeom>
               <a:blipFill>
-                <a:blip r:embed="rId4"/>
+                <a:blip r:embed="rId2"/>
                 <a:stretch>
-                  <a:fillRect l="-406" r="-811"/>
+                  <a:fillRect l="-511"/>
                 </a:stretch>
               </a:blipFill>
-              <a:ln w="38100">
-                <a:solidFill>
-                  <a:schemeClr val="tx1"/>
-                </a:solidFill>
-              </a:ln>
             </p:spPr>
             <p:txBody>
               <a:bodyPr/>
@@ -6644,12 +6816,1004 @@
           </p:sp>
         </mc:Fallback>
       </mc:AlternateContent>
+    </p:spTree>
+    <p:extLst>
+      <p:ext uri="{BB962C8B-B14F-4D97-AF65-F5344CB8AC3E}">
+        <p14:creationId xmlns:p14="http://schemas.microsoft.com/office/powerpoint/2010/main" val="3436018063"/>
+      </p:ext>
+    </p:extLst>
+  </p:cSld>
+  <p:clrMapOvr>
+    <a:masterClrMapping/>
+  </p:clrMapOvr>
+</p:sld>
+</file>
+
+<file path=ppt/slides/slide14.xml><?xml version="1.0" encoding="utf-8"?>
+<p:sld xmlns:a="http://schemas.openxmlformats.org/drawingml/2006/main" xmlns:r="http://schemas.openxmlformats.org/officeDocument/2006/relationships" xmlns:p="http://schemas.openxmlformats.org/presentationml/2006/main">
+  <p:cSld>
+    <p:spTree>
+      <p:nvGrpSpPr>
+        <p:cNvPr id="1" name=""/>
+        <p:cNvGrpSpPr/>
+        <p:nvPr/>
+      </p:nvGrpSpPr>
+      <p:grpSpPr>
+        <a:xfrm>
+          <a:off x="0" y="0"/>
+          <a:ext cx="0" cy="0"/>
+          <a:chOff x="0" y="0"/>
+          <a:chExt cx="0" cy="0"/>
+        </a:xfrm>
+      </p:grpSpPr>
+      <p:sp>
+        <p:nvSpPr>
+          <p:cNvPr id="2" name="CuadroTexto 1">
+            <a:extLst>
+              <a:ext uri="{FF2B5EF4-FFF2-40B4-BE49-F238E27FC236}">
+                <a16:creationId xmlns:a16="http://schemas.microsoft.com/office/drawing/2014/main" id="{3C090F02-2CD0-4F4A-86C8-8E7C7F5C76FD}"/>
+              </a:ext>
+            </a:extLst>
+          </p:cNvPr>
+          <p:cNvSpPr txBox="1"/>
+          <p:nvPr/>
+        </p:nvSpPr>
+        <p:spPr>
+          <a:xfrm>
+            <a:off x="1342571" y="285920"/>
+            <a:ext cx="9506857" cy="523220"/>
+          </a:xfrm>
+          <a:prstGeom prst="rect">
+            <a:avLst/>
+          </a:prstGeom>
+          <a:noFill/>
+        </p:spPr>
+        <p:txBody>
+          <a:bodyPr wrap="square" rtlCol="0">
+            <a:spAutoFit/>
+          </a:bodyPr>
+          <a:lstStyle/>
+          <a:p>
+            <a:pPr algn="ctr"/>
+            <a:r>
+              <a:rPr lang="es-MX" sz="2800" dirty="0">
+                <a:solidFill>
+                  <a:schemeClr val="tx1"/>
+                </a:solidFill>
+              </a:rPr>
+              <a:t>Explicación general del programa (Algoritmo)</a:t>
+            </a:r>
+          </a:p>
+        </p:txBody>
+      </p:sp>
+      <p:sp>
+        <p:nvSpPr>
+          <p:cNvPr id="3" name="CuadroTexto 2">
+            <a:extLst>
+              <a:ext uri="{FF2B5EF4-FFF2-40B4-BE49-F238E27FC236}">
+                <a16:creationId xmlns:a16="http://schemas.microsoft.com/office/drawing/2014/main" id="{C5379E22-82F5-4ABC-9027-8004F600A841}"/>
+              </a:ext>
+            </a:extLst>
+          </p:cNvPr>
+          <p:cNvSpPr txBox="1"/>
+          <p:nvPr/>
+        </p:nvSpPr>
+        <p:spPr>
+          <a:xfrm>
+            <a:off x="388076" y="809140"/>
+            <a:ext cx="10743750" cy="4247317"/>
+          </a:xfrm>
+          <a:prstGeom prst="rect">
+            <a:avLst/>
+          </a:prstGeom>
+          <a:noFill/>
+        </p:spPr>
+        <p:txBody>
+          <a:bodyPr wrap="square" rtlCol="0">
+            <a:spAutoFit/>
+          </a:bodyPr>
+          <a:lstStyle/>
+          <a:p>
+            <a:pPr marL="342900" indent="-342900">
+              <a:buFont typeface="+mj-lt"/>
+              <a:buAutoNum type="arabicPeriod"/>
+            </a:pPr>
+            <a:endParaRPr lang="es-MX" dirty="0"/>
+          </a:p>
+          <a:p>
+            <a:pPr marL="342900" indent="-342900">
+              <a:buFont typeface="+mj-lt"/>
+              <a:buAutoNum type="arabicPeriod"/>
+            </a:pPr>
+            <a:r>
+              <a:rPr lang="es-MX" dirty="0"/>
+              <a:t>Se inicializa el ADS1115, Wifi, MQTT y variables</a:t>
+            </a:r>
+          </a:p>
+          <a:p>
+            <a:pPr marL="342900" indent="-342900">
+              <a:buFont typeface="+mj-lt"/>
+              <a:buAutoNum type="arabicPeriod"/>
+            </a:pPr>
+            <a:endParaRPr lang="es-MX" dirty="0"/>
+          </a:p>
+          <a:p>
+            <a:pPr marL="342900" indent="-342900">
+              <a:buFont typeface="+mj-lt"/>
+              <a:buAutoNum type="arabicPeriod"/>
+            </a:pPr>
+            <a:r>
+              <a:rPr lang="es-MX" dirty="0"/>
+              <a:t>Se realiza la medición de potencia. Por cada medición de potencia:</a:t>
+            </a:r>
+          </a:p>
+          <a:p>
+            <a:endParaRPr lang="es-MX" dirty="0"/>
+          </a:p>
+          <a:p>
+            <a:pPr marL="800100" lvl="1" indent="-342900">
+              <a:buFont typeface="+mj-lt"/>
+              <a:buAutoNum type="alphaLcParenR"/>
+            </a:pPr>
+            <a:r>
+              <a:rPr lang="es-MX" dirty="0"/>
+              <a:t>Se mide de 1 canal del ADC 19 muestras por 4 ciclos (~76 muestras en 4/60 de segundo). Se mide el canal de corriente o el canal de voltaje. Por cada medición de canal se realiza:</a:t>
+            </a:r>
+          </a:p>
+          <a:p>
+            <a:pPr marL="1314450" lvl="2" indent="-400050">
+              <a:buFont typeface="+mj-lt"/>
+              <a:buAutoNum type="romanLcPeriod"/>
+            </a:pPr>
+            <a:r>
+              <a:rPr lang="es-MX" dirty="0"/>
+              <a:t>Se lee una muestra de un canal del ADS1115. Esto se realiza cada 870 </a:t>
+            </a:r>
+            <a:r>
+              <a:rPr lang="es-MX" dirty="0" err="1"/>
+              <a:t>us</a:t>
+            </a:r>
+            <a:r>
+              <a:rPr lang="es-MX" dirty="0"/>
+              <a:t>. </a:t>
+            </a:r>
+          </a:p>
+          <a:p>
+            <a:pPr marL="1771650" lvl="3" indent="-400050">
+              <a:buFont typeface="+mj-lt"/>
+              <a:buAutoNum type="romanLcPeriod"/>
+            </a:pPr>
+            <a:r>
+              <a:rPr lang="es-MX" dirty="0"/>
+              <a:t>El valor leído está entre 0 y 65535. Se convierte a voltaje de acuerdo al voltaje por paso en el que está configurado el ADS1115. </a:t>
+            </a:r>
+          </a:p>
+          <a:p>
+            <a:pPr marL="800100" lvl="1" indent="-342900">
+              <a:buFont typeface="+mj-lt"/>
+              <a:buAutoNum type="alphaLcParenR"/>
+            </a:pPr>
+            <a:r>
+              <a:rPr lang="es-MX" dirty="0"/>
+              <a:t>Con las 76 muestras leídas, se realiza el cálculo de potencia. Se calcula cada 4/60 de segundo. </a:t>
+            </a:r>
+          </a:p>
+          <a:p>
+            <a:pPr marL="800100" lvl="1" indent="-342900">
+              <a:buFont typeface="+mj-lt"/>
+              <a:buAutoNum type="alphaLcParenR"/>
+            </a:pPr>
+            <a:endParaRPr lang="es-MX" dirty="0"/>
+          </a:p>
+          <a:p>
+            <a:pPr marL="342900" indent="-342900">
+              <a:buFont typeface="+mj-lt"/>
+              <a:buAutoNum type="arabicPeriod" startAt="3"/>
+            </a:pPr>
+            <a:r>
+              <a:rPr lang="es-MX" dirty="0"/>
+              <a:t>Cada x segundos se realiza el promedio de 14-15 por x segundos cálculos de potencia. </a:t>
+            </a:r>
+          </a:p>
+          <a:p>
+            <a:pPr marL="342900" indent="-342900">
+              <a:buFont typeface="+mj-lt"/>
+              <a:buAutoNum type="arabicPeriod" startAt="3"/>
+            </a:pPr>
+            <a:endParaRPr lang="es-MX" dirty="0"/>
+          </a:p>
+          <a:p>
+            <a:pPr marL="342900" indent="-342900">
+              <a:buFont typeface="+mj-lt"/>
+              <a:buAutoNum type="arabicPeriod" startAt="3"/>
+            </a:pPr>
+            <a:r>
+              <a:rPr lang="es-MX" dirty="0"/>
+              <a:t>Se envía el promedio de los cálculos de potencia por protocolo MQTT. </a:t>
+            </a:r>
+          </a:p>
+        </p:txBody>
+      </p:sp>
+    </p:spTree>
+    <p:extLst>
+      <p:ext uri="{BB962C8B-B14F-4D97-AF65-F5344CB8AC3E}">
+        <p14:creationId xmlns:p14="http://schemas.microsoft.com/office/powerpoint/2010/main" val="303557957"/>
+      </p:ext>
+    </p:extLst>
+  </p:cSld>
+  <p:clrMapOvr>
+    <a:masterClrMapping/>
+  </p:clrMapOvr>
+</p:sld>
+</file>
+
+<file path=ppt/slides/slide15.xml><?xml version="1.0" encoding="utf-8"?>
+<p:sld xmlns:a="http://schemas.openxmlformats.org/drawingml/2006/main" xmlns:r="http://schemas.openxmlformats.org/officeDocument/2006/relationships" xmlns:p="http://schemas.openxmlformats.org/presentationml/2006/main">
+  <p:cSld>
+    <p:spTree>
+      <p:nvGrpSpPr>
+        <p:cNvPr id="1" name=""/>
+        <p:cNvGrpSpPr/>
+        <p:nvPr/>
+      </p:nvGrpSpPr>
+      <p:grpSpPr>
+        <a:xfrm>
+          <a:off x="0" y="0"/>
+          <a:ext cx="0" cy="0"/>
+          <a:chOff x="0" y="0"/>
+          <a:chExt cx="0" cy="0"/>
+        </a:xfrm>
+      </p:grpSpPr>
+      <p:sp>
+        <p:nvSpPr>
+          <p:cNvPr id="2" name="CuadroTexto 1">
+            <a:extLst>
+              <a:ext uri="{FF2B5EF4-FFF2-40B4-BE49-F238E27FC236}">
+                <a16:creationId xmlns:a16="http://schemas.microsoft.com/office/drawing/2014/main" id="{4D29E605-3D42-4542-B44B-EA201B0A1F95}"/>
+              </a:ext>
+            </a:extLst>
+          </p:cNvPr>
+          <p:cNvSpPr txBox="1"/>
+          <p:nvPr/>
+        </p:nvSpPr>
+        <p:spPr>
+          <a:xfrm>
+            <a:off x="1342571" y="285920"/>
+            <a:ext cx="9506857" cy="523220"/>
+          </a:xfrm>
+          <a:prstGeom prst="rect">
+            <a:avLst/>
+          </a:prstGeom>
+          <a:noFill/>
+        </p:spPr>
+        <p:txBody>
+          <a:bodyPr wrap="square" rtlCol="0">
+            <a:spAutoFit/>
+          </a:bodyPr>
+          <a:lstStyle/>
+          <a:p>
+            <a:pPr algn="ctr"/>
+            <a:r>
+              <a:rPr lang="es-MX" sz="2800" dirty="0">
+                <a:solidFill>
+                  <a:schemeClr val="tx1"/>
+                </a:solidFill>
+              </a:rPr>
+              <a:t>Diagrama a bloques del programa del ESP01</a:t>
+            </a:r>
+          </a:p>
+        </p:txBody>
+      </p:sp>
+      <p:sp>
+        <p:nvSpPr>
+          <p:cNvPr id="3" name="Rectángulo 2">
+            <a:extLst>
+              <a:ext uri="{FF2B5EF4-FFF2-40B4-BE49-F238E27FC236}">
+                <a16:creationId xmlns:a16="http://schemas.microsoft.com/office/drawing/2014/main" id="{F918FE41-416A-475C-B7DD-993C2F653FFE}"/>
+              </a:ext>
+            </a:extLst>
+          </p:cNvPr>
+          <p:cNvSpPr/>
+          <p:nvPr/>
+        </p:nvSpPr>
+        <p:spPr>
+          <a:xfrm>
+            <a:off x="613079" y="1605582"/>
+            <a:ext cx="2413931" cy="432000"/>
+          </a:xfrm>
+          <a:prstGeom prst="rect">
+            <a:avLst/>
+          </a:prstGeom>
+          <a:noFill/>
+          <a:ln w="38100">
+            <a:solidFill>
+              <a:schemeClr val="tx1"/>
+            </a:solidFill>
+          </a:ln>
+        </p:spPr>
+        <p:style>
+          <a:lnRef idx="2">
+            <a:schemeClr val="accent1">
+              <a:shade val="50000"/>
+            </a:schemeClr>
+          </a:lnRef>
+          <a:fillRef idx="1">
+            <a:schemeClr val="accent1"/>
+          </a:fillRef>
+          <a:effectRef idx="0">
+            <a:schemeClr val="accent1"/>
+          </a:effectRef>
+          <a:fontRef idx="minor">
+            <a:schemeClr val="lt1"/>
+          </a:fontRef>
+        </p:style>
+        <p:txBody>
+          <a:bodyPr rtlCol="0" anchor="ctr"/>
+          <a:lstStyle/>
+          <a:p>
+            <a:pPr algn="ctr"/>
+            <a:r>
+              <a:rPr lang="es-MX" dirty="0" err="1">
+                <a:solidFill>
+                  <a:schemeClr val="tx1"/>
+                </a:solidFill>
+              </a:rPr>
+              <a:t>setup</a:t>
+            </a:r>
+            <a:endParaRPr lang="es-MX" dirty="0">
+              <a:solidFill>
+                <a:schemeClr val="tx1"/>
+              </a:solidFill>
+            </a:endParaRPr>
+          </a:p>
+        </p:txBody>
+      </p:sp>
+      <p:sp>
+        <p:nvSpPr>
+          <p:cNvPr id="4" name="Rectángulo 3">
+            <a:extLst>
+              <a:ext uri="{FF2B5EF4-FFF2-40B4-BE49-F238E27FC236}">
+                <a16:creationId xmlns:a16="http://schemas.microsoft.com/office/drawing/2014/main" id="{DDCB2C16-9993-45CB-A242-7EBDD9E86155}"/>
+              </a:ext>
+            </a:extLst>
+          </p:cNvPr>
+          <p:cNvSpPr/>
+          <p:nvPr/>
+        </p:nvSpPr>
+        <p:spPr>
+          <a:xfrm>
+            <a:off x="613079" y="3511424"/>
+            <a:ext cx="2413931" cy="432000"/>
+          </a:xfrm>
+          <a:prstGeom prst="rect">
+            <a:avLst/>
+          </a:prstGeom>
+          <a:noFill/>
+          <a:ln w="38100">
+            <a:solidFill>
+              <a:schemeClr val="tx1"/>
+            </a:solidFill>
+          </a:ln>
+        </p:spPr>
+        <p:style>
+          <a:lnRef idx="2">
+            <a:schemeClr val="accent1">
+              <a:shade val="50000"/>
+            </a:schemeClr>
+          </a:lnRef>
+          <a:fillRef idx="1">
+            <a:schemeClr val="accent1"/>
+          </a:fillRef>
+          <a:effectRef idx="0">
+            <a:schemeClr val="accent1"/>
+          </a:effectRef>
+          <a:fontRef idx="minor">
+            <a:schemeClr val="lt1"/>
+          </a:fontRef>
+        </p:style>
+        <p:txBody>
+          <a:bodyPr rtlCol="0" anchor="ctr"/>
+          <a:lstStyle/>
+          <a:p>
+            <a:pPr algn="ctr"/>
+            <a:r>
+              <a:rPr lang="es-MX" dirty="0" err="1">
+                <a:solidFill>
+                  <a:schemeClr val="tx1"/>
+                </a:solidFill>
+              </a:rPr>
+              <a:t>loop</a:t>
+            </a:r>
+            <a:endParaRPr lang="es-MX" dirty="0">
+              <a:solidFill>
+                <a:schemeClr val="tx1"/>
+              </a:solidFill>
+            </a:endParaRPr>
+          </a:p>
+        </p:txBody>
+      </p:sp>
+      <p:sp>
+        <p:nvSpPr>
+          <p:cNvPr id="5" name="Rectángulo 4">
+            <a:extLst>
+              <a:ext uri="{FF2B5EF4-FFF2-40B4-BE49-F238E27FC236}">
+                <a16:creationId xmlns:a16="http://schemas.microsoft.com/office/drawing/2014/main" id="{9629EE42-CFBC-4C9A-9BC2-5E1B080F835B}"/>
+              </a:ext>
+            </a:extLst>
+          </p:cNvPr>
+          <p:cNvSpPr/>
+          <p:nvPr/>
+        </p:nvSpPr>
+        <p:spPr>
+          <a:xfrm>
+            <a:off x="3415913" y="3511423"/>
+            <a:ext cx="2413931" cy="432000"/>
+          </a:xfrm>
+          <a:prstGeom prst="rect">
+            <a:avLst/>
+          </a:prstGeom>
+          <a:noFill/>
+          <a:ln w="38100">
+            <a:solidFill>
+              <a:schemeClr val="tx1"/>
+            </a:solidFill>
+          </a:ln>
+        </p:spPr>
+        <p:style>
+          <a:lnRef idx="2">
+            <a:schemeClr val="accent1">
+              <a:shade val="50000"/>
+            </a:schemeClr>
+          </a:lnRef>
+          <a:fillRef idx="1">
+            <a:schemeClr val="accent1"/>
+          </a:fillRef>
+          <a:effectRef idx="0">
+            <a:schemeClr val="accent1"/>
+          </a:effectRef>
+          <a:fontRef idx="minor">
+            <a:schemeClr val="lt1"/>
+          </a:fontRef>
+        </p:style>
+        <p:txBody>
+          <a:bodyPr rtlCol="0" anchor="ctr"/>
+          <a:lstStyle/>
+          <a:p>
+            <a:pPr algn="ctr"/>
+            <a:r>
+              <a:rPr lang="es-MX" dirty="0" err="1">
+                <a:solidFill>
+                  <a:schemeClr val="tx1"/>
+                </a:solidFill>
+              </a:rPr>
+              <a:t>mediciones_potencia</a:t>
+            </a:r>
+            <a:endParaRPr lang="es-MX" dirty="0">
+              <a:solidFill>
+                <a:schemeClr val="tx1"/>
+              </a:solidFill>
+            </a:endParaRPr>
+          </a:p>
+        </p:txBody>
+      </p:sp>
+      <p:sp>
+        <p:nvSpPr>
+          <p:cNvPr id="6" name="Rectángulo 5">
+            <a:extLst>
+              <a:ext uri="{FF2B5EF4-FFF2-40B4-BE49-F238E27FC236}">
+                <a16:creationId xmlns:a16="http://schemas.microsoft.com/office/drawing/2014/main" id="{9189D3A1-707A-4498-9D7F-7A2D3C7CAB33}"/>
+              </a:ext>
+            </a:extLst>
+          </p:cNvPr>
+          <p:cNvSpPr/>
+          <p:nvPr/>
+        </p:nvSpPr>
+        <p:spPr>
+          <a:xfrm>
+            <a:off x="6218747" y="3511422"/>
+            <a:ext cx="2487103" cy="432000"/>
+          </a:xfrm>
+          <a:prstGeom prst="rect">
+            <a:avLst/>
+          </a:prstGeom>
+          <a:noFill/>
+          <a:ln w="38100">
+            <a:solidFill>
+              <a:schemeClr val="tx1"/>
+            </a:solidFill>
+          </a:ln>
+        </p:spPr>
+        <p:style>
+          <a:lnRef idx="2">
+            <a:schemeClr val="accent1">
+              <a:shade val="50000"/>
+            </a:schemeClr>
+          </a:lnRef>
+          <a:fillRef idx="1">
+            <a:schemeClr val="accent1"/>
+          </a:fillRef>
+          <a:effectRef idx="0">
+            <a:schemeClr val="accent1"/>
+          </a:effectRef>
+          <a:fontRef idx="minor">
+            <a:schemeClr val="lt1"/>
+          </a:fontRef>
+        </p:style>
+        <p:txBody>
+          <a:bodyPr rtlCol="0" anchor="ctr"/>
+          <a:lstStyle/>
+          <a:p>
+            <a:pPr algn="ctr"/>
+            <a:r>
+              <a:rPr lang="es-MX" dirty="0" err="1">
+                <a:solidFill>
+                  <a:schemeClr val="tx1"/>
+                </a:solidFill>
+              </a:rPr>
+              <a:t>medir_voltaje_corriente</a:t>
+            </a:r>
+            <a:endParaRPr lang="es-MX" dirty="0">
+              <a:solidFill>
+                <a:schemeClr val="tx1"/>
+              </a:solidFill>
+            </a:endParaRPr>
+          </a:p>
+        </p:txBody>
+      </p:sp>
+      <p:sp>
+        <p:nvSpPr>
+          <p:cNvPr id="7" name="Rectángulo 6">
+            <a:extLst>
+              <a:ext uri="{FF2B5EF4-FFF2-40B4-BE49-F238E27FC236}">
+                <a16:creationId xmlns:a16="http://schemas.microsoft.com/office/drawing/2014/main" id="{9BAFC7A3-78D2-4982-9766-C3AB8C660EC0}"/>
+              </a:ext>
+            </a:extLst>
+          </p:cNvPr>
+          <p:cNvSpPr/>
+          <p:nvPr/>
+        </p:nvSpPr>
+        <p:spPr>
+          <a:xfrm>
+            <a:off x="6218747" y="6140080"/>
+            <a:ext cx="2413931" cy="432000"/>
+          </a:xfrm>
+          <a:prstGeom prst="rect">
+            <a:avLst/>
+          </a:prstGeom>
+          <a:noFill/>
+          <a:ln w="38100">
+            <a:solidFill>
+              <a:schemeClr val="tx1"/>
+            </a:solidFill>
+          </a:ln>
+        </p:spPr>
+        <p:style>
+          <a:lnRef idx="2">
+            <a:schemeClr val="accent1">
+              <a:shade val="50000"/>
+            </a:schemeClr>
+          </a:lnRef>
+          <a:fillRef idx="1">
+            <a:schemeClr val="accent1"/>
+          </a:fillRef>
+          <a:effectRef idx="0">
+            <a:schemeClr val="accent1"/>
+          </a:effectRef>
+          <a:fontRef idx="minor">
+            <a:schemeClr val="lt1"/>
+          </a:fontRef>
+        </p:style>
+        <p:txBody>
+          <a:bodyPr rtlCol="0" anchor="ctr"/>
+          <a:lstStyle/>
+          <a:p>
+            <a:pPr algn="ctr"/>
+            <a:r>
+              <a:rPr lang="es-MX" dirty="0" err="1">
+                <a:solidFill>
+                  <a:schemeClr val="tx1"/>
+                </a:solidFill>
+              </a:rPr>
+              <a:t>enviar_datos</a:t>
+            </a:r>
+            <a:endParaRPr lang="es-MX" dirty="0">
+              <a:solidFill>
+                <a:schemeClr val="tx1"/>
+              </a:solidFill>
+            </a:endParaRPr>
+          </a:p>
+        </p:txBody>
+      </p:sp>
+      <p:sp>
+        <p:nvSpPr>
+          <p:cNvPr id="8" name="Rectángulo 7">
+            <a:extLst>
+              <a:ext uri="{FF2B5EF4-FFF2-40B4-BE49-F238E27FC236}">
+                <a16:creationId xmlns:a16="http://schemas.microsoft.com/office/drawing/2014/main" id="{A564AAF4-6006-44BE-93D6-C320953950EF}"/>
+              </a:ext>
+            </a:extLst>
+          </p:cNvPr>
+          <p:cNvSpPr/>
+          <p:nvPr/>
+        </p:nvSpPr>
+        <p:spPr>
+          <a:xfrm>
+            <a:off x="6795217" y="1605582"/>
+            <a:ext cx="2413931" cy="432000"/>
+          </a:xfrm>
+          <a:prstGeom prst="rect">
+            <a:avLst/>
+          </a:prstGeom>
+          <a:noFill/>
+          <a:ln w="38100">
+            <a:solidFill>
+              <a:schemeClr val="tx1"/>
+            </a:solidFill>
+          </a:ln>
+        </p:spPr>
+        <p:style>
+          <a:lnRef idx="2">
+            <a:schemeClr val="accent1">
+              <a:shade val="50000"/>
+            </a:schemeClr>
+          </a:lnRef>
+          <a:fillRef idx="1">
+            <a:schemeClr val="accent1"/>
+          </a:fillRef>
+          <a:effectRef idx="0">
+            <a:schemeClr val="accent1"/>
+          </a:effectRef>
+          <a:fontRef idx="minor">
+            <a:schemeClr val="lt1"/>
+          </a:fontRef>
+        </p:style>
+        <p:txBody>
+          <a:bodyPr rtlCol="0" anchor="ctr"/>
+          <a:lstStyle/>
+          <a:p>
+            <a:pPr algn="ctr"/>
+            <a:r>
+              <a:rPr lang="es-MX" dirty="0" err="1">
+                <a:solidFill>
+                  <a:schemeClr val="tx1"/>
+                </a:solidFill>
+              </a:rPr>
+              <a:t>inicializar_canal_adc</a:t>
+            </a:r>
+            <a:endParaRPr lang="es-MX" dirty="0">
+              <a:solidFill>
+                <a:schemeClr val="tx1"/>
+              </a:solidFill>
+            </a:endParaRPr>
+          </a:p>
+        </p:txBody>
+      </p:sp>
+      <p:sp>
+        <p:nvSpPr>
+          <p:cNvPr id="9" name="Rectángulo 8">
+            <a:extLst>
+              <a:ext uri="{FF2B5EF4-FFF2-40B4-BE49-F238E27FC236}">
+                <a16:creationId xmlns:a16="http://schemas.microsoft.com/office/drawing/2014/main" id="{2935ADB3-F769-47B9-BA8B-3C2F338F706F}"/>
+              </a:ext>
+            </a:extLst>
+          </p:cNvPr>
+          <p:cNvSpPr/>
+          <p:nvPr/>
+        </p:nvSpPr>
+        <p:spPr>
+          <a:xfrm>
+            <a:off x="6795217" y="2254836"/>
+            <a:ext cx="2413931" cy="432000"/>
+          </a:xfrm>
+          <a:prstGeom prst="rect">
+            <a:avLst/>
+          </a:prstGeom>
+          <a:noFill/>
+          <a:ln w="38100">
+            <a:solidFill>
+              <a:schemeClr val="tx1"/>
+            </a:solidFill>
+          </a:ln>
+        </p:spPr>
+        <p:style>
+          <a:lnRef idx="2">
+            <a:schemeClr val="accent1">
+              <a:shade val="50000"/>
+            </a:schemeClr>
+          </a:lnRef>
+          <a:fillRef idx="1">
+            <a:schemeClr val="accent1"/>
+          </a:fillRef>
+          <a:effectRef idx="0">
+            <a:schemeClr val="accent1"/>
+          </a:effectRef>
+          <a:fontRef idx="minor">
+            <a:schemeClr val="lt1"/>
+          </a:fontRef>
+        </p:style>
+        <p:txBody>
+          <a:bodyPr rtlCol="0" anchor="ctr"/>
+          <a:lstStyle/>
+          <a:p>
+            <a:pPr algn="ctr"/>
+            <a:r>
+              <a:rPr lang="es-MX" dirty="0" err="1">
+                <a:solidFill>
+                  <a:schemeClr val="tx1"/>
+                </a:solidFill>
+              </a:rPr>
+              <a:t>setup_wifi</a:t>
+            </a:r>
+            <a:endParaRPr lang="es-MX" dirty="0">
+              <a:solidFill>
+                <a:schemeClr val="tx1"/>
+              </a:solidFill>
+            </a:endParaRPr>
+          </a:p>
+        </p:txBody>
+      </p:sp>
+      <p:sp>
+        <p:nvSpPr>
+          <p:cNvPr id="10" name="Rectángulo 9">
+            <a:extLst>
+              <a:ext uri="{FF2B5EF4-FFF2-40B4-BE49-F238E27FC236}">
+                <a16:creationId xmlns:a16="http://schemas.microsoft.com/office/drawing/2014/main" id="{0C17BEC2-1E43-4E25-9BBA-119F4B705942}"/>
+              </a:ext>
+            </a:extLst>
+          </p:cNvPr>
+          <p:cNvSpPr/>
+          <p:nvPr/>
+        </p:nvSpPr>
+        <p:spPr>
+          <a:xfrm>
+            <a:off x="6774320" y="4258495"/>
+            <a:ext cx="2413931" cy="432000"/>
+          </a:xfrm>
+          <a:prstGeom prst="rect">
+            <a:avLst/>
+          </a:prstGeom>
+          <a:noFill/>
+          <a:ln w="38100">
+            <a:solidFill>
+              <a:schemeClr val="tx1"/>
+            </a:solidFill>
+          </a:ln>
+        </p:spPr>
+        <p:style>
+          <a:lnRef idx="2">
+            <a:schemeClr val="accent1">
+              <a:shade val="50000"/>
+            </a:schemeClr>
+          </a:lnRef>
+          <a:fillRef idx="1">
+            <a:schemeClr val="accent1"/>
+          </a:fillRef>
+          <a:effectRef idx="0">
+            <a:schemeClr val="accent1"/>
+          </a:effectRef>
+          <a:fontRef idx="minor">
+            <a:schemeClr val="lt1"/>
+          </a:fontRef>
+        </p:style>
+        <p:txBody>
+          <a:bodyPr rtlCol="0" anchor="ctr"/>
+          <a:lstStyle/>
+          <a:p>
+            <a:pPr algn="ctr"/>
+            <a:r>
+              <a:rPr lang="es-MX" dirty="0" err="1">
+                <a:solidFill>
+                  <a:schemeClr val="tx1"/>
+                </a:solidFill>
+              </a:rPr>
+              <a:t>tomar_meticiones</a:t>
+            </a:r>
+            <a:endParaRPr lang="es-MX" dirty="0">
+              <a:solidFill>
+                <a:schemeClr val="tx1"/>
+              </a:solidFill>
+            </a:endParaRPr>
+          </a:p>
+        </p:txBody>
+      </p:sp>
+      <p:sp>
+        <p:nvSpPr>
+          <p:cNvPr id="11" name="Rectángulo 10">
+            <a:extLst>
+              <a:ext uri="{FF2B5EF4-FFF2-40B4-BE49-F238E27FC236}">
+                <a16:creationId xmlns:a16="http://schemas.microsoft.com/office/drawing/2014/main" id="{AF4E891A-12DD-4CE4-9933-BC91A39E0F99}"/>
+              </a:ext>
+            </a:extLst>
+          </p:cNvPr>
+          <p:cNvSpPr/>
+          <p:nvPr/>
+        </p:nvSpPr>
+        <p:spPr>
+          <a:xfrm>
+            <a:off x="6774320" y="4885690"/>
+            <a:ext cx="2640330" cy="432000"/>
+          </a:xfrm>
+          <a:prstGeom prst="rect">
+            <a:avLst/>
+          </a:prstGeom>
+          <a:noFill/>
+          <a:ln w="38100">
+            <a:solidFill>
+              <a:schemeClr val="tx1"/>
+            </a:solidFill>
+          </a:ln>
+        </p:spPr>
+        <p:style>
+          <a:lnRef idx="2">
+            <a:schemeClr val="accent1">
+              <a:shade val="50000"/>
+            </a:schemeClr>
+          </a:lnRef>
+          <a:fillRef idx="1">
+            <a:schemeClr val="accent1"/>
+          </a:fillRef>
+          <a:effectRef idx="0">
+            <a:schemeClr val="accent1"/>
+          </a:effectRef>
+          <a:fontRef idx="minor">
+            <a:schemeClr val="lt1"/>
+          </a:fontRef>
+        </p:style>
+        <p:txBody>
+          <a:bodyPr rtlCol="0" anchor="ctr"/>
+          <a:lstStyle/>
+          <a:p>
+            <a:pPr algn="ctr"/>
+            <a:r>
+              <a:rPr lang="es-MX" dirty="0" err="1">
+                <a:solidFill>
+                  <a:schemeClr val="tx1"/>
+                </a:solidFill>
+              </a:rPr>
+              <a:t>obtener_maximo_minimo</a:t>
+            </a:r>
+            <a:endParaRPr lang="es-MX" dirty="0">
+              <a:solidFill>
+                <a:schemeClr val="tx1"/>
+              </a:solidFill>
+            </a:endParaRPr>
+          </a:p>
+        </p:txBody>
+      </p:sp>
+      <p:sp>
+        <p:nvSpPr>
+          <p:cNvPr id="12" name="Rectángulo 11">
+            <a:extLst>
+              <a:ext uri="{FF2B5EF4-FFF2-40B4-BE49-F238E27FC236}">
+                <a16:creationId xmlns:a16="http://schemas.microsoft.com/office/drawing/2014/main" id="{BF8DCFFE-C657-42C4-A975-A4009DAEC211}"/>
+              </a:ext>
+            </a:extLst>
+          </p:cNvPr>
+          <p:cNvSpPr/>
+          <p:nvPr/>
+        </p:nvSpPr>
+        <p:spPr>
+          <a:xfrm>
+            <a:off x="6774319" y="5512885"/>
+            <a:ext cx="2413931" cy="432000"/>
+          </a:xfrm>
+          <a:prstGeom prst="rect">
+            <a:avLst/>
+          </a:prstGeom>
+          <a:noFill/>
+          <a:ln w="38100">
+            <a:solidFill>
+              <a:schemeClr val="tx1"/>
+            </a:solidFill>
+          </a:ln>
+        </p:spPr>
+        <p:style>
+          <a:lnRef idx="2">
+            <a:schemeClr val="accent1">
+              <a:shade val="50000"/>
+            </a:schemeClr>
+          </a:lnRef>
+          <a:fillRef idx="1">
+            <a:schemeClr val="accent1"/>
+          </a:fillRef>
+          <a:effectRef idx="0">
+            <a:schemeClr val="accent1"/>
+          </a:effectRef>
+          <a:fontRef idx="minor">
+            <a:schemeClr val="lt1"/>
+          </a:fontRef>
+        </p:style>
+        <p:txBody>
+          <a:bodyPr rtlCol="0" anchor="ctr"/>
+          <a:lstStyle/>
+          <a:p>
+            <a:pPr algn="ctr"/>
+            <a:r>
+              <a:rPr lang="es-MX" dirty="0" err="1">
+                <a:solidFill>
+                  <a:schemeClr val="tx1"/>
+                </a:solidFill>
+              </a:rPr>
+              <a:t>calcular_potencia</a:t>
+            </a:r>
+            <a:endParaRPr lang="es-MX" dirty="0">
+              <a:solidFill>
+                <a:schemeClr val="tx1"/>
+              </a:solidFill>
+            </a:endParaRPr>
+          </a:p>
+        </p:txBody>
+      </p:sp>
+      <p:sp>
+        <p:nvSpPr>
+          <p:cNvPr id="16" name="Rectángulo 15">
+            <a:extLst>
+              <a:ext uri="{FF2B5EF4-FFF2-40B4-BE49-F238E27FC236}">
+                <a16:creationId xmlns:a16="http://schemas.microsoft.com/office/drawing/2014/main" id="{7DF156EB-4F24-4BF2-861B-F1250EAF8571}"/>
+              </a:ext>
+            </a:extLst>
+          </p:cNvPr>
+          <p:cNvSpPr/>
+          <p:nvPr/>
+        </p:nvSpPr>
+        <p:spPr>
+          <a:xfrm>
+            <a:off x="9584892" y="4261627"/>
+            <a:ext cx="2413931" cy="432000"/>
+          </a:xfrm>
+          <a:prstGeom prst="rect">
+            <a:avLst/>
+          </a:prstGeom>
+          <a:noFill/>
+          <a:ln w="38100">
+            <a:solidFill>
+              <a:schemeClr val="tx1"/>
+            </a:solidFill>
+          </a:ln>
+        </p:spPr>
+        <p:style>
+          <a:lnRef idx="2">
+            <a:schemeClr val="accent1">
+              <a:shade val="50000"/>
+            </a:schemeClr>
+          </a:lnRef>
+          <a:fillRef idx="1">
+            <a:schemeClr val="accent1"/>
+          </a:fillRef>
+          <a:effectRef idx="0">
+            <a:schemeClr val="accent1"/>
+          </a:effectRef>
+          <a:fontRef idx="minor">
+            <a:schemeClr val="lt1"/>
+          </a:fontRef>
+        </p:style>
+        <p:txBody>
+          <a:bodyPr rtlCol="0" anchor="ctr"/>
+          <a:lstStyle/>
+          <a:p>
+            <a:pPr algn="ctr"/>
+            <a:r>
+              <a:rPr lang="es-MX" dirty="0" err="1">
+                <a:solidFill>
+                  <a:schemeClr val="tx1"/>
+                </a:solidFill>
+              </a:rPr>
+              <a:t>leer_ADC</a:t>
+            </a:r>
+            <a:endParaRPr lang="es-MX" dirty="0">
+              <a:solidFill>
+                <a:schemeClr val="tx1"/>
+              </a:solidFill>
+            </a:endParaRPr>
+          </a:p>
+        </p:txBody>
+      </p:sp>
       <p:cxnSp>
         <p:nvCxnSpPr>
-          <p:cNvPr id="29" name="Conector recto de flecha 28">
-            <a:extLst>
-              <a:ext uri="{FF2B5EF4-FFF2-40B4-BE49-F238E27FC236}">
-                <a16:creationId xmlns:a16="http://schemas.microsoft.com/office/drawing/2014/main" id="{7A3B1B18-6055-4888-A3AA-C970C4EFB51A}"/>
+          <p:cNvPr id="14" name="Conector recto 13">
+            <a:extLst>
+              <a:ext uri="{FF2B5EF4-FFF2-40B4-BE49-F238E27FC236}">
+                <a16:creationId xmlns:a16="http://schemas.microsoft.com/office/drawing/2014/main" id="{E0E249FA-4896-4F45-8318-C65E3AFBA75F}"/>
               </a:ext>
             </a:extLst>
           </p:cNvPr>
@@ -6660,17 +7824,16 @@
         </p:nvCxnSpPr>
         <p:spPr>
           <a:xfrm>
-            <a:off x="6357257" y="3907352"/>
-            <a:ext cx="394788" cy="0"/>
-          </a:xfrm>
-          <a:prstGeom prst="straightConnector1">
-            <a:avLst/>
-          </a:prstGeom>
-          <a:ln w="25400">
+            <a:off x="434174" y="1358532"/>
+            <a:ext cx="0" cy="2368890"/>
+          </a:xfrm>
+          <a:prstGeom prst="line">
+            <a:avLst/>
+          </a:prstGeom>
+          <a:ln w="38100">
             <a:solidFill>
               <a:schemeClr val="tx1"/>
             </a:solidFill>
-            <a:tailEnd type="triangle"/>
           </a:ln>
         </p:spPr>
         <p:style>
@@ -6688,264 +7851,97 @@
           </a:fontRef>
         </p:style>
       </p:cxnSp>
-      <mc:AlternateContent xmlns:mc="http://schemas.openxmlformats.org/markup-compatibility/2006" xmlns:a14="http://schemas.microsoft.com/office/drawing/2010/main">
-        <mc:Choice Requires="a14">
-          <p:sp>
-            <p:nvSpPr>
-              <p:cNvPr id="31" name="Rectángulo 30">
-                <a:extLst>
-                  <a:ext uri="{FF2B5EF4-FFF2-40B4-BE49-F238E27FC236}">
-                    <a16:creationId xmlns:a16="http://schemas.microsoft.com/office/drawing/2014/main" id="{78251D2C-72A2-4F7F-BD86-0AE567796B2B}"/>
-                  </a:ext>
-                </a:extLst>
-              </p:cNvPr>
-              <p:cNvSpPr/>
-              <p:nvPr/>
-            </p:nvSpPr>
-            <p:spPr>
-              <a:xfrm>
-                <a:off x="9967584" y="3418510"/>
-                <a:ext cx="1847046" cy="1356688"/>
-              </a:xfrm>
-              <a:prstGeom prst="rect">
-                <a:avLst/>
-              </a:prstGeom>
-              <a:noFill/>
-              <a:ln w="38100">
+      <p:sp>
+        <p:nvSpPr>
+          <p:cNvPr id="17" name="Rectángulo 16">
+            <a:extLst>
+              <a:ext uri="{FF2B5EF4-FFF2-40B4-BE49-F238E27FC236}">
+                <a16:creationId xmlns:a16="http://schemas.microsoft.com/office/drawing/2014/main" id="{E821C5D7-F4B7-4A1C-A5EC-2AFA884E8A31}"/>
+              </a:ext>
+            </a:extLst>
+          </p:cNvPr>
+          <p:cNvSpPr/>
+          <p:nvPr/>
+        </p:nvSpPr>
+        <p:spPr>
+          <a:xfrm>
+            <a:off x="301653" y="926532"/>
+            <a:ext cx="2413931" cy="432000"/>
+          </a:xfrm>
+          <a:prstGeom prst="rect">
+            <a:avLst/>
+          </a:prstGeom>
+          <a:noFill/>
+          <a:ln w="38100">
+            <a:solidFill>
+              <a:schemeClr val="tx1"/>
+            </a:solidFill>
+          </a:ln>
+        </p:spPr>
+        <p:style>
+          <a:lnRef idx="2">
+            <a:schemeClr val="accent1">
+              <a:shade val="50000"/>
+            </a:schemeClr>
+          </a:lnRef>
+          <a:fillRef idx="1">
+            <a:schemeClr val="accent1"/>
+          </a:fillRef>
+          <a:effectRef idx="0">
+            <a:schemeClr val="accent1"/>
+          </a:effectRef>
+          <a:fontRef idx="minor">
+            <a:schemeClr val="lt1"/>
+          </a:fontRef>
+        </p:style>
+        <p:txBody>
+          <a:bodyPr rtlCol="0" anchor="ctr"/>
+          <a:lstStyle/>
+          <a:p>
+            <a:pPr algn="ctr"/>
+            <a:r>
+              <a:rPr lang="es-MX" dirty="0" err="1">
                 <a:solidFill>
                   <a:schemeClr val="tx1"/>
                 </a:solidFill>
-              </a:ln>
-            </p:spPr>
-            <p:style>
-              <a:lnRef idx="2">
-                <a:schemeClr val="accent1">
-                  <a:shade val="50000"/>
-                </a:schemeClr>
-              </a:lnRef>
-              <a:fillRef idx="1">
-                <a:schemeClr val="accent1"/>
-              </a:fillRef>
-              <a:effectRef idx="0">
-                <a:schemeClr val="accent1"/>
-              </a:effectRef>
-              <a:fontRef idx="minor">
-                <a:schemeClr val="lt1"/>
-              </a:fontRef>
-            </p:style>
-            <p:txBody>
-              <a:bodyPr rtlCol="0" anchor="ctr"/>
-              <a:lstStyle/>
-              <a:p>
-                <a:pPr algn="ctr"/>
-                <a:r>
-                  <a:rPr lang="es-MX" dirty="0">
-                    <a:solidFill>
-                      <a:schemeClr val="tx1"/>
-                    </a:solidFill>
-                  </a:rPr>
-                  <a:t>Cálculo de factor de potencia</a:t>
-                </a:r>
-              </a:p>
-              <a:p>
-                <a:pPr algn="ctr"/>
-                <a14:m>
-                  <m:oMathPara xmlns:m="http://schemas.openxmlformats.org/officeDocument/2006/math">
-                    <m:oMathParaPr>
-                      <m:jc m:val="centerGroup"/>
-                    </m:oMathParaPr>
-                    <m:oMath xmlns:m="http://schemas.openxmlformats.org/officeDocument/2006/math">
-                      <m:sSub>
-                        <m:sSubPr>
-                          <m:ctrlPr>
-                            <a:rPr lang="es-MX" b="0" i="1" smtClean="0">
-                              <a:solidFill>
-                                <a:schemeClr val="tx1"/>
-                              </a:solidFill>
-                              <a:latin typeface="Cambria Math" panose="02040503050406030204" pitchFamily="18" charset="0"/>
-                            </a:rPr>
-                          </m:ctrlPr>
-                        </m:sSubPr>
-                        <m:e>
-                          <m:r>
-                            <a:rPr lang="es-MX" b="0" i="1" smtClean="0">
-                              <a:solidFill>
-                                <a:schemeClr val="tx1"/>
-                              </a:solidFill>
-                              <a:latin typeface="Cambria Math" panose="02040503050406030204" pitchFamily="18" charset="0"/>
-                            </a:rPr>
-                            <m:t>𝑓</m:t>
-                          </m:r>
-                        </m:e>
-                        <m:sub>
-                          <m:r>
-                            <a:rPr lang="es-MX" b="0" i="1" smtClean="0">
-                              <a:solidFill>
-                                <a:schemeClr val="tx1"/>
-                              </a:solidFill>
-                              <a:latin typeface="Cambria Math" panose="02040503050406030204" pitchFamily="18" charset="0"/>
-                            </a:rPr>
-                            <m:t>𝑝</m:t>
-                          </m:r>
-                        </m:sub>
-                      </m:sSub>
-                      <m:r>
-                        <a:rPr lang="es-MX" b="0" i="1" smtClean="0">
-                          <a:solidFill>
-                            <a:schemeClr val="tx1"/>
-                          </a:solidFill>
-                          <a:latin typeface="Cambria Math" panose="02040503050406030204" pitchFamily="18" charset="0"/>
-                        </a:rPr>
-                        <m:t>=</m:t>
-                      </m:r>
-                      <m:f>
-                        <m:fPr>
-                          <m:ctrlPr>
-                            <a:rPr lang="es-MX" b="0" i="1" smtClean="0">
-                              <a:solidFill>
-                                <a:schemeClr val="tx1"/>
-                              </a:solidFill>
-                              <a:latin typeface="Cambria Math" panose="02040503050406030204" pitchFamily="18" charset="0"/>
-                            </a:rPr>
-                          </m:ctrlPr>
-                        </m:fPr>
-                        <m:num>
-                          <m:sSub>
-                            <m:sSubPr>
-                              <m:ctrlPr>
-                                <a:rPr lang="es-MX" i="1">
-                                  <a:solidFill>
-                                    <a:schemeClr val="tx1"/>
-                                  </a:solidFill>
-                                  <a:latin typeface="Cambria Math" panose="02040503050406030204" pitchFamily="18" charset="0"/>
-                                </a:rPr>
-                              </m:ctrlPr>
-                            </m:sSubPr>
-                            <m:e>
-                              <m:r>
-                                <a:rPr lang="es-MX" i="1">
-                                  <a:solidFill>
-                                    <a:schemeClr val="tx1"/>
-                                  </a:solidFill>
-                                  <a:latin typeface="Cambria Math" panose="02040503050406030204" pitchFamily="18" charset="0"/>
-                                </a:rPr>
-                                <m:t>𝑃</m:t>
-                              </m:r>
-                            </m:e>
-                            <m:sub>
-                              <m:r>
-                                <a:rPr lang="es-MX" i="1">
-                                  <a:solidFill>
-                                    <a:schemeClr val="tx1"/>
-                                  </a:solidFill>
-                                  <a:latin typeface="Cambria Math" panose="02040503050406030204" pitchFamily="18" charset="0"/>
-                                </a:rPr>
-                                <m:t>𝑝𝑟𝑜𝑚</m:t>
-                              </m:r>
-                            </m:sub>
-                          </m:sSub>
-                        </m:num>
-                        <m:den>
-                          <m:r>
-                            <a:rPr lang="es-MX" b="0" i="1" smtClean="0">
-                              <a:solidFill>
-                                <a:schemeClr val="tx1"/>
-                              </a:solidFill>
-                              <a:latin typeface="Cambria Math" panose="02040503050406030204" pitchFamily="18" charset="0"/>
-                            </a:rPr>
-                            <m:t>𝑆</m:t>
-                          </m:r>
-                        </m:den>
-                      </m:f>
-                    </m:oMath>
-                  </m:oMathPara>
-                </a14:m>
-                <a:endParaRPr lang="es-MX" dirty="0">
-                  <a:solidFill>
-                    <a:schemeClr val="tx1"/>
-                  </a:solidFill>
-                </a:endParaRPr>
-              </a:p>
-            </p:txBody>
-          </p:sp>
-        </mc:Choice>
-        <mc:Fallback xmlns="">
-          <p:sp>
-            <p:nvSpPr>
-              <p:cNvPr id="31" name="Rectángulo 30">
-                <a:extLst>
-                  <a:ext uri="{FF2B5EF4-FFF2-40B4-BE49-F238E27FC236}">
-                    <a16:creationId xmlns:a16="http://schemas.microsoft.com/office/drawing/2014/main" id="{78251D2C-72A2-4F7F-BD86-0AE567796B2B}"/>
-                  </a:ext>
-                </a:extLst>
-              </p:cNvPr>
-              <p:cNvSpPr>
-                <a:spLocks noRot="1" noChangeAspect="1" noMove="1" noResize="1" noEditPoints="1" noAdjustHandles="1" noChangeArrowheads="1" noChangeShapeType="1" noTextEdit="1"/>
-              </p:cNvSpPr>
-              <p:nvPr/>
-            </p:nvSpPr>
-            <p:spPr>
-              <a:xfrm>
-                <a:off x="9967584" y="3418510"/>
-                <a:ext cx="1847046" cy="1356688"/>
-              </a:xfrm>
-              <a:prstGeom prst="rect">
-                <a:avLst/>
-              </a:prstGeom>
-              <a:blipFill>
-                <a:blip r:embed="rId5"/>
-                <a:stretch>
-                  <a:fillRect r="-1942"/>
-                </a:stretch>
-              </a:blipFill>
-              <a:ln w="38100">
-                <a:solidFill>
-                  <a:schemeClr val="tx1"/>
-                </a:solidFill>
-              </a:ln>
-            </p:spPr>
-            <p:txBody>
-              <a:bodyPr/>
-              <a:lstStyle/>
-              <a:p>
-                <a:r>
-                  <a:rPr lang="es-MX">
-                    <a:noFill/>
-                  </a:rPr>
-                  <a:t> </a:t>
-                </a:r>
-              </a:p>
-            </p:txBody>
-          </p:sp>
-        </mc:Fallback>
-      </mc:AlternateContent>
+              </a:rPr>
+              <a:t>Potencia_MQTT.ino</a:t>
+            </a:r>
+            <a:endParaRPr lang="es-MX" dirty="0">
+              <a:solidFill>
+                <a:schemeClr val="tx1"/>
+              </a:solidFill>
+            </a:endParaRPr>
+          </a:p>
+        </p:txBody>
+      </p:sp>
       <p:cxnSp>
         <p:nvCxnSpPr>
-          <p:cNvPr id="32" name="Conector recto de flecha 31">
-            <a:extLst>
-              <a:ext uri="{FF2B5EF4-FFF2-40B4-BE49-F238E27FC236}">
-                <a16:creationId xmlns:a16="http://schemas.microsoft.com/office/drawing/2014/main" id="{01A2D86E-A9E4-4CD9-8115-160C6FDC573C}"/>
+          <p:cNvPr id="19" name="Conector recto 18">
+            <a:extLst>
+              <a:ext uri="{FF2B5EF4-FFF2-40B4-BE49-F238E27FC236}">
+                <a16:creationId xmlns:a16="http://schemas.microsoft.com/office/drawing/2014/main" id="{5450E7AD-FAEC-4600-8FF1-C50BB7581CD0}"/>
               </a:ext>
             </a:extLst>
           </p:cNvPr>
           <p:cNvCxnSpPr>
             <a:cxnSpLocks/>
+            <a:endCxn id="3" idx="1"/>
           </p:cNvCxnSpPr>
           <p:nvPr/>
         </p:nvCxnSpPr>
         <p:spPr>
           <a:xfrm>
-            <a:off x="9720421" y="3907352"/>
-            <a:ext cx="247163" cy="0"/>
-          </a:xfrm>
-          <a:prstGeom prst="straightConnector1">
-            <a:avLst/>
-          </a:prstGeom>
-          <a:ln w="25400">
+            <a:off x="434174" y="1821582"/>
+            <a:ext cx="178905" cy="0"/>
+          </a:xfrm>
+          <a:prstGeom prst="line">
+            <a:avLst/>
+          </a:prstGeom>
+          <a:ln w="38100">
             <a:solidFill>
               <a:schemeClr val="tx1"/>
             </a:solidFill>
-            <a:tailEnd type="triangle"/>
           </a:ln>
         </p:spPr>
         <p:style>
@@ -6963,10 +7959,1413 @@
           </a:fontRef>
         </p:style>
       </p:cxnSp>
+      <p:cxnSp>
+        <p:nvCxnSpPr>
+          <p:cNvPr id="22" name="Conector recto 21">
+            <a:extLst>
+              <a:ext uri="{FF2B5EF4-FFF2-40B4-BE49-F238E27FC236}">
+                <a16:creationId xmlns:a16="http://schemas.microsoft.com/office/drawing/2014/main" id="{CC8CE503-7726-4E83-8ECD-6D22471B930C}"/>
+              </a:ext>
+            </a:extLst>
+          </p:cNvPr>
+          <p:cNvCxnSpPr>
+            <a:cxnSpLocks/>
+          </p:cNvCxnSpPr>
+          <p:nvPr/>
+        </p:nvCxnSpPr>
+        <p:spPr>
+          <a:xfrm>
+            <a:off x="434174" y="3727422"/>
+            <a:ext cx="178905" cy="0"/>
+          </a:xfrm>
+          <a:prstGeom prst="line">
+            <a:avLst/>
+          </a:prstGeom>
+          <a:ln w="38100">
+            <a:solidFill>
+              <a:schemeClr val="tx1"/>
+            </a:solidFill>
+          </a:ln>
+        </p:spPr>
+        <p:style>
+          <a:lnRef idx="1">
+            <a:schemeClr val="accent1"/>
+          </a:lnRef>
+          <a:fillRef idx="0">
+            <a:schemeClr val="accent1"/>
+          </a:fillRef>
+          <a:effectRef idx="0">
+            <a:schemeClr val="accent1"/>
+          </a:effectRef>
+          <a:fontRef idx="minor">
+            <a:schemeClr val="tx1"/>
+          </a:fontRef>
+        </p:style>
+      </p:cxnSp>
+      <p:cxnSp>
+        <p:nvCxnSpPr>
+          <p:cNvPr id="23" name="Conector recto 22">
+            <a:extLst>
+              <a:ext uri="{FF2B5EF4-FFF2-40B4-BE49-F238E27FC236}">
+                <a16:creationId xmlns:a16="http://schemas.microsoft.com/office/drawing/2014/main" id="{361B33ED-F87E-4C1D-BC96-51E0FAB5C8CD}"/>
+              </a:ext>
+            </a:extLst>
+          </p:cNvPr>
+          <p:cNvCxnSpPr>
+            <a:cxnSpLocks/>
+            <a:stCxn id="3" idx="3"/>
+            <a:endCxn id="8" idx="1"/>
+          </p:cNvCxnSpPr>
+          <p:nvPr/>
+        </p:nvCxnSpPr>
+        <p:spPr>
+          <a:xfrm>
+            <a:off x="3027010" y="1821582"/>
+            <a:ext cx="3768207" cy="0"/>
+          </a:xfrm>
+          <a:prstGeom prst="line">
+            <a:avLst/>
+          </a:prstGeom>
+          <a:ln w="38100">
+            <a:solidFill>
+              <a:schemeClr val="tx1"/>
+            </a:solidFill>
+          </a:ln>
+        </p:spPr>
+        <p:style>
+          <a:lnRef idx="1">
+            <a:schemeClr val="accent1"/>
+          </a:lnRef>
+          <a:fillRef idx="0">
+            <a:schemeClr val="accent1"/>
+          </a:fillRef>
+          <a:effectRef idx="0">
+            <a:schemeClr val="accent1"/>
+          </a:effectRef>
+          <a:fontRef idx="minor">
+            <a:schemeClr val="tx1"/>
+          </a:fontRef>
+        </p:style>
+      </p:cxnSp>
+      <p:cxnSp>
+        <p:nvCxnSpPr>
+          <p:cNvPr id="27" name="Conector recto 26">
+            <a:extLst>
+              <a:ext uri="{FF2B5EF4-FFF2-40B4-BE49-F238E27FC236}">
+                <a16:creationId xmlns:a16="http://schemas.microsoft.com/office/drawing/2014/main" id="{0974F3E0-400C-484F-8167-D9F659FB8903}"/>
+              </a:ext>
+            </a:extLst>
+          </p:cNvPr>
+          <p:cNvCxnSpPr>
+            <a:cxnSpLocks/>
+          </p:cNvCxnSpPr>
+          <p:nvPr/>
+        </p:nvCxnSpPr>
+        <p:spPr>
+          <a:xfrm>
+            <a:off x="6390474" y="1821582"/>
+            <a:ext cx="0" cy="649254"/>
+          </a:xfrm>
+          <a:prstGeom prst="line">
+            <a:avLst/>
+          </a:prstGeom>
+          <a:ln w="38100">
+            <a:solidFill>
+              <a:schemeClr val="tx1"/>
+            </a:solidFill>
+          </a:ln>
+        </p:spPr>
+        <p:style>
+          <a:lnRef idx="1">
+            <a:schemeClr val="accent1"/>
+          </a:lnRef>
+          <a:fillRef idx="0">
+            <a:schemeClr val="accent1"/>
+          </a:fillRef>
+          <a:effectRef idx="0">
+            <a:schemeClr val="accent1"/>
+          </a:effectRef>
+          <a:fontRef idx="minor">
+            <a:schemeClr val="tx1"/>
+          </a:fontRef>
+        </p:style>
+      </p:cxnSp>
+      <p:cxnSp>
+        <p:nvCxnSpPr>
+          <p:cNvPr id="29" name="Conector recto 28">
+            <a:extLst>
+              <a:ext uri="{FF2B5EF4-FFF2-40B4-BE49-F238E27FC236}">
+                <a16:creationId xmlns:a16="http://schemas.microsoft.com/office/drawing/2014/main" id="{B683188C-F7B0-4225-A77F-D1FA45CD16CD}"/>
+              </a:ext>
+            </a:extLst>
+          </p:cNvPr>
+          <p:cNvCxnSpPr>
+            <a:cxnSpLocks/>
+            <a:endCxn id="9" idx="1"/>
+          </p:cNvCxnSpPr>
+          <p:nvPr/>
+        </p:nvCxnSpPr>
+        <p:spPr>
+          <a:xfrm>
+            <a:off x="6390474" y="2470836"/>
+            <a:ext cx="404743" cy="0"/>
+          </a:xfrm>
+          <a:prstGeom prst="line">
+            <a:avLst/>
+          </a:prstGeom>
+          <a:ln w="38100">
+            <a:solidFill>
+              <a:schemeClr val="tx1"/>
+            </a:solidFill>
+          </a:ln>
+        </p:spPr>
+        <p:style>
+          <a:lnRef idx="1">
+            <a:schemeClr val="accent1"/>
+          </a:lnRef>
+          <a:fillRef idx="0">
+            <a:schemeClr val="accent1"/>
+          </a:fillRef>
+          <a:effectRef idx="0">
+            <a:schemeClr val="accent1"/>
+          </a:effectRef>
+          <a:fontRef idx="minor">
+            <a:schemeClr val="tx1"/>
+          </a:fontRef>
+        </p:style>
+      </p:cxnSp>
+      <p:cxnSp>
+        <p:nvCxnSpPr>
+          <p:cNvPr id="34" name="Conector recto 33">
+            <a:extLst>
+              <a:ext uri="{FF2B5EF4-FFF2-40B4-BE49-F238E27FC236}">
+                <a16:creationId xmlns:a16="http://schemas.microsoft.com/office/drawing/2014/main" id="{BABA0D58-F9C4-4E8C-BCA2-44E7537B06CD}"/>
+              </a:ext>
+            </a:extLst>
+          </p:cNvPr>
+          <p:cNvCxnSpPr>
+            <a:cxnSpLocks/>
+            <a:stCxn id="4" idx="3"/>
+            <a:endCxn id="5" idx="1"/>
+          </p:cNvCxnSpPr>
+          <p:nvPr/>
+        </p:nvCxnSpPr>
+        <p:spPr>
+          <a:xfrm flipV="1">
+            <a:off x="3027010" y="3727423"/>
+            <a:ext cx="388903" cy="1"/>
+          </a:xfrm>
+          <a:prstGeom prst="line">
+            <a:avLst/>
+          </a:prstGeom>
+          <a:ln w="38100">
+            <a:solidFill>
+              <a:schemeClr val="tx1"/>
+            </a:solidFill>
+          </a:ln>
+        </p:spPr>
+        <p:style>
+          <a:lnRef idx="1">
+            <a:schemeClr val="accent1"/>
+          </a:lnRef>
+          <a:fillRef idx="0">
+            <a:schemeClr val="accent1"/>
+          </a:fillRef>
+          <a:effectRef idx="0">
+            <a:schemeClr val="accent1"/>
+          </a:effectRef>
+          <a:fontRef idx="minor">
+            <a:schemeClr val="tx1"/>
+          </a:fontRef>
+        </p:style>
+      </p:cxnSp>
+      <p:cxnSp>
+        <p:nvCxnSpPr>
+          <p:cNvPr id="37" name="Conector recto 36">
+            <a:extLst>
+              <a:ext uri="{FF2B5EF4-FFF2-40B4-BE49-F238E27FC236}">
+                <a16:creationId xmlns:a16="http://schemas.microsoft.com/office/drawing/2014/main" id="{CCAF3ABD-4D7D-4C09-AEAE-6DDB2B6B9DCA}"/>
+              </a:ext>
+            </a:extLst>
+          </p:cNvPr>
+          <p:cNvCxnSpPr>
+            <a:cxnSpLocks/>
+            <a:stCxn id="5" idx="3"/>
+            <a:endCxn id="6" idx="1"/>
+          </p:cNvCxnSpPr>
+          <p:nvPr/>
+        </p:nvCxnSpPr>
+        <p:spPr>
+          <a:xfrm flipV="1">
+            <a:off x="5829844" y="3727422"/>
+            <a:ext cx="388903" cy="1"/>
+          </a:xfrm>
+          <a:prstGeom prst="line">
+            <a:avLst/>
+          </a:prstGeom>
+          <a:ln w="38100">
+            <a:solidFill>
+              <a:schemeClr val="tx1"/>
+            </a:solidFill>
+          </a:ln>
+        </p:spPr>
+        <p:style>
+          <a:lnRef idx="1">
+            <a:schemeClr val="accent1"/>
+          </a:lnRef>
+          <a:fillRef idx="0">
+            <a:schemeClr val="accent1"/>
+          </a:fillRef>
+          <a:effectRef idx="0">
+            <a:schemeClr val="accent1"/>
+          </a:effectRef>
+          <a:fontRef idx="minor">
+            <a:schemeClr val="tx1"/>
+          </a:fontRef>
+        </p:style>
+      </p:cxnSp>
+      <p:cxnSp>
+        <p:nvCxnSpPr>
+          <p:cNvPr id="40" name="Conector recto 39">
+            <a:extLst>
+              <a:ext uri="{FF2B5EF4-FFF2-40B4-BE49-F238E27FC236}">
+                <a16:creationId xmlns:a16="http://schemas.microsoft.com/office/drawing/2014/main" id="{0B6C0A4A-58C1-4B5F-B50A-415C9108BD79}"/>
+              </a:ext>
+            </a:extLst>
+          </p:cNvPr>
+          <p:cNvCxnSpPr>
+            <a:cxnSpLocks/>
+          </p:cNvCxnSpPr>
+          <p:nvPr/>
+        </p:nvCxnSpPr>
+        <p:spPr>
+          <a:xfrm flipV="1">
+            <a:off x="6377679" y="3943422"/>
+            <a:ext cx="0" cy="1809678"/>
+          </a:xfrm>
+          <a:prstGeom prst="line">
+            <a:avLst/>
+          </a:prstGeom>
+          <a:ln w="38100">
+            <a:solidFill>
+              <a:schemeClr val="tx1"/>
+            </a:solidFill>
+          </a:ln>
+        </p:spPr>
+        <p:style>
+          <a:lnRef idx="1">
+            <a:schemeClr val="accent1"/>
+          </a:lnRef>
+          <a:fillRef idx="0">
+            <a:schemeClr val="accent1"/>
+          </a:fillRef>
+          <a:effectRef idx="0">
+            <a:schemeClr val="accent1"/>
+          </a:effectRef>
+          <a:fontRef idx="minor">
+            <a:schemeClr val="tx1"/>
+          </a:fontRef>
+        </p:style>
+      </p:cxnSp>
+      <p:cxnSp>
+        <p:nvCxnSpPr>
+          <p:cNvPr id="43" name="Conector recto 42">
+            <a:extLst>
+              <a:ext uri="{FF2B5EF4-FFF2-40B4-BE49-F238E27FC236}">
+                <a16:creationId xmlns:a16="http://schemas.microsoft.com/office/drawing/2014/main" id="{ECC5FC33-C388-490D-9C6C-3785B9C3CB75}"/>
+              </a:ext>
+            </a:extLst>
+          </p:cNvPr>
+          <p:cNvCxnSpPr>
+            <a:cxnSpLocks/>
+            <a:endCxn id="10" idx="1"/>
+          </p:cNvCxnSpPr>
+          <p:nvPr/>
+        </p:nvCxnSpPr>
+        <p:spPr>
+          <a:xfrm>
+            <a:off x="6377679" y="4474495"/>
+            <a:ext cx="396641" cy="0"/>
+          </a:xfrm>
+          <a:prstGeom prst="line">
+            <a:avLst/>
+          </a:prstGeom>
+          <a:ln w="38100">
+            <a:solidFill>
+              <a:schemeClr val="tx1"/>
+            </a:solidFill>
+          </a:ln>
+        </p:spPr>
+        <p:style>
+          <a:lnRef idx="1">
+            <a:schemeClr val="accent1"/>
+          </a:lnRef>
+          <a:fillRef idx="0">
+            <a:schemeClr val="accent1"/>
+          </a:fillRef>
+          <a:effectRef idx="0">
+            <a:schemeClr val="accent1"/>
+          </a:effectRef>
+          <a:fontRef idx="minor">
+            <a:schemeClr val="tx1"/>
+          </a:fontRef>
+        </p:style>
+      </p:cxnSp>
+      <p:cxnSp>
+        <p:nvCxnSpPr>
+          <p:cNvPr id="46" name="Conector recto 45">
+            <a:extLst>
+              <a:ext uri="{FF2B5EF4-FFF2-40B4-BE49-F238E27FC236}">
+                <a16:creationId xmlns:a16="http://schemas.microsoft.com/office/drawing/2014/main" id="{9EC27250-F3B4-467C-B20E-8078CBE99F05}"/>
+              </a:ext>
+            </a:extLst>
+          </p:cNvPr>
+          <p:cNvCxnSpPr>
+            <a:cxnSpLocks/>
+            <a:endCxn id="11" idx="1"/>
+          </p:cNvCxnSpPr>
+          <p:nvPr/>
+        </p:nvCxnSpPr>
+        <p:spPr>
+          <a:xfrm>
+            <a:off x="6377679" y="5101690"/>
+            <a:ext cx="396641" cy="0"/>
+          </a:xfrm>
+          <a:prstGeom prst="line">
+            <a:avLst/>
+          </a:prstGeom>
+          <a:ln w="38100">
+            <a:solidFill>
+              <a:schemeClr val="tx1"/>
+            </a:solidFill>
+          </a:ln>
+        </p:spPr>
+        <p:style>
+          <a:lnRef idx="1">
+            <a:schemeClr val="accent1"/>
+          </a:lnRef>
+          <a:fillRef idx="0">
+            <a:schemeClr val="accent1"/>
+          </a:fillRef>
+          <a:effectRef idx="0">
+            <a:schemeClr val="accent1"/>
+          </a:effectRef>
+          <a:fontRef idx="minor">
+            <a:schemeClr val="tx1"/>
+          </a:fontRef>
+        </p:style>
+      </p:cxnSp>
+      <p:cxnSp>
+        <p:nvCxnSpPr>
+          <p:cNvPr id="49" name="Conector recto 48">
+            <a:extLst>
+              <a:ext uri="{FF2B5EF4-FFF2-40B4-BE49-F238E27FC236}">
+                <a16:creationId xmlns:a16="http://schemas.microsoft.com/office/drawing/2014/main" id="{503AB50D-977F-4831-AF3D-F58374D2E103}"/>
+              </a:ext>
+            </a:extLst>
+          </p:cNvPr>
+          <p:cNvCxnSpPr>
+            <a:cxnSpLocks/>
+            <a:endCxn id="12" idx="1"/>
+          </p:cNvCxnSpPr>
+          <p:nvPr/>
+        </p:nvCxnSpPr>
+        <p:spPr>
+          <a:xfrm>
+            <a:off x="6377679" y="5728885"/>
+            <a:ext cx="396640" cy="0"/>
+          </a:xfrm>
+          <a:prstGeom prst="line">
+            <a:avLst/>
+          </a:prstGeom>
+          <a:ln w="38100">
+            <a:solidFill>
+              <a:schemeClr val="tx1"/>
+            </a:solidFill>
+          </a:ln>
+        </p:spPr>
+        <p:style>
+          <a:lnRef idx="1">
+            <a:schemeClr val="accent1"/>
+          </a:lnRef>
+          <a:fillRef idx="0">
+            <a:schemeClr val="accent1"/>
+          </a:fillRef>
+          <a:effectRef idx="0">
+            <a:schemeClr val="accent1"/>
+          </a:effectRef>
+          <a:fontRef idx="minor">
+            <a:schemeClr val="tx1"/>
+          </a:fontRef>
+        </p:style>
+      </p:cxnSp>
+      <p:cxnSp>
+        <p:nvCxnSpPr>
+          <p:cNvPr id="53" name="Conector recto 52">
+            <a:extLst>
+              <a:ext uri="{FF2B5EF4-FFF2-40B4-BE49-F238E27FC236}">
+                <a16:creationId xmlns:a16="http://schemas.microsoft.com/office/drawing/2014/main" id="{CF517A18-CA92-4FEE-9B5A-7B1541953ED5}"/>
+              </a:ext>
+            </a:extLst>
+          </p:cNvPr>
+          <p:cNvCxnSpPr>
+            <a:cxnSpLocks/>
+          </p:cNvCxnSpPr>
+          <p:nvPr/>
+        </p:nvCxnSpPr>
+        <p:spPr>
+          <a:xfrm flipV="1">
+            <a:off x="6021467" y="3727422"/>
+            <a:ext cx="0" cy="2628657"/>
+          </a:xfrm>
+          <a:prstGeom prst="line">
+            <a:avLst/>
+          </a:prstGeom>
+          <a:ln w="38100">
+            <a:solidFill>
+              <a:schemeClr val="tx1"/>
+            </a:solidFill>
+          </a:ln>
+        </p:spPr>
+        <p:style>
+          <a:lnRef idx="1">
+            <a:schemeClr val="accent1"/>
+          </a:lnRef>
+          <a:fillRef idx="0">
+            <a:schemeClr val="accent1"/>
+          </a:fillRef>
+          <a:effectRef idx="0">
+            <a:schemeClr val="accent1"/>
+          </a:effectRef>
+          <a:fontRef idx="minor">
+            <a:schemeClr val="tx1"/>
+          </a:fontRef>
+        </p:style>
+      </p:cxnSp>
+      <p:cxnSp>
+        <p:nvCxnSpPr>
+          <p:cNvPr id="55" name="Conector recto 54">
+            <a:extLst>
+              <a:ext uri="{FF2B5EF4-FFF2-40B4-BE49-F238E27FC236}">
+                <a16:creationId xmlns:a16="http://schemas.microsoft.com/office/drawing/2014/main" id="{76ED34E6-4CB4-40CD-B6E3-DEE7735AF364}"/>
+              </a:ext>
+            </a:extLst>
+          </p:cNvPr>
+          <p:cNvCxnSpPr>
+            <a:cxnSpLocks/>
+            <a:endCxn id="7" idx="1"/>
+          </p:cNvCxnSpPr>
+          <p:nvPr/>
+        </p:nvCxnSpPr>
+        <p:spPr>
+          <a:xfrm>
+            <a:off x="6021467" y="6356080"/>
+            <a:ext cx="197280" cy="0"/>
+          </a:xfrm>
+          <a:prstGeom prst="line">
+            <a:avLst/>
+          </a:prstGeom>
+          <a:ln w="38100">
+            <a:solidFill>
+              <a:schemeClr val="tx1"/>
+            </a:solidFill>
+          </a:ln>
+        </p:spPr>
+        <p:style>
+          <a:lnRef idx="1">
+            <a:schemeClr val="accent1"/>
+          </a:lnRef>
+          <a:fillRef idx="0">
+            <a:schemeClr val="accent1"/>
+          </a:fillRef>
+          <a:effectRef idx="0">
+            <a:schemeClr val="accent1"/>
+          </a:effectRef>
+          <a:fontRef idx="minor">
+            <a:schemeClr val="tx1"/>
+          </a:fontRef>
+        </p:style>
+      </p:cxnSp>
+      <p:cxnSp>
+        <p:nvCxnSpPr>
+          <p:cNvPr id="60" name="Conector recto 59">
+            <a:extLst>
+              <a:ext uri="{FF2B5EF4-FFF2-40B4-BE49-F238E27FC236}">
+                <a16:creationId xmlns:a16="http://schemas.microsoft.com/office/drawing/2014/main" id="{CD11CB48-378C-4163-9027-39DC037ECFD5}"/>
+              </a:ext>
+            </a:extLst>
+          </p:cNvPr>
+          <p:cNvCxnSpPr>
+            <a:cxnSpLocks/>
+            <a:stCxn id="10" idx="3"/>
+            <a:endCxn id="16" idx="1"/>
+          </p:cNvCxnSpPr>
+          <p:nvPr/>
+        </p:nvCxnSpPr>
+        <p:spPr>
+          <a:xfrm>
+            <a:off x="9188251" y="4474495"/>
+            <a:ext cx="396641" cy="3132"/>
+          </a:xfrm>
+          <a:prstGeom prst="line">
+            <a:avLst/>
+          </a:prstGeom>
+          <a:ln w="38100">
+            <a:solidFill>
+              <a:schemeClr val="tx1"/>
+            </a:solidFill>
+          </a:ln>
+        </p:spPr>
+        <p:style>
+          <a:lnRef idx="1">
+            <a:schemeClr val="accent1"/>
+          </a:lnRef>
+          <a:fillRef idx="0">
+            <a:schemeClr val="accent1"/>
+          </a:fillRef>
+          <a:effectRef idx="0">
+            <a:schemeClr val="accent1"/>
+          </a:effectRef>
+          <a:fontRef idx="minor">
+            <a:schemeClr val="tx1"/>
+          </a:fontRef>
+        </p:style>
+      </p:cxnSp>
+      <p:cxnSp>
+        <p:nvCxnSpPr>
+          <p:cNvPr id="63" name="Conector recto 62">
+            <a:extLst>
+              <a:ext uri="{FF2B5EF4-FFF2-40B4-BE49-F238E27FC236}">
+                <a16:creationId xmlns:a16="http://schemas.microsoft.com/office/drawing/2014/main" id="{11B40830-CC92-4716-ADB5-9BD9C523701B}"/>
+              </a:ext>
+            </a:extLst>
+          </p:cNvPr>
+          <p:cNvCxnSpPr>
+            <a:cxnSpLocks/>
+          </p:cNvCxnSpPr>
+          <p:nvPr/>
+        </p:nvCxnSpPr>
+        <p:spPr>
+          <a:xfrm flipV="1">
+            <a:off x="6403174" y="2037582"/>
+            <a:ext cx="383845" cy="1473840"/>
+          </a:xfrm>
+          <a:prstGeom prst="line">
+            <a:avLst/>
+          </a:prstGeom>
+          <a:ln w="38100">
+            <a:solidFill>
+              <a:schemeClr val="tx1"/>
+            </a:solidFill>
+          </a:ln>
+        </p:spPr>
+        <p:style>
+          <a:lnRef idx="1">
+            <a:schemeClr val="accent1"/>
+          </a:lnRef>
+          <a:fillRef idx="0">
+            <a:schemeClr val="accent1"/>
+          </a:fillRef>
+          <a:effectRef idx="0">
+            <a:schemeClr val="accent1"/>
+          </a:effectRef>
+          <a:fontRef idx="minor">
+            <a:schemeClr val="tx1"/>
+          </a:fontRef>
+        </p:style>
+      </p:cxnSp>
+      <p:sp>
+        <p:nvSpPr>
+          <p:cNvPr id="69" name="Rectángulo 68">
+            <a:extLst>
+              <a:ext uri="{FF2B5EF4-FFF2-40B4-BE49-F238E27FC236}">
+                <a16:creationId xmlns:a16="http://schemas.microsoft.com/office/drawing/2014/main" id="{7E0DB1AE-E709-48EC-BF45-DACD1F722849}"/>
+              </a:ext>
+            </a:extLst>
+          </p:cNvPr>
+          <p:cNvSpPr/>
+          <p:nvPr/>
+        </p:nvSpPr>
+        <p:spPr>
+          <a:xfrm>
+            <a:off x="9546908" y="3127096"/>
+            <a:ext cx="2413931" cy="432000"/>
+          </a:xfrm>
+          <a:prstGeom prst="rect">
+            <a:avLst/>
+          </a:prstGeom>
+          <a:noFill/>
+          <a:ln w="38100">
+            <a:solidFill>
+              <a:schemeClr val="tx1"/>
+            </a:solidFill>
+          </a:ln>
+        </p:spPr>
+        <p:style>
+          <a:lnRef idx="2">
+            <a:schemeClr val="accent1">
+              <a:shade val="50000"/>
+            </a:schemeClr>
+          </a:lnRef>
+          <a:fillRef idx="1">
+            <a:schemeClr val="accent1"/>
+          </a:fillRef>
+          <a:effectRef idx="0">
+            <a:schemeClr val="accent1"/>
+          </a:effectRef>
+          <a:fontRef idx="minor">
+            <a:schemeClr val="lt1"/>
+          </a:fontRef>
+        </p:style>
+        <p:txBody>
+          <a:bodyPr rtlCol="0" anchor="ctr"/>
+          <a:lstStyle/>
+          <a:p>
+            <a:pPr algn="ctr"/>
+            <a:r>
+              <a:rPr lang="es-MX" dirty="0" err="1">
+                <a:solidFill>
+                  <a:schemeClr val="tx1"/>
+                </a:solidFill>
+              </a:rPr>
+              <a:t>callback</a:t>
+            </a:r>
+            <a:endParaRPr lang="es-MX" dirty="0">
+              <a:solidFill>
+                <a:schemeClr val="tx1"/>
+              </a:solidFill>
+            </a:endParaRPr>
+          </a:p>
+        </p:txBody>
+      </p:sp>
+      <p:sp>
+        <p:nvSpPr>
+          <p:cNvPr id="70" name="Rectángulo 69">
+            <a:extLst>
+              <a:ext uri="{FF2B5EF4-FFF2-40B4-BE49-F238E27FC236}">
+                <a16:creationId xmlns:a16="http://schemas.microsoft.com/office/drawing/2014/main" id="{B8CCFE0C-31A0-49D3-A8FB-95FF103D137E}"/>
+              </a:ext>
+            </a:extLst>
+          </p:cNvPr>
+          <p:cNvSpPr/>
+          <p:nvPr/>
+        </p:nvSpPr>
+        <p:spPr>
+          <a:xfrm>
+            <a:off x="301653" y="5287567"/>
+            <a:ext cx="4277809" cy="399435"/>
+          </a:xfrm>
+          <a:prstGeom prst="rect">
+            <a:avLst/>
+          </a:prstGeom>
+          <a:noFill/>
+          <a:ln w="38100">
+            <a:solidFill>
+              <a:schemeClr val="tx1"/>
+            </a:solidFill>
+          </a:ln>
+        </p:spPr>
+        <p:style>
+          <a:lnRef idx="2">
+            <a:schemeClr val="accent1">
+              <a:shade val="50000"/>
+            </a:schemeClr>
+          </a:lnRef>
+          <a:fillRef idx="1">
+            <a:schemeClr val="accent1"/>
+          </a:fillRef>
+          <a:effectRef idx="0">
+            <a:schemeClr val="accent1"/>
+          </a:effectRef>
+          <a:fontRef idx="minor">
+            <a:schemeClr val="lt1"/>
+          </a:fontRef>
+        </p:style>
+        <p:txBody>
+          <a:bodyPr rtlCol="0" anchor="ctr"/>
+          <a:lstStyle/>
+          <a:p>
+            <a:pPr algn="ctr"/>
+            <a:r>
+              <a:rPr lang="es-MX" dirty="0" err="1">
+                <a:solidFill>
+                  <a:schemeClr val="tx1"/>
+                </a:solidFill>
+              </a:rPr>
+              <a:t>imprimir_medicion_y_tiempo_en_micros</a:t>
+            </a:r>
+            <a:endParaRPr lang="es-MX" dirty="0">
+              <a:solidFill>
+                <a:schemeClr val="tx1"/>
+              </a:solidFill>
+            </a:endParaRPr>
+          </a:p>
+        </p:txBody>
+      </p:sp>
+      <p:sp>
+        <p:nvSpPr>
+          <p:cNvPr id="71" name="Rectángulo 70">
+            <a:extLst>
+              <a:ext uri="{FF2B5EF4-FFF2-40B4-BE49-F238E27FC236}">
+                <a16:creationId xmlns:a16="http://schemas.microsoft.com/office/drawing/2014/main" id="{093FB94B-BD4D-4F5C-BE77-5E2841CCB666}"/>
+              </a:ext>
+            </a:extLst>
+          </p:cNvPr>
+          <p:cNvSpPr/>
+          <p:nvPr/>
+        </p:nvSpPr>
+        <p:spPr>
+          <a:xfrm>
+            <a:off x="301653" y="5849262"/>
+            <a:ext cx="4277809" cy="399435"/>
+          </a:xfrm>
+          <a:prstGeom prst="rect">
+            <a:avLst/>
+          </a:prstGeom>
+          <a:noFill/>
+          <a:ln w="38100">
+            <a:solidFill>
+              <a:schemeClr val="tx1"/>
+            </a:solidFill>
+          </a:ln>
+        </p:spPr>
+        <p:style>
+          <a:lnRef idx="2">
+            <a:schemeClr val="accent1">
+              <a:shade val="50000"/>
+            </a:schemeClr>
+          </a:lnRef>
+          <a:fillRef idx="1">
+            <a:schemeClr val="accent1"/>
+          </a:fillRef>
+          <a:effectRef idx="0">
+            <a:schemeClr val="accent1"/>
+          </a:effectRef>
+          <a:fontRef idx="minor">
+            <a:schemeClr val="lt1"/>
+          </a:fontRef>
+        </p:style>
+        <p:txBody>
+          <a:bodyPr rtlCol="0" anchor="ctr"/>
+          <a:lstStyle/>
+          <a:p>
+            <a:pPr algn="ctr"/>
+            <a:r>
+              <a:rPr lang="es-MX" dirty="0" err="1">
+                <a:solidFill>
+                  <a:schemeClr val="tx1"/>
+                </a:solidFill>
+              </a:rPr>
+              <a:t>imprimir_ejecuciones_por_segundo</a:t>
+            </a:r>
+            <a:endParaRPr lang="es-MX" dirty="0">
+              <a:solidFill>
+                <a:schemeClr val="tx1"/>
+              </a:solidFill>
+            </a:endParaRPr>
+          </a:p>
+        </p:txBody>
+      </p:sp>
+      <p:sp>
+        <p:nvSpPr>
+          <p:cNvPr id="72" name="Rectángulo 71">
+            <a:extLst>
+              <a:ext uri="{FF2B5EF4-FFF2-40B4-BE49-F238E27FC236}">
+                <a16:creationId xmlns:a16="http://schemas.microsoft.com/office/drawing/2014/main" id="{88D32D69-CFDA-42BC-9D94-BD164B13E4E8}"/>
+              </a:ext>
+            </a:extLst>
+          </p:cNvPr>
+          <p:cNvSpPr/>
+          <p:nvPr/>
+        </p:nvSpPr>
+        <p:spPr>
+          <a:xfrm>
+            <a:off x="9584891" y="6140258"/>
+            <a:ext cx="2413931" cy="432000"/>
+          </a:xfrm>
+          <a:prstGeom prst="rect">
+            <a:avLst/>
+          </a:prstGeom>
+          <a:noFill/>
+          <a:ln w="38100">
+            <a:solidFill>
+              <a:schemeClr val="tx1"/>
+            </a:solidFill>
+          </a:ln>
+        </p:spPr>
+        <p:style>
+          <a:lnRef idx="2">
+            <a:schemeClr val="accent1">
+              <a:shade val="50000"/>
+            </a:schemeClr>
+          </a:lnRef>
+          <a:fillRef idx="1">
+            <a:schemeClr val="accent1"/>
+          </a:fillRef>
+          <a:effectRef idx="0">
+            <a:schemeClr val="accent1"/>
+          </a:effectRef>
+          <a:fontRef idx="minor">
+            <a:schemeClr val="lt1"/>
+          </a:fontRef>
+        </p:style>
+        <p:txBody>
+          <a:bodyPr rtlCol="0" anchor="ctr"/>
+          <a:lstStyle/>
+          <a:p>
+            <a:pPr algn="ctr"/>
+            <a:r>
+              <a:rPr lang="es-MX" dirty="0" err="1">
+                <a:solidFill>
+                  <a:schemeClr val="tx1"/>
+                </a:solidFill>
+              </a:rPr>
+              <a:t>reconnect</a:t>
+            </a:r>
+            <a:endParaRPr lang="es-MX" dirty="0">
+              <a:solidFill>
+                <a:schemeClr val="tx1"/>
+              </a:solidFill>
+            </a:endParaRPr>
+          </a:p>
+        </p:txBody>
+      </p:sp>
+      <p:sp>
+        <p:nvSpPr>
+          <p:cNvPr id="73" name="Rectángulo 72">
+            <a:extLst>
+              <a:ext uri="{FF2B5EF4-FFF2-40B4-BE49-F238E27FC236}">
+                <a16:creationId xmlns:a16="http://schemas.microsoft.com/office/drawing/2014/main" id="{DE847389-1FF7-4079-9284-EDFE995F7450}"/>
+              </a:ext>
+            </a:extLst>
+          </p:cNvPr>
+          <p:cNvSpPr/>
+          <p:nvPr/>
+        </p:nvSpPr>
+        <p:spPr>
+          <a:xfrm>
+            <a:off x="301652" y="6385286"/>
+            <a:ext cx="4277809" cy="399435"/>
+          </a:xfrm>
+          <a:prstGeom prst="rect">
+            <a:avLst/>
+          </a:prstGeom>
+          <a:noFill/>
+          <a:ln w="38100">
+            <a:solidFill>
+              <a:schemeClr val="tx1"/>
+            </a:solidFill>
+          </a:ln>
+        </p:spPr>
+        <p:style>
+          <a:lnRef idx="2">
+            <a:schemeClr val="accent1">
+              <a:shade val="50000"/>
+            </a:schemeClr>
+          </a:lnRef>
+          <a:fillRef idx="1">
+            <a:schemeClr val="accent1"/>
+          </a:fillRef>
+          <a:effectRef idx="0">
+            <a:schemeClr val="accent1"/>
+          </a:effectRef>
+          <a:fontRef idx="minor">
+            <a:schemeClr val="lt1"/>
+          </a:fontRef>
+        </p:style>
+        <p:txBody>
+          <a:bodyPr rtlCol="0" anchor="ctr"/>
+          <a:lstStyle/>
+          <a:p>
+            <a:pPr algn="ctr"/>
+            <a:r>
+              <a:rPr lang="es-MX" dirty="0" err="1">
+                <a:solidFill>
+                  <a:schemeClr val="tx1"/>
+                </a:solidFill>
+              </a:rPr>
+              <a:t>imprimir_parametros</a:t>
+            </a:r>
+            <a:endParaRPr lang="es-MX" dirty="0">
+              <a:solidFill>
+                <a:schemeClr val="tx1"/>
+              </a:solidFill>
+            </a:endParaRPr>
+          </a:p>
+        </p:txBody>
+      </p:sp>
+      <p:sp>
+        <p:nvSpPr>
+          <p:cNvPr id="75" name="Rectángulo 74">
+            <a:extLst>
+              <a:ext uri="{FF2B5EF4-FFF2-40B4-BE49-F238E27FC236}">
+                <a16:creationId xmlns:a16="http://schemas.microsoft.com/office/drawing/2014/main" id="{573A6E5F-EC4D-4C66-AA08-641813FABD31}"/>
+              </a:ext>
+            </a:extLst>
+          </p:cNvPr>
+          <p:cNvSpPr/>
+          <p:nvPr/>
+        </p:nvSpPr>
+        <p:spPr>
+          <a:xfrm>
+            <a:off x="9546908" y="2133228"/>
+            <a:ext cx="2522406" cy="938467"/>
+          </a:xfrm>
+          <a:prstGeom prst="rect">
+            <a:avLst/>
+          </a:prstGeom>
+          <a:noFill/>
+          <a:ln w="38100">
+            <a:noFill/>
+          </a:ln>
+        </p:spPr>
+        <p:style>
+          <a:lnRef idx="2">
+            <a:schemeClr val="accent1">
+              <a:shade val="50000"/>
+            </a:schemeClr>
+          </a:lnRef>
+          <a:fillRef idx="1">
+            <a:schemeClr val="accent1"/>
+          </a:fillRef>
+          <a:effectRef idx="0">
+            <a:schemeClr val="accent1"/>
+          </a:effectRef>
+          <a:fontRef idx="minor">
+            <a:schemeClr val="lt1"/>
+          </a:fontRef>
+        </p:style>
+        <p:txBody>
+          <a:bodyPr rtlCol="0" anchor="ctr"/>
+          <a:lstStyle/>
+          <a:p>
+            <a:pPr algn="ctr"/>
+            <a:r>
+              <a:rPr lang="es-MX" dirty="0">
+                <a:solidFill>
+                  <a:schemeClr val="tx1"/>
+                </a:solidFill>
+              </a:rPr>
+              <a:t>Subrutina para recibir datos por MQTT</a:t>
+            </a:r>
+          </a:p>
+          <a:p>
+            <a:pPr algn="ctr"/>
+            <a:r>
+              <a:rPr lang="es-MX" dirty="0">
+                <a:solidFill>
+                  <a:schemeClr val="tx1"/>
+                </a:solidFill>
+              </a:rPr>
+              <a:t>(por si se requiere)</a:t>
+            </a:r>
+          </a:p>
+        </p:txBody>
+      </p:sp>
+      <p:cxnSp>
+        <p:nvCxnSpPr>
+          <p:cNvPr id="76" name="Conector recto 75">
+            <a:extLst>
+              <a:ext uri="{FF2B5EF4-FFF2-40B4-BE49-F238E27FC236}">
+                <a16:creationId xmlns:a16="http://schemas.microsoft.com/office/drawing/2014/main" id="{1A2F7C24-1778-48ED-B682-ECEBEABB4EC0}"/>
+              </a:ext>
+            </a:extLst>
+          </p:cNvPr>
+          <p:cNvCxnSpPr>
+            <a:cxnSpLocks/>
+            <a:stCxn id="7" idx="3"/>
+            <a:endCxn id="72" idx="1"/>
+          </p:cNvCxnSpPr>
+          <p:nvPr/>
+        </p:nvCxnSpPr>
+        <p:spPr>
+          <a:xfrm>
+            <a:off x="8632678" y="6356080"/>
+            <a:ext cx="952213" cy="178"/>
+          </a:xfrm>
+          <a:prstGeom prst="line">
+            <a:avLst/>
+          </a:prstGeom>
+          <a:ln w="38100">
+            <a:solidFill>
+              <a:schemeClr val="tx1"/>
+            </a:solidFill>
+          </a:ln>
+        </p:spPr>
+        <p:style>
+          <a:lnRef idx="1">
+            <a:schemeClr val="accent1"/>
+          </a:lnRef>
+          <a:fillRef idx="0">
+            <a:schemeClr val="accent1"/>
+          </a:fillRef>
+          <a:effectRef idx="0">
+            <a:schemeClr val="accent1"/>
+          </a:effectRef>
+          <a:fontRef idx="minor">
+            <a:schemeClr val="tx1"/>
+          </a:fontRef>
+        </p:style>
+      </p:cxnSp>
+      <p:sp>
+        <p:nvSpPr>
+          <p:cNvPr id="81" name="Rectángulo 80">
+            <a:extLst>
+              <a:ext uri="{FF2B5EF4-FFF2-40B4-BE49-F238E27FC236}">
+                <a16:creationId xmlns:a16="http://schemas.microsoft.com/office/drawing/2014/main" id="{11823F11-F4E1-44CE-AF12-8E91BD6F7F3B}"/>
+              </a:ext>
+            </a:extLst>
+          </p:cNvPr>
+          <p:cNvSpPr/>
+          <p:nvPr/>
+        </p:nvSpPr>
+        <p:spPr>
+          <a:xfrm>
+            <a:off x="460093" y="4603247"/>
+            <a:ext cx="4064145" cy="561923"/>
+          </a:xfrm>
+          <a:prstGeom prst="rect">
+            <a:avLst/>
+          </a:prstGeom>
+          <a:noFill/>
+          <a:ln w="38100">
+            <a:noFill/>
+          </a:ln>
+        </p:spPr>
+        <p:style>
+          <a:lnRef idx="2">
+            <a:schemeClr val="accent1">
+              <a:shade val="50000"/>
+            </a:schemeClr>
+          </a:lnRef>
+          <a:fillRef idx="1">
+            <a:schemeClr val="accent1"/>
+          </a:fillRef>
+          <a:effectRef idx="0">
+            <a:schemeClr val="accent1"/>
+          </a:effectRef>
+          <a:fontRef idx="minor">
+            <a:schemeClr val="lt1"/>
+          </a:fontRef>
+        </p:style>
+        <p:txBody>
+          <a:bodyPr rtlCol="0" anchor="ctr"/>
+          <a:lstStyle/>
+          <a:p>
+            <a:pPr algn="ctr"/>
+            <a:r>
+              <a:rPr lang="es-MX" dirty="0">
+                <a:solidFill>
+                  <a:schemeClr val="tx1"/>
+                </a:solidFill>
+              </a:rPr>
+              <a:t>Subrutinas de impresión a monitor serial</a:t>
+            </a:r>
+          </a:p>
+          <a:p>
+            <a:pPr algn="ctr"/>
+            <a:r>
+              <a:rPr lang="es-MX" dirty="0">
+                <a:solidFill>
+                  <a:schemeClr val="tx1"/>
+                </a:solidFill>
+              </a:rPr>
+              <a:t>(para depuración)</a:t>
+            </a:r>
+          </a:p>
+        </p:txBody>
+      </p:sp>
+      <p:sp>
+        <p:nvSpPr>
+          <p:cNvPr id="82" name="Rectángulo 81">
+            <a:extLst>
+              <a:ext uri="{FF2B5EF4-FFF2-40B4-BE49-F238E27FC236}">
+                <a16:creationId xmlns:a16="http://schemas.microsoft.com/office/drawing/2014/main" id="{86F56113-D095-4459-A18B-6B11893E854D}"/>
+              </a:ext>
+            </a:extLst>
+          </p:cNvPr>
+          <p:cNvSpPr/>
+          <p:nvPr/>
+        </p:nvSpPr>
+        <p:spPr>
+          <a:xfrm>
+            <a:off x="9584891" y="129843"/>
+            <a:ext cx="2522406" cy="1228689"/>
+          </a:xfrm>
+          <a:prstGeom prst="rect">
+            <a:avLst/>
+          </a:prstGeom>
+          <a:noFill/>
+          <a:ln w="38100">
+            <a:noFill/>
+          </a:ln>
+        </p:spPr>
+        <p:style>
+          <a:lnRef idx="2">
+            <a:schemeClr val="accent1">
+              <a:shade val="50000"/>
+            </a:schemeClr>
+          </a:lnRef>
+          <a:fillRef idx="1">
+            <a:schemeClr val="accent1"/>
+          </a:fillRef>
+          <a:effectRef idx="0">
+            <a:schemeClr val="accent1"/>
+          </a:effectRef>
+          <a:fontRef idx="minor">
+            <a:schemeClr val="lt1"/>
+          </a:fontRef>
+        </p:style>
+        <p:txBody>
+          <a:bodyPr rtlCol="0" anchor="ctr"/>
+          <a:lstStyle/>
+          <a:p>
+            <a:pPr algn="ctr"/>
+            <a:r>
+              <a:rPr lang="es-MX" dirty="0">
+                <a:solidFill>
+                  <a:schemeClr val="tx1"/>
+                </a:solidFill>
+              </a:rPr>
+              <a:t>Librerías utilizadas</a:t>
+            </a:r>
+          </a:p>
+          <a:p>
+            <a:pPr algn="ctr"/>
+            <a:r>
+              <a:rPr lang="es-MX" dirty="0" err="1">
+                <a:solidFill>
+                  <a:schemeClr val="tx1"/>
+                </a:solidFill>
+              </a:rPr>
+              <a:t>Wire.h</a:t>
+            </a:r>
+            <a:endParaRPr lang="es-MX" dirty="0">
+              <a:solidFill>
+                <a:schemeClr val="tx1"/>
+              </a:solidFill>
+            </a:endParaRPr>
+          </a:p>
+          <a:p>
+            <a:pPr algn="ctr"/>
+            <a:r>
+              <a:rPr lang="es-MX" dirty="0">
+                <a:solidFill>
+                  <a:schemeClr val="tx1"/>
+                </a:solidFill>
+              </a:rPr>
+              <a:t>ESP8266WiFi.h</a:t>
+            </a:r>
+          </a:p>
+          <a:p>
+            <a:pPr algn="ctr"/>
+            <a:r>
+              <a:rPr lang="es-MX" dirty="0" err="1">
+                <a:solidFill>
+                  <a:schemeClr val="tx1"/>
+                </a:solidFill>
+              </a:rPr>
+              <a:t>PubSubClient.h</a:t>
+            </a:r>
+            <a:endParaRPr lang="es-MX" dirty="0">
+              <a:solidFill>
+                <a:schemeClr val="tx1"/>
+              </a:solidFill>
+            </a:endParaRPr>
+          </a:p>
+        </p:txBody>
+      </p:sp>
     </p:spTree>
     <p:extLst>
       <p:ext uri="{BB962C8B-B14F-4D97-AF65-F5344CB8AC3E}">
-        <p14:creationId xmlns:p14="http://schemas.microsoft.com/office/powerpoint/2010/main" val="937427710"/>
+        <p14:creationId xmlns:p14="http://schemas.microsoft.com/office/powerpoint/2010/main" val="1735777971"/>
+      </p:ext>
+    </p:extLst>
+  </p:cSld>
+  <p:clrMapOvr>
+    <a:masterClrMapping/>
+  </p:clrMapOvr>
+</p:sld>
+</file>
+
+<file path=ppt/slides/slide16.xml><?xml version="1.0" encoding="utf-8"?>
+<p:sld xmlns:a="http://schemas.openxmlformats.org/drawingml/2006/main" xmlns:r="http://schemas.openxmlformats.org/officeDocument/2006/relationships" xmlns:p="http://schemas.openxmlformats.org/presentationml/2006/main">
+  <p:cSld>
+    <p:spTree>
+      <p:nvGrpSpPr>
+        <p:cNvPr id="1" name=""/>
+        <p:cNvGrpSpPr/>
+        <p:nvPr/>
+      </p:nvGrpSpPr>
+      <p:grpSpPr>
+        <a:xfrm>
+          <a:off x="0" y="0"/>
+          <a:ext cx="0" cy="0"/>
+          <a:chOff x="0" y="0"/>
+          <a:chExt cx="0" cy="0"/>
+        </a:xfrm>
+      </p:grpSpPr>
+      <p:sp>
+        <p:nvSpPr>
+          <p:cNvPr id="2" name="CuadroTexto 1">
+            <a:extLst>
+              <a:ext uri="{FF2B5EF4-FFF2-40B4-BE49-F238E27FC236}">
+                <a16:creationId xmlns:a16="http://schemas.microsoft.com/office/drawing/2014/main" id="{3C090F02-2CD0-4F4A-86C8-8E7C7F5C76FD}"/>
+              </a:ext>
+            </a:extLst>
+          </p:cNvPr>
+          <p:cNvSpPr txBox="1"/>
+          <p:nvPr/>
+        </p:nvSpPr>
+        <p:spPr>
+          <a:xfrm>
+            <a:off x="1342571" y="285920"/>
+            <a:ext cx="9506857" cy="523220"/>
+          </a:xfrm>
+          <a:prstGeom prst="rect">
+            <a:avLst/>
+          </a:prstGeom>
+          <a:noFill/>
+        </p:spPr>
+        <p:txBody>
+          <a:bodyPr wrap="square" rtlCol="0">
+            <a:spAutoFit/>
+          </a:bodyPr>
+          <a:lstStyle/>
+          <a:p>
+            <a:pPr algn="ctr"/>
+            <a:r>
+              <a:rPr lang="es-MX" sz="2800" dirty="0">
+                <a:solidFill>
+                  <a:schemeClr val="tx1"/>
+                </a:solidFill>
+              </a:rPr>
+              <a:t>Problemas por resolver</a:t>
+            </a:r>
+          </a:p>
+        </p:txBody>
+      </p:sp>
+      <p:sp>
+        <p:nvSpPr>
+          <p:cNvPr id="3" name="CuadroTexto 2">
+            <a:extLst>
+              <a:ext uri="{FF2B5EF4-FFF2-40B4-BE49-F238E27FC236}">
+                <a16:creationId xmlns:a16="http://schemas.microsoft.com/office/drawing/2014/main" id="{C5379E22-82F5-4ABC-9027-8004F600A841}"/>
+              </a:ext>
+            </a:extLst>
+          </p:cNvPr>
+          <p:cNvSpPr txBox="1"/>
+          <p:nvPr/>
+        </p:nvSpPr>
+        <p:spPr>
+          <a:xfrm>
+            <a:off x="388076" y="809140"/>
+            <a:ext cx="10743750" cy="2585323"/>
+          </a:xfrm>
+          <a:prstGeom prst="rect">
+            <a:avLst/>
+          </a:prstGeom>
+          <a:noFill/>
+        </p:spPr>
+        <p:txBody>
+          <a:bodyPr wrap="square" rtlCol="0">
+            <a:spAutoFit/>
+          </a:bodyPr>
+          <a:lstStyle/>
+          <a:p>
+            <a:pPr marL="342900" indent="-342900">
+              <a:buFont typeface="+mj-lt"/>
+              <a:buAutoNum type="arabicPeriod"/>
+            </a:pPr>
+            <a:endParaRPr lang="es-MX" dirty="0"/>
+          </a:p>
+          <a:p>
+            <a:pPr marL="342900" indent="-342900">
+              <a:buFont typeface="+mj-lt"/>
+              <a:buAutoNum type="arabicPeriod"/>
+            </a:pPr>
+            <a:r>
+              <a:rPr lang="es-MX" dirty="0"/>
+              <a:t>Por cuestiones de tiempo de muestreo, es menos exacta la medición si se miden varios dispositivos. (Escalabilidad del proyecto)</a:t>
+            </a:r>
+          </a:p>
+          <a:p>
+            <a:pPr marL="800100" lvl="1" indent="-342900">
+              <a:buFont typeface="+mj-lt"/>
+              <a:buAutoNum type="alphaLcParenR"/>
+            </a:pPr>
+            <a:r>
+              <a:rPr lang="es-MX" dirty="0"/>
+              <a:t>Una posible solución es medir la potencia del conjunto de dispositivos (ya no sería uno por uno). </a:t>
+            </a:r>
+          </a:p>
+          <a:p>
+            <a:pPr marL="800100" lvl="1" indent="-342900">
+              <a:buFont typeface="+mj-lt"/>
+              <a:buAutoNum type="alphaLcParenR"/>
+            </a:pPr>
+            <a:endParaRPr lang="es-MX" dirty="0"/>
+          </a:p>
+          <a:p>
+            <a:pPr marL="342900" indent="-342900">
+              <a:buFont typeface="+mj-lt"/>
+              <a:buAutoNum type="arabicPeriod"/>
+            </a:pPr>
+            <a:r>
+              <a:rPr lang="es-MX" dirty="0"/>
+              <a:t>Al utilizar el </a:t>
+            </a:r>
+            <a:r>
+              <a:rPr lang="es-MX" dirty="0" err="1"/>
+              <a:t>WiFi</a:t>
+            </a:r>
+            <a:r>
+              <a:rPr lang="es-MX" dirty="0"/>
+              <a:t> del ESP01 para enviar datos por MQTT, hay interferencia electromagnética en las mediciones de voltaje, afectando la medición de potencia. (La medición de corriente no se ve afectada por el </a:t>
+            </a:r>
+            <a:r>
+              <a:rPr lang="es-MX" dirty="0" err="1"/>
+              <a:t>WiFi</a:t>
+            </a:r>
+            <a:r>
+              <a:rPr lang="es-MX" dirty="0"/>
+              <a:t>)</a:t>
+            </a:r>
+          </a:p>
+          <a:p>
+            <a:pPr marL="800100" lvl="1" indent="-342900">
+              <a:buFont typeface="+mj-lt"/>
+              <a:buAutoNum type="alphaLcParenR"/>
+            </a:pPr>
+            <a:r>
+              <a:rPr lang="es-MX" dirty="0"/>
+              <a:t>Posible solución por hardware: Blindar el sensor de voltaje con respecto al módulo </a:t>
+            </a:r>
+            <a:r>
+              <a:rPr lang="es-MX" dirty="0" err="1"/>
+              <a:t>WiFi</a:t>
+            </a:r>
+            <a:r>
+              <a:rPr lang="es-MX" dirty="0"/>
+              <a:t> del ESP01. </a:t>
+            </a:r>
+          </a:p>
+          <a:p>
+            <a:pPr marL="800100" lvl="1" indent="-342900">
+              <a:buFont typeface="+mj-lt"/>
+              <a:buAutoNum type="alphaLcParenR"/>
+            </a:pPr>
+            <a:r>
+              <a:rPr lang="es-MX" dirty="0"/>
+              <a:t>Posible solución por software: Aplicar filtros digitales a la señal de voltaje. </a:t>
+            </a:r>
+          </a:p>
+        </p:txBody>
+      </p:sp>
+    </p:spTree>
+    <p:extLst>
+      <p:ext uri="{BB962C8B-B14F-4D97-AF65-F5344CB8AC3E}">
+        <p14:creationId xmlns:p14="http://schemas.microsoft.com/office/powerpoint/2010/main" val="3218080456"/>
       </p:ext>
     </p:extLst>
   </p:cSld>
@@ -11825,6 +14224,276 @@
           </a:p>
         </p:txBody>
       </p:sp>
+      <p:sp>
+        <p:nvSpPr>
+          <p:cNvPr id="17" name="Rectángulo 16">
+            <a:extLst>
+              <a:ext uri="{FF2B5EF4-FFF2-40B4-BE49-F238E27FC236}">
+                <a16:creationId xmlns:a16="http://schemas.microsoft.com/office/drawing/2014/main" id="{DC3316C7-462B-417E-8F35-111866AEDC56}"/>
+              </a:ext>
+            </a:extLst>
+          </p:cNvPr>
+          <p:cNvSpPr/>
+          <p:nvPr/>
+        </p:nvSpPr>
+        <p:spPr>
+          <a:xfrm>
+            <a:off x="-117237" y="1836541"/>
+            <a:ext cx="1188732" cy="421911"/>
+          </a:xfrm>
+          <a:prstGeom prst="rect">
+            <a:avLst/>
+          </a:prstGeom>
+          <a:noFill/>
+          <a:ln w="38100">
+            <a:noFill/>
+          </a:ln>
+        </p:spPr>
+        <p:style>
+          <a:lnRef idx="2">
+            <a:schemeClr val="accent1">
+              <a:shade val="50000"/>
+            </a:schemeClr>
+          </a:lnRef>
+          <a:fillRef idx="1">
+            <a:schemeClr val="accent1"/>
+          </a:fillRef>
+          <a:effectRef idx="0">
+            <a:schemeClr val="accent1"/>
+          </a:effectRef>
+          <a:fontRef idx="minor">
+            <a:schemeClr val="lt1"/>
+          </a:fontRef>
+        </p:style>
+        <p:txBody>
+          <a:bodyPr rtlCol="0" anchor="ctr"/>
+          <a:lstStyle/>
+          <a:p>
+            <a:pPr algn="ctr"/>
+            <a:r>
+              <a:rPr lang="es-MX" dirty="0">
+                <a:solidFill>
+                  <a:schemeClr val="tx1"/>
+                </a:solidFill>
+              </a:rPr>
+              <a:t>120 Vmrs</a:t>
+            </a:r>
+          </a:p>
+        </p:txBody>
+      </p:sp>
+      <p:sp>
+        <p:nvSpPr>
+          <p:cNvPr id="18" name="Rectángulo 17">
+            <a:extLst>
+              <a:ext uri="{FF2B5EF4-FFF2-40B4-BE49-F238E27FC236}">
+                <a16:creationId xmlns:a16="http://schemas.microsoft.com/office/drawing/2014/main" id="{E2CFA75D-4E8D-4E6C-B1DF-73F5F2E786D7}"/>
+              </a:ext>
+            </a:extLst>
+          </p:cNvPr>
+          <p:cNvSpPr/>
+          <p:nvPr/>
+        </p:nvSpPr>
+        <p:spPr>
+          <a:xfrm>
+            <a:off x="9909111" y="3259624"/>
+            <a:ext cx="2312730" cy="950278"/>
+          </a:xfrm>
+          <a:prstGeom prst="rect">
+            <a:avLst/>
+          </a:prstGeom>
+          <a:noFill/>
+          <a:ln w="38100">
+            <a:noFill/>
+          </a:ln>
+        </p:spPr>
+        <p:style>
+          <a:lnRef idx="2">
+            <a:schemeClr val="accent1">
+              <a:shade val="50000"/>
+            </a:schemeClr>
+          </a:lnRef>
+          <a:fillRef idx="1">
+            <a:schemeClr val="accent1"/>
+          </a:fillRef>
+          <a:effectRef idx="0">
+            <a:schemeClr val="accent1"/>
+          </a:effectRef>
+          <a:fontRef idx="minor">
+            <a:schemeClr val="lt1"/>
+          </a:fontRef>
+        </p:style>
+        <p:txBody>
+          <a:bodyPr rtlCol="0" anchor="ctr"/>
+          <a:lstStyle/>
+          <a:p>
+            <a:pPr algn="ctr"/>
+            <a:r>
+              <a:rPr lang="es-MX" dirty="0">
+                <a:solidFill>
+                  <a:schemeClr val="tx1"/>
+                </a:solidFill>
+              </a:rPr>
+              <a:t>ESP32 CAM</a:t>
+            </a:r>
+          </a:p>
+          <a:p>
+            <a:pPr algn="ctr"/>
+            <a:r>
+              <a:rPr lang="es-MX" dirty="0">
+                <a:solidFill>
+                  <a:schemeClr val="tx1"/>
+                </a:solidFill>
+              </a:rPr>
+              <a:t>ESP01</a:t>
+            </a:r>
+          </a:p>
+          <a:p>
+            <a:pPr algn="ctr"/>
+            <a:r>
+              <a:rPr lang="es-MX" dirty="0">
+                <a:solidFill>
+                  <a:schemeClr val="tx1"/>
+                </a:solidFill>
+              </a:rPr>
+              <a:t>Otros dispositivos</a:t>
+            </a:r>
+          </a:p>
+        </p:txBody>
+      </p:sp>
+      <p:cxnSp>
+        <p:nvCxnSpPr>
+          <p:cNvPr id="19" name="Conector recto de flecha 18">
+            <a:extLst>
+              <a:ext uri="{FF2B5EF4-FFF2-40B4-BE49-F238E27FC236}">
+                <a16:creationId xmlns:a16="http://schemas.microsoft.com/office/drawing/2014/main" id="{D659A71C-6034-4C7B-BC1C-F2FD5A9EEA04}"/>
+              </a:ext>
+            </a:extLst>
+          </p:cNvPr>
+          <p:cNvCxnSpPr>
+            <a:cxnSpLocks/>
+            <a:stCxn id="13" idx="2"/>
+          </p:cNvCxnSpPr>
+          <p:nvPr/>
+        </p:nvCxnSpPr>
+        <p:spPr>
+          <a:xfrm>
+            <a:off x="9695299" y="2885272"/>
+            <a:ext cx="349849" cy="575208"/>
+          </a:xfrm>
+          <a:prstGeom prst="straightConnector1">
+            <a:avLst/>
+          </a:prstGeom>
+          <a:ln w="25400">
+            <a:solidFill>
+              <a:schemeClr val="tx1"/>
+            </a:solidFill>
+            <a:tailEnd type="triangle"/>
+          </a:ln>
+        </p:spPr>
+        <p:style>
+          <a:lnRef idx="1">
+            <a:schemeClr val="accent1"/>
+          </a:lnRef>
+          <a:fillRef idx="0">
+            <a:schemeClr val="accent1"/>
+          </a:fillRef>
+          <a:effectRef idx="0">
+            <a:schemeClr val="accent1"/>
+          </a:effectRef>
+          <a:fontRef idx="minor">
+            <a:schemeClr val="tx1"/>
+          </a:fontRef>
+        </p:style>
+      </p:cxnSp>
+      <p:cxnSp>
+        <p:nvCxnSpPr>
+          <p:cNvPr id="21" name="Conector recto de flecha 20">
+            <a:extLst>
+              <a:ext uri="{FF2B5EF4-FFF2-40B4-BE49-F238E27FC236}">
+                <a16:creationId xmlns:a16="http://schemas.microsoft.com/office/drawing/2014/main" id="{91E23CDB-3DF1-4A67-AB93-16C6BA592BDE}"/>
+              </a:ext>
+            </a:extLst>
+          </p:cNvPr>
+          <p:cNvCxnSpPr>
+            <a:cxnSpLocks/>
+            <a:stCxn id="16" idx="0"/>
+          </p:cNvCxnSpPr>
+          <p:nvPr/>
+        </p:nvCxnSpPr>
+        <p:spPr>
+          <a:xfrm flipV="1">
+            <a:off x="9695299" y="4039955"/>
+            <a:ext cx="349849" cy="610520"/>
+          </a:xfrm>
+          <a:prstGeom prst="straightConnector1">
+            <a:avLst/>
+          </a:prstGeom>
+          <a:ln w="25400">
+            <a:solidFill>
+              <a:schemeClr val="tx1"/>
+            </a:solidFill>
+            <a:tailEnd type="triangle"/>
+          </a:ln>
+        </p:spPr>
+        <p:style>
+          <a:lnRef idx="1">
+            <a:schemeClr val="accent1"/>
+          </a:lnRef>
+          <a:fillRef idx="0">
+            <a:schemeClr val="accent1"/>
+          </a:fillRef>
+          <a:effectRef idx="0">
+            <a:schemeClr val="accent1"/>
+          </a:effectRef>
+          <a:fontRef idx="minor">
+            <a:schemeClr val="tx1"/>
+          </a:fontRef>
+        </p:style>
+      </p:cxnSp>
+      <p:cxnSp>
+        <p:nvCxnSpPr>
+          <p:cNvPr id="24" name="Conector recto de flecha 23">
+            <a:extLst>
+              <a:ext uri="{FF2B5EF4-FFF2-40B4-BE49-F238E27FC236}">
+                <a16:creationId xmlns:a16="http://schemas.microsoft.com/office/drawing/2014/main" id="{F09EFE1C-1AA8-450D-8A9C-194D0A55B423}"/>
+              </a:ext>
+            </a:extLst>
+          </p:cNvPr>
+          <p:cNvCxnSpPr>
+            <a:cxnSpLocks/>
+          </p:cNvCxnSpPr>
+          <p:nvPr/>
+        </p:nvCxnSpPr>
+        <p:spPr>
+          <a:xfrm>
+            <a:off x="322994" y="2170599"/>
+            <a:ext cx="777419" cy="0"/>
+          </a:xfrm>
+          <a:prstGeom prst="straightConnector1">
+            <a:avLst/>
+          </a:prstGeom>
+          <a:ln w="25400">
+            <a:solidFill>
+              <a:schemeClr val="tx1"/>
+            </a:solidFill>
+            <a:tailEnd type="triangle"/>
+          </a:ln>
+        </p:spPr>
+        <p:style>
+          <a:lnRef idx="1">
+            <a:schemeClr val="accent1"/>
+          </a:lnRef>
+          <a:fillRef idx="0">
+            <a:schemeClr val="accent1"/>
+          </a:fillRef>
+          <a:effectRef idx="0">
+            <a:schemeClr val="accent1"/>
+          </a:effectRef>
+          <a:fontRef idx="minor">
+            <a:schemeClr val="tx1"/>
+          </a:fontRef>
+        </p:style>
+      </p:cxnSp>
     </p:spTree>
     <p:extLst>
       <p:ext uri="{BB962C8B-B14F-4D97-AF65-F5344CB8AC3E}">
@@ -11855,42 +14524,6 @@
           <a:chExt cx="0" cy="0"/>
         </a:xfrm>
       </p:grpSpPr>
-      <p:pic>
-        <p:nvPicPr>
-          <p:cNvPr id="6" name="Imagen 5" descr="Diagrama, Esquemático&#10;&#10;Descripción generada automáticamente">
-            <a:extLst>
-              <a:ext uri="{FF2B5EF4-FFF2-40B4-BE49-F238E27FC236}">
-                <a16:creationId xmlns:a16="http://schemas.microsoft.com/office/drawing/2014/main" id="{6C4A8845-2B3B-4949-8914-0C0AAF8ADBEF}"/>
-              </a:ext>
-            </a:extLst>
-          </p:cNvPr>
-          <p:cNvPicPr>
-            <a:picLocks noChangeAspect="1"/>
-          </p:cNvPicPr>
-          <p:nvPr/>
-        </p:nvPicPr>
-        <p:blipFill>
-          <a:blip r:embed="rId2">
-            <a:extLst>
-              <a:ext uri="{28A0092B-C50C-407E-A947-70E740481C1C}">
-                <a14:useLocalDpi xmlns:a14="http://schemas.microsoft.com/office/drawing/2010/main" val="0"/>
-              </a:ext>
-            </a:extLst>
-          </a:blip>
-          <a:stretch>
-            <a:fillRect/>
-          </a:stretch>
-        </p:blipFill>
-        <p:spPr>
-          <a:xfrm>
-            <a:off x="303261" y="946940"/>
-            <a:ext cx="11585478" cy="5453859"/>
-          </a:xfrm>
-          <a:prstGeom prst="rect">
-            <a:avLst/>
-          </a:prstGeom>
-        </p:spPr>
-      </p:pic>
       <p:sp>
         <p:nvSpPr>
           <p:cNvPr id="73" name="CuadroTexto 72">
@@ -11931,6 +14564,42 @@
           </a:p>
         </p:txBody>
       </p:sp>
+      <p:pic>
+        <p:nvPicPr>
+          <p:cNvPr id="8" name="Imagen 7" descr="Diagrama, Esquemático&#10;&#10;Descripción generada automáticamente">
+            <a:extLst>
+              <a:ext uri="{FF2B5EF4-FFF2-40B4-BE49-F238E27FC236}">
+                <a16:creationId xmlns:a16="http://schemas.microsoft.com/office/drawing/2014/main" id="{99CAA40B-E8BC-497B-BA41-7ECEF58FB70A}"/>
+              </a:ext>
+            </a:extLst>
+          </p:cNvPr>
+          <p:cNvPicPr>
+            <a:picLocks noChangeAspect="1"/>
+          </p:cNvPicPr>
+          <p:nvPr/>
+        </p:nvPicPr>
+        <p:blipFill>
+          <a:blip r:embed="rId2">
+            <a:extLst>
+              <a:ext uri="{28A0092B-C50C-407E-A947-70E740481C1C}">
+                <a14:useLocalDpi xmlns:a14="http://schemas.microsoft.com/office/drawing/2010/main" val="0"/>
+              </a:ext>
+            </a:extLst>
+          </a:blip>
+          <a:stretch>
+            <a:fillRect/>
+          </a:stretch>
+        </p:blipFill>
+        <p:spPr>
+          <a:xfrm>
+            <a:off x="303991" y="1028365"/>
+            <a:ext cx="11584017" cy="4801270"/>
+          </a:xfrm>
+          <a:prstGeom prst="rect">
+            <a:avLst/>
+          </a:prstGeom>
+        </p:spPr>
+      </p:pic>
     </p:spTree>
     <p:extLst>
       <p:ext uri="{BB962C8B-B14F-4D97-AF65-F5344CB8AC3E}">
@@ -11963,10 +14632,10 @@
       </p:grpSpPr>
       <p:pic>
         <p:nvPicPr>
-          <p:cNvPr id="6" name="Imagen 5" descr="Diagrama, Esquemático&#10;&#10;Descripción generada automáticamente">
-            <a:extLst>
-              <a:ext uri="{FF2B5EF4-FFF2-40B4-BE49-F238E27FC236}">
-                <a16:creationId xmlns:a16="http://schemas.microsoft.com/office/drawing/2014/main" id="{6C4A8845-2B3B-4949-8914-0C0AAF8ADBEF}"/>
+          <p:cNvPr id="19" name="Imagen 18" descr="Diagrama, Esquemático&#10;&#10;Descripción generada automáticamente">
+            <a:extLst>
+              <a:ext uri="{FF2B5EF4-FFF2-40B4-BE49-F238E27FC236}">
+                <a16:creationId xmlns:a16="http://schemas.microsoft.com/office/drawing/2014/main" id="{268B4A40-00F4-43E4-8AB3-605937D2D5BD}"/>
               </a:ext>
             </a:extLst>
           </p:cNvPr>
@@ -11989,8 +14658,8 @@
         </p:blipFill>
         <p:spPr>
           <a:xfrm>
-            <a:off x="303261" y="946940"/>
-            <a:ext cx="11585478" cy="5453859"/>
+            <a:off x="-803" y="1173505"/>
+            <a:ext cx="11584017" cy="4801270"/>
           </a:xfrm>
           <a:prstGeom prst="rect">
             <a:avLst/>
@@ -12011,7 +14680,7 @@
         </p:nvSpPr>
         <p:spPr>
           <a:xfrm>
-            <a:off x="3359449" y="302260"/>
+            <a:off x="2235765" y="214682"/>
             <a:ext cx="7265008" cy="523220"/>
           </a:xfrm>
           <a:prstGeom prst="rect">
@@ -12051,8 +14720,8 @@
         </p:nvSpPr>
         <p:spPr>
           <a:xfrm>
-            <a:off x="303261" y="825480"/>
-            <a:ext cx="5024113" cy="2447807"/>
+            <a:off x="303261" y="1173543"/>
+            <a:ext cx="5024113" cy="2634251"/>
           </a:xfrm>
           <a:prstGeom prst="rect">
             <a:avLst/>
@@ -12103,7 +14772,7 @@
         </p:nvSpPr>
         <p:spPr>
           <a:xfrm>
-            <a:off x="303261" y="2931886"/>
+            <a:off x="303261" y="3466393"/>
             <a:ext cx="2413931" cy="341401"/>
           </a:xfrm>
           <a:prstGeom prst="rect">
@@ -12163,7 +14832,7 @@
         <p:spPr>
           <a:xfrm>
             <a:off x="5327375" y="1707982"/>
-            <a:ext cx="2413932" cy="4968589"/>
+            <a:ext cx="2413932" cy="3880517"/>
           </a:xfrm>
           <a:prstGeom prst="rect">
             <a:avLst/>
@@ -12214,7 +14883,7 @@
         </p:nvSpPr>
         <p:spPr>
           <a:xfrm>
-            <a:off x="5327374" y="6032520"/>
+            <a:off x="5326592" y="1707351"/>
             <a:ext cx="2413931" cy="633639"/>
           </a:xfrm>
           <a:prstGeom prst="rect">
@@ -12330,8 +14999,8 @@
         </p:nvSpPr>
         <p:spPr>
           <a:xfrm>
-            <a:off x="7739741" y="825480"/>
-            <a:ext cx="4321629" cy="3804577"/>
+            <a:off x="7739742" y="682692"/>
+            <a:ext cx="4318260" cy="4400328"/>
           </a:xfrm>
           <a:prstGeom prst="rect">
             <a:avLst/>
@@ -12382,7 +15051,7 @@
         </p:nvSpPr>
         <p:spPr>
           <a:xfrm>
-            <a:off x="7739740" y="827315"/>
+            <a:off x="7736372" y="682692"/>
             <a:ext cx="4321629" cy="633639"/>
           </a:xfrm>
           <a:prstGeom prst="rect">
@@ -12441,8 +15110,8 @@
         </p:nvSpPr>
         <p:spPr>
           <a:xfrm>
-            <a:off x="7739741" y="4630058"/>
-            <a:ext cx="1201060" cy="1322834"/>
+            <a:off x="7739741" y="4630057"/>
+            <a:ext cx="1106536" cy="1400627"/>
           </a:xfrm>
           <a:prstGeom prst="rect">
             <a:avLst/>
@@ -12493,7 +15162,7 @@
         </p:nvSpPr>
         <p:spPr>
           <a:xfrm>
-            <a:off x="8946707" y="5020477"/>
+            <a:off x="8846277" y="5392483"/>
             <a:ext cx="2413931" cy="633639"/>
           </a:xfrm>
           <a:prstGeom prst="rect">
@@ -12552,8 +15221,8 @@
         </p:nvSpPr>
         <p:spPr>
           <a:xfrm>
-            <a:off x="2550883" y="4180114"/>
-            <a:ext cx="2993573" cy="1852406"/>
+            <a:off x="0" y="3807794"/>
+            <a:ext cx="4465984" cy="2224726"/>
           </a:xfrm>
           <a:prstGeom prst="rect">
             <a:avLst/>
@@ -12604,8 +15273,8 @@
         </p:nvSpPr>
         <p:spPr>
           <a:xfrm>
-            <a:off x="133999" y="4704459"/>
-            <a:ext cx="2413931" cy="633639"/>
+            <a:off x="0" y="5588499"/>
+            <a:ext cx="2426905" cy="444021"/>
           </a:xfrm>
           <a:prstGeom prst="rect">
             <a:avLst/>
@@ -12681,10 +15350,10 @@
       </p:grpSpPr>
       <p:sp>
         <p:nvSpPr>
-          <p:cNvPr id="73" name="CuadroTexto 72">
-            <a:extLst>
-              <a:ext uri="{FF2B5EF4-FFF2-40B4-BE49-F238E27FC236}">
-                <a16:creationId xmlns:a16="http://schemas.microsoft.com/office/drawing/2014/main" id="{1D37D215-F6C3-44B9-A35F-84B5481CFC03}"/>
+          <p:cNvPr id="4" name="CuadroTexto 3">
+            <a:extLst>
+              <a:ext uri="{FF2B5EF4-FFF2-40B4-BE49-F238E27FC236}">
+                <a16:creationId xmlns:a16="http://schemas.microsoft.com/office/drawing/2014/main" id="{1DE9D7C4-D1BB-48E4-B776-1B379586719F}"/>
               </a:ext>
             </a:extLst>
           </p:cNvPr>
@@ -12693,8 +15362,8 @@
         </p:nvSpPr>
         <p:spPr>
           <a:xfrm>
-            <a:off x="2427210" y="316774"/>
-            <a:ext cx="7337580" cy="523220"/>
+            <a:off x="1342571" y="285920"/>
+            <a:ext cx="9506857" cy="523220"/>
           </a:xfrm>
           <a:prstGeom prst="rect">
             <a:avLst/>
@@ -12714,51 +15383,1206 @@
                   <a:schemeClr val="tx1"/>
                 </a:solidFill>
               </a:rPr>
-              <a:t>Diagrama esquemático completo (alternativo)</a:t>
-            </a:r>
-          </a:p>
-        </p:txBody>
-      </p:sp>
-      <p:pic>
-        <p:nvPicPr>
-          <p:cNvPr id="3" name="Imagen 2" descr="Diagrama&#10;&#10;Descripción generada automáticamente">
-            <a:extLst>
-              <a:ext uri="{FF2B5EF4-FFF2-40B4-BE49-F238E27FC236}">
-                <a16:creationId xmlns:a16="http://schemas.microsoft.com/office/drawing/2014/main" id="{785AAB36-528B-4D3E-B0E4-9F9787E26FD1}"/>
-              </a:ext>
-            </a:extLst>
-          </p:cNvPr>
-          <p:cNvPicPr>
-            <a:picLocks noChangeAspect="1"/>
-          </p:cNvPicPr>
-          <p:nvPr/>
-        </p:nvPicPr>
-        <p:blipFill>
-          <a:blip r:embed="rId2">
-            <a:extLst>
-              <a:ext uri="{28A0092B-C50C-407E-A947-70E740481C1C}">
-                <a14:useLocalDpi xmlns:a14="http://schemas.microsoft.com/office/drawing/2010/main" val="0"/>
-              </a:ext>
-            </a:extLst>
-          </a:blip>
-          <a:stretch>
-            <a:fillRect/>
-          </a:stretch>
-        </p:blipFill>
-        <p:spPr>
-          <a:xfrm>
-            <a:off x="208728" y="839994"/>
-            <a:ext cx="11774543" cy="5496692"/>
+              <a:t>Descripción </a:t>
+            </a:r>
+            <a:r>
+              <a:rPr lang="es-MX" sz="2800" dirty="0"/>
+              <a:t>general </a:t>
+            </a:r>
+            <a:r>
+              <a:rPr lang="es-MX" sz="2800" dirty="0">
+                <a:solidFill>
+                  <a:schemeClr val="tx1"/>
+                </a:solidFill>
+              </a:rPr>
+              <a:t>del funcionamiento del programa del ESP01</a:t>
+            </a:r>
+          </a:p>
+        </p:txBody>
+      </p:sp>
+      <p:sp>
+        <p:nvSpPr>
+          <p:cNvPr id="5" name="Rectángulo 4">
+            <a:extLst>
+              <a:ext uri="{FF2B5EF4-FFF2-40B4-BE49-F238E27FC236}">
+                <a16:creationId xmlns:a16="http://schemas.microsoft.com/office/drawing/2014/main" id="{7DD5DE53-F775-4531-B507-48A260602091}"/>
+              </a:ext>
+            </a:extLst>
+          </p:cNvPr>
+          <p:cNvSpPr/>
+          <p:nvPr/>
+        </p:nvSpPr>
+        <p:spPr>
+          <a:xfrm>
+            <a:off x="533567" y="1357318"/>
+            <a:ext cx="2413931" cy="905109"/>
           </a:xfrm>
           <a:prstGeom prst="rect">
             <a:avLst/>
           </a:prstGeom>
-        </p:spPr>
-      </p:pic>
+          <a:noFill/>
+          <a:ln w="38100">
+            <a:solidFill>
+              <a:schemeClr val="tx1"/>
+            </a:solidFill>
+          </a:ln>
+        </p:spPr>
+        <p:style>
+          <a:lnRef idx="2">
+            <a:schemeClr val="accent1">
+              <a:shade val="50000"/>
+            </a:schemeClr>
+          </a:lnRef>
+          <a:fillRef idx="1">
+            <a:schemeClr val="accent1"/>
+          </a:fillRef>
+          <a:effectRef idx="0">
+            <a:schemeClr val="accent1"/>
+          </a:effectRef>
+          <a:fontRef idx="minor">
+            <a:schemeClr val="lt1"/>
+          </a:fontRef>
+        </p:style>
+        <p:txBody>
+          <a:bodyPr rtlCol="0" anchor="ctr"/>
+          <a:lstStyle/>
+          <a:p>
+            <a:pPr algn="ctr"/>
+            <a:r>
+              <a:rPr lang="es-MX" dirty="0">
+                <a:solidFill>
+                  <a:schemeClr val="tx1"/>
+                </a:solidFill>
+              </a:rPr>
+              <a:t>Inicialización</a:t>
+            </a:r>
+          </a:p>
+        </p:txBody>
+      </p:sp>
+      <p:sp>
+        <p:nvSpPr>
+          <p:cNvPr id="6" name="Rectángulo 5">
+            <a:extLst>
+              <a:ext uri="{FF2B5EF4-FFF2-40B4-BE49-F238E27FC236}">
+                <a16:creationId xmlns:a16="http://schemas.microsoft.com/office/drawing/2014/main" id="{6F532F66-F6A7-47C6-B931-38514A701218}"/>
+              </a:ext>
+            </a:extLst>
+          </p:cNvPr>
+          <p:cNvSpPr/>
+          <p:nvPr/>
+        </p:nvSpPr>
+        <p:spPr>
+          <a:xfrm>
+            <a:off x="3283393" y="1357317"/>
+            <a:ext cx="2413931" cy="905109"/>
+          </a:xfrm>
+          <a:prstGeom prst="rect">
+            <a:avLst/>
+          </a:prstGeom>
+          <a:noFill/>
+          <a:ln w="38100">
+            <a:solidFill>
+              <a:schemeClr val="tx1"/>
+            </a:solidFill>
+          </a:ln>
+        </p:spPr>
+        <p:style>
+          <a:lnRef idx="2">
+            <a:schemeClr val="accent1">
+              <a:shade val="50000"/>
+            </a:schemeClr>
+          </a:lnRef>
+          <a:fillRef idx="1">
+            <a:schemeClr val="accent1"/>
+          </a:fillRef>
+          <a:effectRef idx="0">
+            <a:schemeClr val="accent1"/>
+          </a:effectRef>
+          <a:fontRef idx="minor">
+            <a:schemeClr val="lt1"/>
+          </a:fontRef>
+        </p:style>
+        <p:txBody>
+          <a:bodyPr rtlCol="0" anchor="ctr"/>
+          <a:lstStyle/>
+          <a:p>
+            <a:pPr algn="ctr"/>
+            <a:r>
+              <a:rPr lang="es-MX" dirty="0">
+                <a:solidFill>
+                  <a:schemeClr val="tx1"/>
+                </a:solidFill>
+              </a:rPr>
+              <a:t>Medición de corriente y voltaje (mediante protocolo I2C)</a:t>
+            </a:r>
+          </a:p>
+        </p:txBody>
+      </p:sp>
+      <p:cxnSp>
+        <p:nvCxnSpPr>
+          <p:cNvPr id="7" name="Conector recto de flecha 6">
+            <a:extLst>
+              <a:ext uri="{FF2B5EF4-FFF2-40B4-BE49-F238E27FC236}">
+                <a16:creationId xmlns:a16="http://schemas.microsoft.com/office/drawing/2014/main" id="{A4D95758-31F6-4D9D-A9FF-8CCF48F6224D}"/>
+              </a:ext>
+            </a:extLst>
+          </p:cNvPr>
+          <p:cNvCxnSpPr>
+            <a:cxnSpLocks/>
+            <a:stCxn id="5" idx="3"/>
+            <a:endCxn id="6" idx="1"/>
+          </p:cNvCxnSpPr>
+          <p:nvPr/>
+        </p:nvCxnSpPr>
+        <p:spPr>
+          <a:xfrm flipV="1">
+            <a:off x="2947498" y="1809872"/>
+            <a:ext cx="335895" cy="1"/>
+          </a:xfrm>
+          <a:prstGeom prst="straightConnector1">
+            <a:avLst/>
+          </a:prstGeom>
+          <a:ln w="25400">
+            <a:solidFill>
+              <a:schemeClr val="tx1"/>
+            </a:solidFill>
+            <a:tailEnd type="triangle"/>
+          </a:ln>
+        </p:spPr>
+        <p:style>
+          <a:lnRef idx="1">
+            <a:schemeClr val="accent1"/>
+          </a:lnRef>
+          <a:fillRef idx="0">
+            <a:schemeClr val="accent1"/>
+          </a:fillRef>
+          <a:effectRef idx="0">
+            <a:schemeClr val="accent1"/>
+          </a:effectRef>
+          <a:fontRef idx="minor">
+            <a:schemeClr val="tx1"/>
+          </a:fontRef>
+        </p:style>
+      </p:cxnSp>
+      <p:sp>
+        <p:nvSpPr>
+          <p:cNvPr id="10" name="Rectángulo 9">
+            <a:extLst>
+              <a:ext uri="{FF2B5EF4-FFF2-40B4-BE49-F238E27FC236}">
+                <a16:creationId xmlns:a16="http://schemas.microsoft.com/office/drawing/2014/main" id="{03BB6DF1-3EF9-437F-BE83-854F94E1AA3A}"/>
+              </a:ext>
+            </a:extLst>
+          </p:cNvPr>
+          <p:cNvSpPr/>
+          <p:nvPr/>
+        </p:nvSpPr>
+        <p:spPr>
+          <a:xfrm>
+            <a:off x="6033219" y="1357316"/>
+            <a:ext cx="2413931" cy="905109"/>
+          </a:xfrm>
+          <a:prstGeom prst="rect">
+            <a:avLst/>
+          </a:prstGeom>
+          <a:noFill/>
+          <a:ln w="38100">
+            <a:solidFill>
+              <a:schemeClr val="tx1"/>
+            </a:solidFill>
+          </a:ln>
+        </p:spPr>
+        <p:style>
+          <a:lnRef idx="2">
+            <a:schemeClr val="accent1">
+              <a:shade val="50000"/>
+            </a:schemeClr>
+          </a:lnRef>
+          <a:fillRef idx="1">
+            <a:schemeClr val="accent1"/>
+          </a:fillRef>
+          <a:effectRef idx="0">
+            <a:schemeClr val="accent1"/>
+          </a:effectRef>
+          <a:fontRef idx="minor">
+            <a:schemeClr val="lt1"/>
+          </a:fontRef>
+        </p:style>
+        <p:txBody>
+          <a:bodyPr rtlCol="0" anchor="ctr"/>
+          <a:lstStyle/>
+          <a:p>
+            <a:pPr algn="ctr"/>
+            <a:r>
+              <a:rPr lang="es-MX" dirty="0">
+                <a:solidFill>
+                  <a:schemeClr val="tx1"/>
+                </a:solidFill>
+              </a:rPr>
+              <a:t>Cálculo de potencia</a:t>
+            </a:r>
+          </a:p>
+        </p:txBody>
+      </p:sp>
+      <p:cxnSp>
+        <p:nvCxnSpPr>
+          <p:cNvPr id="11" name="Conector recto de flecha 10">
+            <a:extLst>
+              <a:ext uri="{FF2B5EF4-FFF2-40B4-BE49-F238E27FC236}">
+                <a16:creationId xmlns:a16="http://schemas.microsoft.com/office/drawing/2014/main" id="{CAF9C86A-B257-4D38-A000-280DFAC6F9A6}"/>
+              </a:ext>
+            </a:extLst>
+          </p:cNvPr>
+          <p:cNvCxnSpPr>
+            <a:cxnSpLocks/>
+            <a:stCxn id="6" idx="3"/>
+            <a:endCxn id="10" idx="1"/>
+          </p:cNvCxnSpPr>
+          <p:nvPr/>
+        </p:nvCxnSpPr>
+        <p:spPr>
+          <a:xfrm flipV="1">
+            <a:off x="5697324" y="1809871"/>
+            <a:ext cx="335895" cy="1"/>
+          </a:xfrm>
+          <a:prstGeom prst="straightConnector1">
+            <a:avLst/>
+          </a:prstGeom>
+          <a:ln w="25400">
+            <a:solidFill>
+              <a:schemeClr val="tx1"/>
+            </a:solidFill>
+            <a:tailEnd type="triangle"/>
+          </a:ln>
+        </p:spPr>
+        <p:style>
+          <a:lnRef idx="1">
+            <a:schemeClr val="accent1"/>
+          </a:lnRef>
+          <a:fillRef idx="0">
+            <a:schemeClr val="accent1"/>
+          </a:fillRef>
+          <a:effectRef idx="0">
+            <a:schemeClr val="accent1"/>
+          </a:effectRef>
+          <a:fontRef idx="minor">
+            <a:schemeClr val="tx1"/>
+          </a:fontRef>
+        </p:style>
+      </p:cxnSp>
+      <p:cxnSp>
+        <p:nvCxnSpPr>
+          <p:cNvPr id="14" name="Conector recto de flecha 13">
+            <a:extLst>
+              <a:ext uri="{FF2B5EF4-FFF2-40B4-BE49-F238E27FC236}">
+                <a16:creationId xmlns:a16="http://schemas.microsoft.com/office/drawing/2014/main" id="{C487D980-5122-473D-A305-60B4FDB7BDF5}"/>
+              </a:ext>
+            </a:extLst>
+          </p:cNvPr>
+          <p:cNvCxnSpPr>
+            <a:cxnSpLocks/>
+            <a:stCxn id="10" idx="3"/>
+            <a:endCxn id="17" idx="1"/>
+          </p:cNvCxnSpPr>
+          <p:nvPr/>
+        </p:nvCxnSpPr>
+        <p:spPr>
+          <a:xfrm flipV="1">
+            <a:off x="8447150" y="1809870"/>
+            <a:ext cx="385400" cy="1"/>
+          </a:xfrm>
+          <a:prstGeom prst="straightConnector1">
+            <a:avLst/>
+          </a:prstGeom>
+          <a:ln w="25400">
+            <a:solidFill>
+              <a:schemeClr val="tx1"/>
+            </a:solidFill>
+            <a:tailEnd type="triangle"/>
+          </a:ln>
+        </p:spPr>
+        <p:style>
+          <a:lnRef idx="1">
+            <a:schemeClr val="accent1"/>
+          </a:lnRef>
+          <a:fillRef idx="0">
+            <a:schemeClr val="accent1"/>
+          </a:fillRef>
+          <a:effectRef idx="0">
+            <a:schemeClr val="accent1"/>
+          </a:effectRef>
+          <a:fontRef idx="minor">
+            <a:schemeClr val="tx1"/>
+          </a:fontRef>
+        </p:style>
+      </p:cxnSp>
+      <p:sp>
+        <p:nvSpPr>
+          <p:cNvPr id="17" name="Rectángulo 16">
+            <a:extLst>
+              <a:ext uri="{FF2B5EF4-FFF2-40B4-BE49-F238E27FC236}">
+                <a16:creationId xmlns:a16="http://schemas.microsoft.com/office/drawing/2014/main" id="{8BB2B324-85C4-4F03-A313-E8FD5CD74413}"/>
+              </a:ext>
+            </a:extLst>
+          </p:cNvPr>
+          <p:cNvSpPr/>
+          <p:nvPr/>
+        </p:nvSpPr>
+        <p:spPr>
+          <a:xfrm>
+            <a:off x="8832550" y="1357315"/>
+            <a:ext cx="2413931" cy="905109"/>
+          </a:xfrm>
+          <a:prstGeom prst="rect">
+            <a:avLst/>
+          </a:prstGeom>
+          <a:noFill/>
+          <a:ln w="38100">
+            <a:solidFill>
+              <a:schemeClr val="tx1"/>
+            </a:solidFill>
+          </a:ln>
+        </p:spPr>
+        <p:style>
+          <a:lnRef idx="2">
+            <a:schemeClr val="accent1">
+              <a:shade val="50000"/>
+            </a:schemeClr>
+          </a:lnRef>
+          <a:fillRef idx="1">
+            <a:schemeClr val="accent1"/>
+          </a:fillRef>
+          <a:effectRef idx="0">
+            <a:schemeClr val="accent1"/>
+          </a:effectRef>
+          <a:fontRef idx="minor">
+            <a:schemeClr val="lt1"/>
+          </a:fontRef>
+        </p:style>
+        <p:txBody>
+          <a:bodyPr rtlCol="0" anchor="ctr"/>
+          <a:lstStyle/>
+          <a:p>
+            <a:pPr algn="ctr"/>
+            <a:r>
+              <a:rPr lang="es-MX" dirty="0">
+                <a:solidFill>
+                  <a:schemeClr val="tx1"/>
+                </a:solidFill>
+              </a:rPr>
+              <a:t>Envío de datos a través del protocolo MQTT</a:t>
+            </a:r>
+          </a:p>
+        </p:txBody>
+      </p:sp>
+      <p:sp>
+        <p:nvSpPr>
+          <p:cNvPr id="18" name="Abrir llave 17">
+            <a:extLst>
+              <a:ext uri="{FF2B5EF4-FFF2-40B4-BE49-F238E27FC236}">
+                <a16:creationId xmlns:a16="http://schemas.microsoft.com/office/drawing/2014/main" id="{E86384D3-3FDB-49BC-B817-9A0E4EDC70CA}"/>
+              </a:ext>
+            </a:extLst>
+          </p:cNvPr>
+          <p:cNvSpPr/>
+          <p:nvPr/>
+        </p:nvSpPr>
+        <p:spPr>
+          <a:xfrm rot="5400000">
+            <a:off x="6253968" y="-734985"/>
+            <a:ext cx="698084" cy="6899926"/>
+          </a:xfrm>
+          <a:prstGeom prst="leftBrace">
+            <a:avLst>
+              <a:gd name="adj1" fmla="val 56154"/>
+              <a:gd name="adj2" fmla="val 41713"/>
+            </a:avLst>
+          </a:prstGeom>
+          <a:ln w="25400">
+            <a:solidFill>
+              <a:schemeClr val="tx1"/>
+            </a:solidFill>
+          </a:ln>
+        </p:spPr>
+        <p:style>
+          <a:lnRef idx="1">
+            <a:schemeClr val="accent1"/>
+          </a:lnRef>
+          <a:fillRef idx="0">
+            <a:schemeClr val="accent1"/>
+          </a:fillRef>
+          <a:effectRef idx="0">
+            <a:schemeClr val="accent1"/>
+          </a:effectRef>
+          <a:fontRef idx="minor">
+            <a:schemeClr val="tx1"/>
+          </a:fontRef>
+        </p:style>
+        <p:txBody>
+          <a:bodyPr rtlCol="0" anchor="ctr"/>
+          <a:lstStyle/>
+          <a:p>
+            <a:pPr algn="ctr"/>
+            <a:endParaRPr lang="es-MX"/>
+          </a:p>
+        </p:txBody>
+      </p:sp>
+      <p:sp>
+        <p:nvSpPr>
+          <p:cNvPr id="27" name="Rectángulo 26">
+            <a:extLst>
+              <a:ext uri="{FF2B5EF4-FFF2-40B4-BE49-F238E27FC236}">
+                <a16:creationId xmlns:a16="http://schemas.microsoft.com/office/drawing/2014/main" id="{9A66DCBC-58E9-4077-A586-C75870830E04}"/>
+              </a:ext>
+            </a:extLst>
+          </p:cNvPr>
+          <p:cNvSpPr/>
+          <p:nvPr/>
+        </p:nvSpPr>
+        <p:spPr>
+          <a:xfrm>
+            <a:off x="3774276" y="5716701"/>
+            <a:ext cx="5725324" cy="796996"/>
+          </a:xfrm>
+          <a:prstGeom prst="rect">
+            <a:avLst/>
+          </a:prstGeom>
+          <a:noFill/>
+          <a:ln w="38100">
+            <a:noFill/>
+          </a:ln>
+        </p:spPr>
+        <p:style>
+          <a:lnRef idx="2">
+            <a:schemeClr val="accent1">
+              <a:shade val="50000"/>
+            </a:schemeClr>
+          </a:lnRef>
+          <a:fillRef idx="1">
+            <a:schemeClr val="accent1"/>
+          </a:fillRef>
+          <a:effectRef idx="0">
+            <a:schemeClr val="accent1"/>
+          </a:effectRef>
+          <a:fontRef idx="minor">
+            <a:schemeClr val="lt1"/>
+          </a:fontRef>
+        </p:style>
+        <p:txBody>
+          <a:bodyPr rtlCol="0" anchor="ctr"/>
+          <a:lstStyle/>
+          <a:p>
+            <a:pPr algn="ctr"/>
+            <a:r>
+              <a:rPr lang="es-MX" dirty="0">
+                <a:solidFill>
+                  <a:schemeClr val="tx1"/>
+                </a:solidFill>
+              </a:rPr>
+              <a:t>Se realiza por cada conjunto de x muestras. </a:t>
+            </a:r>
+          </a:p>
+          <a:p>
+            <a:pPr algn="ctr"/>
+            <a:r>
+              <a:rPr lang="es-MX" dirty="0">
+                <a:solidFill>
+                  <a:schemeClr val="tx1"/>
+                </a:solidFill>
+              </a:rPr>
+              <a:t>Ej. Un conjunto de 76 muestras para 4 ciclos (4/60 de segundo)</a:t>
+            </a:r>
+          </a:p>
+        </p:txBody>
+      </p:sp>
+      <mc:AlternateContent xmlns:mc="http://schemas.openxmlformats.org/markup-compatibility/2006">
+        <mc:Choice xmlns:a14="http://schemas.microsoft.com/office/drawing/2010/main" Requires="a14">
+          <p:sp>
+            <p:nvSpPr>
+              <p:cNvPr id="28" name="Rectángulo 27">
+                <a:extLst>
+                  <a:ext uri="{FF2B5EF4-FFF2-40B4-BE49-F238E27FC236}">
+                    <a16:creationId xmlns:a16="http://schemas.microsoft.com/office/drawing/2014/main" id="{A5F155A5-3599-4A72-A396-9752E7C941C7}"/>
+                  </a:ext>
+                </a:extLst>
+              </p:cNvPr>
+              <p:cNvSpPr/>
+              <p:nvPr/>
+            </p:nvSpPr>
+            <p:spPr>
+              <a:xfrm>
+                <a:off x="3774276" y="2932903"/>
+                <a:ext cx="5725324" cy="1810218"/>
+              </a:xfrm>
+              <a:prstGeom prst="rect">
+                <a:avLst/>
+              </a:prstGeom>
+              <a:noFill/>
+              <a:ln w="38100">
+                <a:solidFill>
+                  <a:schemeClr val="tx1"/>
+                </a:solidFill>
+              </a:ln>
+            </p:spPr>
+            <p:style>
+              <a:lnRef idx="2">
+                <a:schemeClr val="accent1">
+                  <a:shade val="50000"/>
+                </a:schemeClr>
+              </a:lnRef>
+              <a:fillRef idx="1">
+                <a:schemeClr val="accent1"/>
+              </a:fillRef>
+              <a:effectRef idx="0">
+                <a:schemeClr val="accent1"/>
+              </a:effectRef>
+              <a:fontRef idx="minor">
+                <a:schemeClr val="lt1"/>
+              </a:fontRef>
+            </p:style>
+            <p:txBody>
+              <a:bodyPr rtlCol="0" anchor="ctr"/>
+              <a:lstStyle/>
+              <a:p>
+                <a:pPr algn="ctr"/>
+                <a:r>
+                  <a:rPr lang="es-MX" dirty="0">
+                    <a:solidFill>
+                      <a:schemeClr val="tx1"/>
+                    </a:solidFill>
+                  </a:rPr>
+                  <a:t>Cáculo de potencia:</a:t>
+                </a:r>
+              </a:p>
+              <a:p>
+                <a:pPr algn="ctr"/>
+                <a:r>
+                  <a:rPr lang="es-MX" dirty="0">
+                    <a:solidFill>
+                      <a:schemeClr val="tx1"/>
+                    </a:solidFill>
+                  </a:rPr>
+                  <a:t>Calcular amplitud pico-pico de corriente y voltaje</a:t>
+                </a:r>
+              </a:p>
+              <a:p>
+                <a:pPr algn="ctr"/>
+                <a:r>
+                  <a:rPr lang="es-MX" dirty="0">
+                    <a:solidFill>
+                      <a:schemeClr val="tx1"/>
+                    </a:solidFill>
+                  </a:rPr>
+                  <a:t>Calcular valor </a:t>
+                </a:r>
+                <a:r>
+                  <a:rPr lang="es-MX" dirty="0" err="1">
+                    <a:solidFill>
+                      <a:schemeClr val="tx1"/>
+                    </a:solidFill>
+                  </a:rPr>
+                  <a:t>rms</a:t>
+                </a:r>
+                <a:r>
+                  <a:rPr lang="es-MX" dirty="0">
+                    <a:solidFill>
+                      <a:schemeClr val="tx1"/>
+                    </a:solidFill>
+                  </a:rPr>
+                  <a:t> a partir de la amplitud pico-pico</a:t>
+                </a:r>
+              </a:p>
+              <a:p>
+                <a:pPr algn="ctr"/>
+                <a:r>
+                  <a:rPr lang="es-MX" dirty="0">
+                    <a:solidFill>
+                      <a:schemeClr val="tx1"/>
+                    </a:solidFill>
+                  </a:rPr>
+                  <a:t>Calcular la potencia</a:t>
+                </a:r>
+              </a:p>
+              <a:p>
+                <a:pPr algn="ctr"/>
+                <a14:m>
+                  <m:oMathPara xmlns:m="http://schemas.openxmlformats.org/officeDocument/2006/math">
+                    <m:oMathParaPr>
+                      <m:jc m:val="centerGroup"/>
+                    </m:oMathParaPr>
+                    <m:oMath xmlns:m="http://schemas.openxmlformats.org/officeDocument/2006/math">
+                      <m:r>
+                        <a:rPr lang="es-MX" b="0" i="1" smtClean="0">
+                          <a:solidFill>
+                            <a:schemeClr val="tx1"/>
+                          </a:solidFill>
+                          <a:latin typeface="Cambria Math" panose="02040503050406030204" pitchFamily="18" charset="0"/>
+                        </a:rPr>
+                        <m:t>𝑃</m:t>
+                      </m:r>
+                      <m:r>
+                        <a:rPr lang="es-MX" b="0" i="1" smtClean="0">
+                          <a:solidFill>
+                            <a:schemeClr val="tx1"/>
+                          </a:solidFill>
+                          <a:latin typeface="Cambria Math" panose="02040503050406030204" pitchFamily="18" charset="0"/>
+                        </a:rPr>
+                        <m:t>=</m:t>
+                      </m:r>
+                      <m:sSub>
+                        <m:sSubPr>
+                          <m:ctrlPr>
+                            <a:rPr lang="es-MX" b="0" i="1" smtClean="0">
+                              <a:solidFill>
+                                <a:schemeClr val="tx1"/>
+                              </a:solidFill>
+                              <a:latin typeface="Cambria Math" panose="02040503050406030204" pitchFamily="18" charset="0"/>
+                            </a:rPr>
+                          </m:ctrlPr>
+                        </m:sSubPr>
+                        <m:e>
+                          <m:r>
+                            <a:rPr lang="es-MX" b="0" i="1" smtClean="0">
+                              <a:solidFill>
+                                <a:schemeClr val="tx1"/>
+                              </a:solidFill>
+                              <a:latin typeface="Cambria Math" panose="02040503050406030204" pitchFamily="18" charset="0"/>
+                            </a:rPr>
+                            <m:t>𝑉</m:t>
+                          </m:r>
+                        </m:e>
+                        <m:sub>
+                          <m:r>
+                            <a:rPr lang="es-MX" b="0" i="1" smtClean="0">
+                              <a:solidFill>
+                                <a:schemeClr val="tx1"/>
+                              </a:solidFill>
+                              <a:latin typeface="Cambria Math" panose="02040503050406030204" pitchFamily="18" charset="0"/>
+                            </a:rPr>
+                            <m:t>𝑟𝑚𝑠</m:t>
+                          </m:r>
+                        </m:sub>
+                      </m:sSub>
+                      <m:r>
+                        <a:rPr lang="es-MX" b="0" i="1" smtClean="0">
+                          <a:solidFill>
+                            <a:schemeClr val="tx1"/>
+                          </a:solidFill>
+                          <a:latin typeface="Cambria Math" panose="02040503050406030204" pitchFamily="18" charset="0"/>
+                          <a:ea typeface="Cambria Math" panose="02040503050406030204" pitchFamily="18" charset="0"/>
+                        </a:rPr>
+                        <m:t>×</m:t>
+                      </m:r>
+                      <m:sSub>
+                        <m:sSubPr>
+                          <m:ctrlPr>
+                            <a:rPr lang="es-MX" i="1">
+                              <a:solidFill>
+                                <a:schemeClr val="tx1"/>
+                              </a:solidFill>
+                              <a:latin typeface="Cambria Math" panose="02040503050406030204" pitchFamily="18" charset="0"/>
+                            </a:rPr>
+                          </m:ctrlPr>
+                        </m:sSubPr>
+                        <m:e>
+                          <m:r>
+                            <a:rPr lang="es-MX" b="0" i="1" smtClean="0">
+                              <a:solidFill>
+                                <a:schemeClr val="tx1"/>
+                              </a:solidFill>
+                              <a:latin typeface="Cambria Math" panose="02040503050406030204" pitchFamily="18" charset="0"/>
+                            </a:rPr>
+                            <m:t>𝐼</m:t>
+                          </m:r>
+                        </m:e>
+                        <m:sub>
+                          <m:r>
+                            <a:rPr lang="es-MX" i="1">
+                              <a:solidFill>
+                                <a:schemeClr val="tx1"/>
+                              </a:solidFill>
+                              <a:latin typeface="Cambria Math" panose="02040503050406030204" pitchFamily="18" charset="0"/>
+                            </a:rPr>
+                            <m:t>𝑟𝑚𝑠</m:t>
+                          </m:r>
+                        </m:sub>
+                      </m:sSub>
+                    </m:oMath>
+                  </m:oMathPara>
+                </a14:m>
+                <a:endParaRPr lang="es-MX" dirty="0">
+                  <a:solidFill>
+                    <a:schemeClr val="tx1"/>
+                  </a:solidFill>
+                </a:endParaRPr>
+              </a:p>
+            </p:txBody>
+          </p:sp>
+        </mc:Choice>
+        <mc:Fallback>
+          <p:sp>
+            <p:nvSpPr>
+              <p:cNvPr id="28" name="Rectángulo 27">
+                <a:extLst>
+                  <a:ext uri="{FF2B5EF4-FFF2-40B4-BE49-F238E27FC236}">
+                    <a16:creationId xmlns:a16="http://schemas.microsoft.com/office/drawing/2014/main" id="{A5F155A5-3599-4A72-A396-9752E7C941C7}"/>
+                  </a:ext>
+                </a:extLst>
+              </p:cNvPr>
+              <p:cNvSpPr>
+                <a:spLocks noRot="1" noChangeAspect="1" noMove="1" noResize="1" noEditPoints="1" noAdjustHandles="1" noChangeArrowheads="1" noChangeShapeType="1" noTextEdit="1"/>
+              </p:cNvSpPr>
+              <p:nvPr/>
+            </p:nvSpPr>
+            <p:spPr>
+              <a:xfrm>
+                <a:off x="3774276" y="2932903"/>
+                <a:ext cx="5725324" cy="1810218"/>
+              </a:xfrm>
+              <a:prstGeom prst="rect">
+                <a:avLst/>
+              </a:prstGeom>
+              <a:blipFill>
+                <a:blip r:embed="rId2"/>
+                <a:stretch>
+                  <a:fillRect/>
+                </a:stretch>
+              </a:blipFill>
+              <a:ln w="38100">
+                <a:solidFill>
+                  <a:schemeClr val="tx1"/>
+                </a:solidFill>
+              </a:ln>
+            </p:spPr>
+            <p:txBody>
+              <a:bodyPr/>
+              <a:lstStyle/>
+              <a:p>
+                <a:r>
+                  <a:rPr lang="es-MX">
+                    <a:noFill/>
+                  </a:rPr>
+                  <a:t> </a:t>
+                </a:r>
+              </a:p>
+            </p:txBody>
+          </p:sp>
+        </mc:Fallback>
+      </mc:AlternateContent>
+      <mc:AlternateContent xmlns:mc="http://schemas.openxmlformats.org/markup-compatibility/2006">
+        <mc:Choice xmlns:a14="http://schemas.microsoft.com/office/drawing/2010/main" Requires="a14">
+          <p:sp>
+            <p:nvSpPr>
+              <p:cNvPr id="23" name="CuadroTexto 22">
+                <a:extLst>
+                  <a:ext uri="{FF2B5EF4-FFF2-40B4-BE49-F238E27FC236}">
+                    <a16:creationId xmlns:a16="http://schemas.microsoft.com/office/drawing/2014/main" id="{34749369-8D6A-4475-93F9-539C118AD62B}"/>
+                  </a:ext>
+                </a:extLst>
+              </p:cNvPr>
+              <p:cNvSpPr txBox="1"/>
+              <p:nvPr/>
+            </p:nvSpPr>
+            <p:spPr>
+              <a:xfrm>
+                <a:off x="3588938" y="4782315"/>
+                <a:ext cx="6096000" cy="931409"/>
+              </a:xfrm>
+              <a:prstGeom prst="rect">
+                <a:avLst/>
+              </a:prstGeom>
+              <a:noFill/>
+            </p:spPr>
+            <p:txBody>
+              <a:bodyPr wrap="square">
+                <a:spAutoFit/>
+              </a:bodyPr>
+              <a:lstStyle/>
+              <a:p>
+                <a:pPr/>
+                <a14:m>
+                  <m:oMathPara xmlns:m="http://schemas.openxmlformats.org/officeDocument/2006/math">
+                    <m:oMathParaPr>
+                      <m:jc m:val="centerGroup"/>
+                    </m:oMathParaPr>
+                    <m:oMath xmlns:m="http://schemas.openxmlformats.org/officeDocument/2006/math">
+                      <m:r>
+                        <a:rPr lang="es-MX" b="0" i="1" smtClean="0">
+                          <a:solidFill>
+                            <a:schemeClr val="tx1"/>
+                          </a:solidFill>
+                          <a:latin typeface="Cambria Math" panose="02040503050406030204" pitchFamily="18" charset="0"/>
+                        </a:rPr>
+                        <m:t>𝑃</m:t>
+                      </m:r>
+                      <m:r>
+                        <a:rPr lang="es-MX" b="0" i="1" smtClean="0">
+                          <a:solidFill>
+                            <a:schemeClr val="tx1"/>
+                          </a:solidFill>
+                          <a:latin typeface="Cambria Math" panose="02040503050406030204" pitchFamily="18" charset="0"/>
+                        </a:rPr>
+                        <m:t>=</m:t>
+                      </m:r>
+                      <m:rad>
+                        <m:radPr>
+                          <m:degHide m:val="on"/>
+                          <m:ctrlPr>
+                            <a:rPr lang="es-MX" b="0" i="1" smtClean="0">
+                              <a:solidFill>
+                                <a:schemeClr val="tx1"/>
+                              </a:solidFill>
+                              <a:latin typeface="Cambria Math" panose="02040503050406030204" pitchFamily="18" charset="0"/>
+                            </a:rPr>
+                          </m:ctrlPr>
+                        </m:radPr>
+                        <m:deg/>
+                        <m:e>
+                          <m:f>
+                            <m:fPr>
+                              <m:ctrlPr>
+                                <a:rPr lang="es-MX" b="0" i="1" smtClean="0">
+                                  <a:solidFill>
+                                    <a:schemeClr val="tx1"/>
+                                  </a:solidFill>
+                                  <a:latin typeface="Cambria Math" panose="02040503050406030204" pitchFamily="18" charset="0"/>
+                                </a:rPr>
+                              </m:ctrlPr>
+                            </m:fPr>
+                            <m:num>
+                              <m:nary>
+                                <m:naryPr>
+                                  <m:chr m:val="∑"/>
+                                  <m:limLoc m:val="subSup"/>
+                                  <m:ctrlPr>
+                                    <a:rPr lang="es-MX" b="0" i="1" smtClean="0">
+                                      <a:solidFill>
+                                        <a:schemeClr val="tx1"/>
+                                      </a:solidFill>
+                                      <a:latin typeface="Cambria Math" panose="02040503050406030204" pitchFamily="18" charset="0"/>
+                                    </a:rPr>
+                                  </m:ctrlPr>
+                                </m:naryPr>
+                                <m:sub>
+                                  <m:r>
+                                    <m:rPr>
+                                      <m:brk m:alnAt="25"/>
+                                    </m:rPr>
+                                    <a:rPr lang="es-MX" b="0" i="1" smtClean="0">
+                                      <a:solidFill>
+                                        <a:schemeClr val="tx1"/>
+                                      </a:solidFill>
+                                      <a:latin typeface="Cambria Math" panose="02040503050406030204" pitchFamily="18" charset="0"/>
+                                    </a:rPr>
+                                    <m:t>𝑖</m:t>
+                                  </m:r>
+                                  <m:r>
+                                    <a:rPr lang="es-MX" b="0" i="1" smtClean="0">
+                                      <a:solidFill>
+                                        <a:schemeClr val="tx1"/>
+                                      </a:solidFill>
+                                      <a:latin typeface="Cambria Math" panose="02040503050406030204" pitchFamily="18" charset="0"/>
+                                    </a:rPr>
+                                    <m:t>=0</m:t>
+                                  </m:r>
+                                </m:sub>
+                                <m:sup>
+                                  <m:r>
+                                    <a:rPr lang="es-MX" b="0" i="1" smtClean="0">
+                                      <a:solidFill>
+                                        <a:schemeClr val="tx1"/>
+                                      </a:solidFill>
+                                      <a:latin typeface="Cambria Math" panose="02040503050406030204" pitchFamily="18" charset="0"/>
+                                    </a:rPr>
+                                    <m:t>𝑛</m:t>
+                                  </m:r>
+                                </m:sup>
+                                <m:e>
+                                  <m:sSubSup>
+                                    <m:sSubSupPr>
+                                      <m:ctrlPr>
+                                        <a:rPr lang="es-MX" b="0" i="1" smtClean="0">
+                                          <a:solidFill>
+                                            <a:schemeClr val="tx1"/>
+                                          </a:solidFill>
+                                          <a:latin typeface="Cambria Math" panose="02040503050406030204" pitchFamily="18" charset="0"/>
+                                        </a:rPr>
+                                      </m:ctrlPr>
+                                    </m:sSubSupPr>
+                                    <m:e>
+                                      <m:r>
+                                        <a:rPr lang="es-MX" b="0" i="1" smtClean="0">
+                                          <a:solidFill>
+                                            <a:schemeClr val="tx1"/>
+                                          </a:solidFill>
+                                          <a:latin typeface="Cambria Math" panose="02040503050406030204" pitchFamily="18" charset="0"/>
+                                        </a:rPr>
+                                        <m:t>𝑉</m:t>
+                                      </m:r>
+                                    </m:e>
+                                    <m:sub>
+                                      <m:r>
+                                        <a:rPr lang="es-MX" b="0" i="1" smtClean="0">
+                                          <a:solidFill>
+                                            <a:schemeClr val="tx1"/>
+                                          </a:solidFill>
+                                          <a:latin typeface="Cambria Math" panose="02040503050406030204" pitchFamily="18" charset="0"/>
+                                        </a:rPr>
+                                        <m:t>𝑖</m:t>
+                                      </m:r>
+                                    </m:sub>
+                                    <m:sup>
+                                      <m:r>
+                                        <a:rPr lang="es-MX" b="0" i="1" smtClean="0">
+                                          <a:solidFill>
+                                            <a:schemeClr val="tx1"/>
+                                          </a:solidFill>
+                                          <a:latin typeface="Cambria Math" panose="02040503050406030204" pitchFamily="18" charset="0"/>
+                                        </a:rPr>
+                                        <m:t>2</m:t>
+                                      </m:r>
+                                    </m:sup>
+                                  </m:sSubSup>
+                                </m:e>
+                              </m:nary>
+                            </m:num>
+                            <m:den>
+                              <m:r>
+                                <a:rPr lang="es-MX" b="0" i="1" smtClean="0">
+                                  <a:solidFill>
+                                    <a:schemeClr val="tx1"/>
+                                  </a:solidFill>
+                                  <a:latin typeface="Cambria Math" panose="02040503050406030204" pitchFamily="18" charset="0"/>
+                                </a:rPr>
+                                <m:t>𝑛</m:t>
+                              </m:r>
+                            </m:den>
+                          </m:f>
+                        </m:e>
+                      </m:rad>
+                      <m:r>
+                        <a:rPr lang="es-MX" i="1">
+                          <a:latin typeface="Cambria Math" panose="02040503050406030204" pitchFamily="18" charset="0"/>
+                          <a:ea typeface="Cambria Math" panose="02040503050406030204" pitchFamily="18" charset="0"/>
+                        </a:rPr>
+                        <m:t>×</m:t>
+                      </m:r>
+                      <m:rad>
+                        <m:radPr>
+                          <m:degHide m:val="on"/>
+                          <m:ctrlPr>
+                            <a:rPr lang="es-MX" i="1">
+                              <a:latin typeface="Cambria Math" panose="02040503050406030204" pitchFamily="18" charset="0"/>
+                            </a:rPr>
+                          </m:ctrlPr>
+                        </m:radPr>
+                        <m:deg/>
+                        <m:e>
+                          <m:f>
+                            <m:fPr>
+                              <m:ctrlPr>
+                                <a:rPr lang="es-MX" i="1">
+                                  <a:latin typeface="Cambria Math" panose="02040503050406030204" pitchFamily="18" charset="0"/>
+                                </a:rPr>
+                              </m:ctrlPr>
+                            </m:fPr>
+                            <m:num>
+                              <m:nary>
+                                <m:naryPr>
+                                  <m:chr m:val="∑"/>
+                                  <m:limLoc m:val="subSup"/>
+                                  <m:ctrlPr>
+                                    <a:rPr lang="es-MX" i="1">
+                                      <a:latin typeface="Cambria Math" panose="02040503050406030204" pitchFamily="18" charset="0"/>
+                                    </a:rPr>
+                                  </m:ctrlPr>
+                                </m:naryPr>
+                                <m:sub>
+                                  <m:r>
+                                    <m:rPr>
+                                      <m:brk m:alnAt="25"/>
+                                    </m:rPr>
+                                    <a:rPr lang="es-MX" i="1">
+                                      <a:latin typeface="Cambria Math" panose="02040503050406030204" pitchFamily="18" charset="0"/>
+                                    </a:rPr>
+                                    <m:t>𝑖</m:t>
+                                  </m:r>
+                                  <m:r>
+                                    <a:rPr lang="es-MX" i="1">
+                                      <a:latin typeface="Cambria Math" panose="02040503050406030204" pitchFamily="18" charset="0"/>
+                                    </a:rPr>
+                                    <m:t>=0</m:t>
+                                  </m:r>
+                                </m:sub>
+                                <m:sup>
+                                  <m:r>
+                                    <a:rPr lang="es-MX" i="1">
+                                      <a:latin typeface="Cambria Math" panose="02040503050406030204" pitchFamily="18" charset="0"/>
+                                    </a:rPr>
+                                    <m:t>𝑛</m:t>
+                                  </m:r>
+                                </m:sup>
+                                <m:e>
+                                  <m:sSubSup>
+                                    <m:sSubSupPr>
+                                      <m:ctrlPr>
+                                        <a:rPr lang="es-MX" i="1">
+                                          <a:latin typeface="Cambria Math" panose="02040503050406030204" pitchFamily="18" charset="0"/>
+                                        </a:rPr>
+                                      </m:ctrlPr>
+                                    </m:sSubSupPr>
+                                    <m:e>
+                                      <m:r>
+                                        <a:rPr lang="es-MX" b="0" i="1" smtClean="0">
+                                          <a:latin typeface="Cambria Math" panose="02040503050406030204" pitchFamily="18" charset="0"/>
+                                        </a:rPr>
+                                        <m:t>𝐼</m:t>
+                                      </m:r>
+                                    </m:e>
+                                    <m:sub>
+                                      <m:r>
+                                        <a:rPr lang="es-MX" i="1">
+                                          <a:latin typeface="Cambria Math" panose="02040503050406030204" pitchFamily="18" charset="0"/>
+                                        </a:rPr>
+                                        <m:t>𝑖</m:t>
+                                      </m:r>
+                                    </m:sub>
+                                    <m:sup>
+                                      <m:r>
+                                        <a:rPr lang="es-MX" i="1">
+                                          <a:latin typeface="Cambria Math" panose="02040503050406030204" pitchFamily="18" charset="0"/>
+                                        </a:rPr>
+                                        <m:t>2</m:t>
+                                      </m:r>
+                                    </m:sup>
+                                  </m:sSubSup>
+                                </m:e>
+                              </m:nary>
+                            </m:num>
+                            <m:den>
+                              <m:r>
+                                <a:rPr lang="es-MX" i="1">
+                                  <a:latin typeface="Cambria Math" panose="02040503050406030204" pitchFamily="18" charset="0"/>
+                                </a:rPr>
+                                <m:t>𝑛</m:t>
+                              </m:r>
+                            </m:den>
+                          </m:f>
+                        </m:e>
+                      </m:rad>
+                    </m:oMath>
+                  </m:oMathPara>
+                </a14:m>
+                <a:endParaRPr lang="es-MX" dirty="0"/>
+              </a:p>
+            </p:txBody>
+          </p:sp>
+        </mc:Choice>
+        <mc:Fallback>
+          <p:sp>
+            <p:nvSpPr>
+              <p:cNvPr id="23" name="CuadroTexto 22">
+                <a:extLst>
+                  <a:ext uri="{FF2B5EF4-FFF2-40B4-BE49-F238E27FC236}">
+                    <a16:creationId xmlns:a16="http://schemas.microsoft.com/office/drawing/2014/main" id="{34749369-8D6A-4475-93F9-539C118AD62B}"/>
+                  </a:ext>
+                </a:extLst>
+              </p:cNvPr>
+              <p:cNvSpPr txBox="1">
+                <a:spLocks noRot="1" noChangeAspect="1" noMove="1" noResize="1" noEditPoints="1" noAdjustHandles="1" noChangeArrowheads="1" noChangeShapeType="1" noTextEdit="1"/>
+              </p:cNvSpPr>
+              <p:nvPr/>
+            </p:nvSpPr>
+            <p:spPr>
+              <a:xfrm>
+                <a:off x="3588938" y="4782315"/>
+                <a:ext cx="6096000" cy="931409"/>
+              </a:xfrm>
+              <a:prstGeom prst="rect">
+                <a:avLst/>
+              </a:prstGeom>
+              <a:blipFill>
+                <a:blip r:embed="rId3"/>
+                <a:stretch>
+                  <a:fillRect/>
+                </a:stretch>
+              </a:blipFill>
+            </p:spPr>
+            <p:txBody>
+              <a:bodyPr/>
+              <a:lstStyle/>
+              <a:p>
+                <a:r>
+                  <a:rPr lang="es-MX">
+                    <a:noFill/>
+                  </a:rPr>
+                  <a:t> </a:t>
+                </a:r>
+              </a:p>
+            </p:txBody>
+          </p:sp>
+        </mc:Fallback>
+      </mc:AlternateContent>
+      <p:sp>
+        <p:nvSpPr>
+          <p:cNvPr id="19" name="Rectángulo 18">
+            <a:extLst>
+              <a:ext uri="{FF2B5EF4-FFF2-40B4-BE49-F238E27FC236}">
+                <a16:creationId xmlns:a16="http://schemas.microsoft.com/office/drawing/2014/main" id="{368B233D-2623-4DB9-A90F-14EC43174A90}"/>
+              </a:ext>
+            </a:extLst>
+          </p:cNvPr>
+          <p:cNvSpPr/>
+          <p:nvPr/>
+        </p:nvSpPr>
+        <p:spPr>
+          <a:xfrm>
+            <a:off x="413601" y="4295034"/>
+            <a:ext cx="2862662" cy="1960621"/>
+          </a:xfrm>
+          <a:prstGeom prst="rect">
+            <a:avLst/>
+          </a:prstGeom>
+          <a:noFill/>
+          <a:ln w="38100">
+            <a:noFill/>
+          </a:ln>
+        </p:spPr>
+        <p:style>
+          <a:lnRef idx="2">
+            <a:schemeClr val="accent1">
+              <a:shade val="50000"/>
+            </a:schemeClr>
+          </a:lnRef>
+          <a:fillRef idx="1">
+            <a:schemeClr val="accent1"/>
+          </a:fillRef>
+          <a:effectRef idx="0">
+            <a:schemeClr val="accent1"/>
+          </a:effectRef>
+          <a:fontRef idx="minor">
+            <a:schemeClr val="lt1"/>
+          </a:fontRef>
+        </p:style>
+        <p:txBody>
+          <a:bodyPr rtlCol="0" anchor="ctr"/>
+          <a:lstStyle/>
+          <a:p>
+            <a:pPr algn="ctr"/>
+            <a:r>
+              <a:rPr lang="es-MX" dirty="0">
+                <a:solidFill>
+                  <a:schemeClr val="tx1"/>
+                </a:solidFill>
+              </a:rPr>
+              <a:t>Nota: No es posible sincronizar las lecturas de voltaje y corriente, por lo tanto, el cálculo de potencia instantánea queda descartado</a:t>
+            </a:r>
+          </a:p>
+        </p:txBody>
+      </p:sp>
     </p:spTree>
     <p:extLst>
       <p:ext uri="{BB962C8B-B14F-4D97-AF65-F5344CB8AC3E}">
-        <p14:creationId xmlns:p14="http://schemas.microsoft.com/office/powerpoint/2010/main" val="692929248"/>
+        <p14:creationId xmlns:p14="http://schemas.microsoft.com/office/powerpoint/2010/main" val="937427710"/>
       </p:ext>
     </p:extLst>
   </p:cSld>
